--- a/Na razie niech zostanie powerpoint.pptx
+++ b/Na razie niech zostanie powerpoint.pptx
@@ -5,7 +5,7 @@
     <p:sldMasterId id="2147483744" r:id="rId1"/>
   </p:sldMasterIdLst>
   <p:notesMasterIdLst>
-    <p:notesMasterId r:id="rId33"/>
+    <p:notesMasterId r:id="rId40"/>
   </p:notesMasterIdLst>
   <p:sldIdLst>
     <p:sldId id="256" r:id="rId2"/>
@@ -25,20 +25,27 @@
     <p:sldId id="270" r:id="rId16"/>
     <p:sldId id="271" r:id="rId17"/>
     <p:sldId id="272" r:id="rId18"/>
-    <p:sldId id="287" r:id="rId19"/>
-    <p:sldId id="289" r:id="rId20"/>
-    <p:sldId id="273" r:id="rId21"/>
-    <p:sldId id="274" r:id="rId22"/>
-    <p:sldId id="277" r:id="rId23"/>
-    <p:sldId id="278" r:id="rId24"/>
-    <p:sldId id="279" r:id="rId25"/>
-    <p:sldId id="280" r:id="rId26"/>
-    <p:sldId id="281" r:id="rId27"/>
-    <p:sldId id="282" r:id="rId28"/>
-    <p:sldId id="283" r:id="rId29"/>
-    <p:sldId id="284" r:id="rId30"/>
-    <p:sldId id="285" r:id="rId31"/>
-    <p:sldId id="286" r:id="rId32"/>
+    <p:sldId id="291" r:id="rId19"/>
+    <p:sldId id="296" r:id="rId20"/>
+    <p:sldId id="295" r:id="rId21"/>
+    <p:sldId id="294" r:id="rId22"/>
+    <p:sldId id="293" r:id="rId23"/>
+    <p:sldId id="292" r:id="rId24"/>
+    <p:sldId id="297" r:id="rId25"/>
+    <p:sldId id="287" r:id="rId26"/>
+    <p:sldId id="289" r:id="rId27"/>
+    <p:sldId id="273" r:id="rId28"/>
+    <p:sldId id="274" r:id="rId29"/>
+    <p:sldId id="277" r:id="rId30"/>
+    <p:sldId id="278" r:id="rId31"/>
+    <p:sldId id="279" r:id="rId32"/>
+    <p:sldId id="280" r:id="rId33"/>
+    <p:sldId id="281" r:id="rId34"/>
+    <p:sldId id="282" r:id="rId35"/>
+    <p:sldId id="283" r:id="rId36"/>
+    <p:sldId id="284" r:id="rId37"/>
+    <p:sldId id="285" r:id="rId38"/>
+    <p:sldId id="286" r:id="rId39"/>
   </p:sldIdLst>
   <p:sldSz cx="12192000" cy="6858000"/>
   <p:notesSz cx="6858000" cy="9144000"/>
@@ -227,7 +234,7 @@
           <a:p>
             <a:fld id="{AD47792D-8CD0-4D5E-B441-FCA09A316B75}" type="datetimeFigureOut">
               <a:rPr lang="pl-PL" smtClean="0"/>
-              <a:t>05.01.2025</a:t>
+              <a:t>09.01.2025</a:t>
             </a:fld>
             <a:endParaRPr lang="pl-PL"/>
           </a:p>
@@ -559,7 +566,7 @@
           <a:p>
             <a:fld id="{578D13F7-8B82-4B0B-8A7C-00A75F930691}" type="slidenum">
               <a:rPr lang="pl-PL" smtClean="0"/>
-              <a:t>31</a:t>
+              <a:t>38</a:t>
             </a:fld>
             <a:endParaRPr lang="pl-PL"/>
           </a:p>
@@ -734,7 +741,7 @@
           <a:p>
             <a:fld id="{3391A759-BFF8-4B5B-9ECE-D93AC303B331}" type="datetime1">
               <a:rPr lang="en-US" smtClean="0"/>
-              <a:t>1/5/2025</a:t>
+              <a:t>1/9/2025</a:t>
             </a:fld>
             <a:endParaRPr lang="en-US"/>
           </a:p>
@@ -988,7 +995,7 @@
           <a:p>
             <a:fld id="{6DFDF398-5DA3-4937-BE3F-7CA1B9158252}" type="datetime1">
               <a:rPr lang="en-US" smtClean="0"/>
-              <a:t>1/5/2025</a:t>
+              <a:t>1/9/2025</a:t>
             </a:fld>
             <a:endParaRPr lang="en-US"/>
           </a:p>
@@ -1198,7 +1205,7 @@
           <a:p>
             <a:fld id="{8F191ED9-F929-4A92-90F9-3C9C84ABBE83}" type="datetime1">
               <a:rPr lang="en-US" smtClean="0"/>
-              <a:t>1/5/2025</a:t>
+              <a:t>1/9/2025</a:t>
             </a:fld>
             <a:endParaRPr lang="en-US"/>
           </a:p>
@@ -1453,7 +1460,7 @@
           <a:p>
             <a:fld id="{EEBAB316-A2E6-49F2-825C-64AA951E4184}" type="datetime1">
               <a:rPr lang="en-US" smtClean="0"/>
-              <a:t>1/5/2025</a:t>
+              <a:t>1/9/2025</a:t>
             </a:fld>
             <a:endParaRPr lang="en-US"/>
           </a:p>
@@ -1731,7 +1738,7 @@
           <a:p>
             <a:fld id="{5AE9748B-ADD6-4C5A-8C2A-A39721276E74}" type="datetime1">
               <a:rPr lang="en-US" smtClean="0"/>
-              <a:t>1/5/2025</a:t>
+              <a:t>1/9/2025</a:t>
             </a:fld>
             <a:endParaRPr lang="en-US"/>
           </a:p>
@@ -2003,7 +2010,7 @@
           <a:p>
             <a:fld id="{7241FB0F-3C5C-4949-B933-9C7E511ED094}" type="datetime1">
               <a:rPr lang="en-US" smtClean="0"/>
-              <a:t>1/5/2025</a:t>
+              <a:t>1/9/2025</a:t>
             </a:fld>
             <a:endParaRPr lang="en-US"/>
           </a:p>
@@ -2491,7 +2498,7 @@
           <a:p>
             <a:fld id="{C2F01D58-E949-4BCB-829A-BBF80E38D59C}" type="datetime1">
               <a:rPr lang="en-US" smtClean="0"/>
-              <a:t>1/5/2025</a:t>
+              <a:t>1/9/2025</a:t>
             </a:fld>
             <a:endParaRPr lang="en-US"/>
           </a:p>
@@ -2633,7 +2640,7 @@
           <a:p>
             <a:fld id="{FF10A846-0DA4-4D92-9BF1-DE8C52C1F4DF}" type="datetime1">
               <a:rPr lang="en-US" smtClean="0"/>
-              <a:t>1/5/2025</a:t>
+              <a:t>1/9/2025</a:t>
             </a:fld>
             <a:endParaRPr lang="en-US"/>
           </a:p>
@@ -2746,7 +2753,7 @@
           <a:p>
             <a:fld id="{E9412331-4A9C-472F-A7FA-968157338839}" type="datetime1">
               <a:rPr lang="en-US" smtClean="0"/>
-              <a:t>1/5/2025</a:t>
+              <a:t>1/9/2025</a:t>
             </a:fld>
             <a:endParaRPr lang="en-US"/>
           </a:p>
@@ -3065,7 +3072,7 @@
           <a:p>
             <a:fld id="{A2197F3D-ED52-43FD-A26D-318B71534485}" type="datetime1">
               <a:rPr lang="en-US" smtClean="0"/>
-              <a:t>1/5/2025</a:t>
+              <a:t>1/9/2025</a:t>
             </a:fld>
             <a:endParaRPr lang="en-US"/>
           </a:p>
@@ -3362,7 +3369,7 @@
           <a:p>
             <a:fld id="{3D291FA4-6264-4BB8-B3B5-77711EED2D82}" type="datetime1">
               <a:rPr lang="en-US" smtClean="0"/>
-              <a:t>1/5/2025</a:t>
+              <a:t>1/9/2025</a:t>
             </a:fld>
             <a:endParaRPr lang="en-US"/>
           </a:p>
@@ -3603,7 +3610,7 @@
           <a:p>
             <a:fld id="{E7F6A1D9-D323-4F4E-8655-25E2D32CE742}" type="datetime1">
               <a:rPr lang="en-US" smtClean="0"/>
-              <a:t>1/5/2025</a:t>
+              <a:t>1/9/2025</a:t>
             </a:fld>
             <a:endParaRPr lang="en-US"/>
           </a:p>
@@ -7145,7 +7152,7 @@
             </a:pPr>
             <a:r>
               <a:rPr lang="pl-PL" sz="1800" dirty="0"/>
-              <a:t>Zastępujemy go przez odpowiednią ilość nowych trapezów (maksymalnie 4)</a:t>
+              <a:t>Zastępujemy go przez odpowiednią liczbę nowych trapezów (maksymalnie 4)</a:t>
             </a:r>
           </a:p>
           <a:p>
@@ -7778,12 +7785,12 @@
           <a:chExt cx="0" cy="0"/>
         </a:xfrm>
       </p:grpSpPr>
-      <p:sp useBgFill="1">
-        <p:nvSpPr>
-          <p:cNvPr id="10" name="Rectangle 9">
-            <a:extLst>
-              <a:ext uri="{FF2B5EF4-FFF2-40B4-BE49-F238E27FC236}">
-                <a16:creationId xmlns:a16="http://schemas.microsoft.com/office/drawing/2014/main" id="{AD1BDCCC-E676-2A7E-BE11-2B8C23DB287F}"/>
+      <p:sp>
+        <p:nvSpPr>
+          <p:cNvPr id="9" name="Rectangle 8">
+            <a:extLst>
+              <a:ext uri="{FF2B5EF4-FFF2-40B4-BE49-F238E27FC236}">
+                <a16:creationId xmlns:a16="http://schemas.microsoft.com/office/drawing/2014/main" id="{ADE57300-C7FF-4578-99A0-42B0295B123C}"/>
               </a:ext>
               <a:ext uri="{C183D7F6-B498-43B3-948B-1728B52AA6E4}">
                 <adec:decorative xmlns:adec="http://schemas.microsoft.com/office/drawing/2017/decorative" val="1"/>
@@ -7803,12 +7810,15 @@
         </p:nvSpPr>
         <p:spPr>
           <a:xfrm>
-            <a:off x="0" y="0"/>
-            <a:ext cx="12188952" cy="6857995"/>
+            <a:off x="517870" y="508090"/>
+            <a:ext cx="5021183" cy="149279"/>
           </a:xfrm>
           <a:prstGeom prst="rect">
             <a:avLst/>
           </a:prstGeom>
+          <a:solidFill>
+            <a:schemeClr val="tx1"/>
+          </a:solidFill>
           <a:ln>
             <a:noFill/>
           </a:ln>
@@ -7834,7 +7844,272 @@
           <a:lstStyle/>
           <a:p>
             <a:pPr algn="ctr"/>
-            <a:endParaRPr lang="en-US" dirty="0"/>
+            <a:endParaRPr lang="en-US"/>
+          </a:p>
+        </p:txBody>
+      </p:sp>
+      <p:sp>
+        <p:nvSpPr>
+          <p:cNvPr id="11" name="Rectangle 10">
+            <a:extLst>
+              <a:ext uri="{FF2B5EF4-FFF2-40B4-BE49-F238E27FC236}">
+                <a16:creationId xmlns:a16="http://schemas.microsoft.com/office/drawing/2014/main" id="{DB8F8250-7A81-4A19-87AD-FFB2CE4E39A5}"/>
+              </a:ext>
+              <a:ext uri="{C183D7F6-B498-43B3-948B-1728B52AA6E4}">
+                <adec:decorative xmlns:adec="http://schemas.microsoft.com/office/drawing/2017/decorative" val="1"/>
+              </a:ext>
+            </a:extLst>
+          </p:cNvPr>
+          <p:cNvSpPr>
+            <a:spLocks noGrp="1" noRot="1" noChangeAspect="1" noMove="1" noResize="1" noEditPoints="1" noAdjustHandles="1" noChangeArrowheads="1" noChangeShapeType="1" noTextEdit="1"/>
+          </p:cNvSpPr>
+          <p:nvPr>
+            <p:extLst>
+              <p:ext uri="{386F3935-93C4-4BCD-93E2-E3B085C9AB24}">
+                <p16:designElem xmlns:p16="http://schemas.microsoft.com/office/powerpoint/2015/main" val="1"/>
+              </p:ext>
+            </p:extLst>
+          </p:nvPr>
+        </p:nvSpPr>
+        <p:spPr>
+          <a:xfrm>
+            <a:off x="517870" y="508090"/>
+            <a:ext cx="5021183" cy="149279"/>
+          </a:xfrm>
+          <a:prstGeom prst="rect">
+            <a:avLst/>
+          </a:prstGeom>
+          <a:solidFill>
+            <a:schemeClr val="tx1"/>
+          </a:solidFill>
+          <a:ln>
+            <a:noFill/>
+          </a:ln>
+        </p:spPr>
+        <p:style>
+          <a:lnRef idx="2">
+            <a:schemeClr val="accent1">
+              <a:shade val="50000"/>
+            </a:schemeClr>
+          </a:lnRef>
+          <a:fillRef idx="1">
+            <a:schemeClr val="accent1"/>
+          </a:fillRef>
+          <a:effectRef idx="0">
+            <a:schemeClr val="accent1"/>
+          </a:effectRef>
+          <a:fontRef idx="minor">
+            <a:schemeClr val="lt1"/>
+          </a:fontRef>
+        </p:style>
+        <p:txBody>
+          <a:bodyPr rtlCol="0" anchor="ctr"/>
+          <a:lstStyle/>
+          <a:p>
+            <a:pPr algn="ctr"/>
+            <a:endParaRPr lang="en-US"/>
+          </a:p>
+        </p:txBody>
+      </p:sp>
+      <p:sp>
+        <p:nvSpPr>
+          <p:cNvPr id="13" name="Rectangle 12">
+            <a:extLst>
+              <a:ext uri="{FF2B5EF4-FFF2-40B4-BE49-F238E27FC236}">
+                <a16:creationId xmlns:a16="http://schemas.microsoft.com/office/drawing/2014/main" id="{499F38FC-2DEA-2647-C409-EF75720C1017}"/>
+              </a:ext>
+              <a:ext uri="{C183D7F6-B498-43B3-948B-1728B52AA6E4}">
+                <adec:decorative xmlns:adec="http://schemas.microsoft.com/office/drawing/2017/decorative" val="1"/>
+              </a:ext>
+            </a:extLst>
+          </p:cNvPr>
+          <p:cNvSpPr>
+            <a:spLocks noGrp="1" noRot="1" noChangeAspect="1" noMove="1" noResize="1" noEditPoints="1" noAdjustHandles="1" noChangeArrowheads="1" noChangeShapeType="1" noTextEdit="1"/>
+          </p:cNvSpPr>
+          <p:nvPr>
+            <p:extLst>
+              <p:ext uri="{386F3935-93C4-4BCD-93E2-E3B085C9AB24}">
+                <p16:designElem xmlns:p16="http://schemas.microsoft.com/office/powerpoint/2015/main" val="1"/>
+              </p:ext>
+            </p:extLst>
+          </p:nvPr>
+        </p:nvSpPr>
+        <p:spPr>
+          <a:xfrm>
+            <a:off x="517870" y="508090"/>
+            <a:ext cx="5021183" cy="149279"/>
+          </a:xfrm>
+          <a:prstGeom prst="rect">
+            <a:avLst/>
+          </a:prstGeom>
+          <a:solidFill>
+            <a:schemeClr val="tx1"/>
+          </a:solidFill>
+          <a:ln>
+            <a:noFill/>
+          </a:ln>
+        </p:spPr>
+        <p:style>
+          <a:lnRef idx="2">
+            <a:schemeClr val="accent1">
+              <a:shade val="50000"/>
+            </a:schemeClr>
+          </a:lnRef>
+          <a:fillRef idx="1">
+            <a:schemeClr val="accent1"/>
+          </a:fillRef>
+          <a:effectRef idx="0">
+            <a:schemeClr val="accent1"/>
+          </a:effectRef>
+          <a:fontRef idx="minor">
+            <a:schemeClr val="lt1"/>
+          </a:fontRef>
+        </p:style>
+        <p:txBody>
+          <a:bodyPr rtlCol="0" anchor="ctr"/>
+          <a:lstStyle/>
+          <a:p>
+            <a:pPr algn="ctr"/>
+            <a:endParaRPr lang="en-US"/>
+          </a:p>
+        </p:txBody>
+      </p:sp>
+      <p:sp>
+        <p:nvSpPr>
+          <p:cNvPr id="15" name="Rectangle 14">
+            <a:extLst>
+              <a:ext uri="{FF2B5EF4-FFF2-40B4-BE49-F238E27FC236}">
+                <a16:creationId xmlns:a16="http://schemas.microsoft.com/office/drawing/2014/main" id="{F3FF94B3-6D3E-44FE-BB02-A9027C0003C7}"/>
+              </a:ext>
+              <a:ext uri="{C183D7F6-B498-43B3-948B-1728B52AA6E4}">
+                <adec:decorative xmlns:adec="http://schemas.microsoft.com/office/drawing/2017/decorative" val="1"/>
+              </a:ext>
+            </a:extLst>
+          </p:cNvPr>
+          <p:cNvSpPr>
+            <a:spLocks noGrp="1" noRot="1" noChangeAspect="1" noMove="1" noResize="1" noEditPoints="1" noAdjustHandles="1" noChangeArrowheads="1" noChangeShapeType="1" noTextEdit="1"/>
+          </p:cNvSpPr>
+          <p:nvPr>
+            <p:extLst>
+              <p:ext uri="{386F3935-93C4-4BCD-93E2-E3B085C9AB24}">
+                <p16:designElem xmlns:p16="http://schemas.microsoft.com/office/powerpoint/2015/main" val="1"/>
+              </p:ext>
+            </p:extLst>
+          </p:nvPr>
+        </p:nvSpPr>
+        <p:spPr>
+          <a:xfrm>
+            <a:off x="6662168" y="6209925"/>
+            <a:ext cx="5021183" cy="45719"/>
+          </a:xfrm>
+          <a:prstGeom prst="rect">
+            <a:avLst/>
+          </a:prstGeom>
+          <a:solidFill>
+            <a:schemeClr val="tx1"/>
+          </a:solidFill>
+          <a:ln>
+            <a:noFill/>
+          </a:ln>
+        </p:spPr>
+        <p:style>
+          <a:lnRef idx="2">
+            <a:schemeClr val="accent1">
+              <a:shade val="50000"/>
+            </a:schemeClr>
+          </a:lnRef>
+          <a:fillRef idx="1">
+            <a:schemeClr val="accent1"/>
+          </a:fillRef>
+          <a:effectRef idx="0">
+            <a:schemeClr val="accent1"/>
+          </a:effectRef>
+          <a:fontRef idx="minor">
+            <a:schemeClr val="lt1"/>
+          </a:fontRef>
+        </p:style>
+        <p:txBody>
+          <a:bodyPr rtlCol="0" anchor="ctr"/>
+          <a:lstStyle/>
+          <a:p>
+            <a:pPr algn="ctr"/>
+            <a:endParaRPr lang="en-US"/>
+          </a:p>
+        </p:txBody>
+      </p:sp>
+      <p:sp useBgFill="1">
+        <p:nvSpPr>
+          <p:cNvPr id="17" name="Rectangle 16">
+            <a:extLst>
+              <a:ext uri="{FF2B5EF4-FFF2-40B4-BE49-F238E27FC236}">
+                <a16:creationId xmlns:a16="http://schemas.microsoft.com/office/drawing/2014/main" id="{C7EFAAB5-34A3-C2FC-70BA-7720CC8ADBAC}"/>
+              </a:ext>
+              <a:ext uri="{C183D7F6-B498-43B3-948B-1728B52AA6E4}">
+                <adec:decorative xmlns:adec="http://schemas.microsoft.com/office/drawing/2017/decorative" val="1"/>
+              </a:ext>
+            </a:extLst>
+          </p:cNvPr>
+          <p:cNvSpPr>
+            <a:spLocks noGrp="1" noRot="1" noChangeAspect="1" noMove="1" noResize="1" noEditPoints="1" noAdjustHandles="1" noChangeArrowheads="1" noChangeShapeType="1" noTextEdit="1"/>
+          </p:cNvSpPr>
+          <p:nvPr>
+            <p:extLst>
+              <p:ext uri="{386F3935-93C4-4BCD-93E2-E3B085C9AB24}">
+                <p16:designElem xmlns:p16="http://schemas.microsoft.com/office/powerpoint/2015/main" val="1"/>
+              </p:ext>
+            </p:extLst>
+          </p:nvPr>
+        </p:nvSpPr>
+        <p:spPr>
+          <a:xfrm>
+            <a:off x="0" y="0"/>
+            <a:ext cx="12192000" cy="6858000"/>
+          </a:xfrm>
+          <a:prstGeom prst="rect">
+            <a:avLst/>
+          </a:prstGeom>
+          <a:ln w="12700" cap="flat" cmpd="sng" algn="ctr">
+            <a:noFill/>
+            <a:prstDash val="solid"/>
+            <a:miter lim="800000"/>
+          </a:ln>
+          <a:effectLst/>
+          <a:extLst>
+            <a:ext uri="{91240B29-F687-4F45-9708-019B960494DF}">
+              <a14:hiddenLine xmlns:a14="http://schemas.microsoft.com/office/drawing/2010/main" w="12700" cap="flat" cmpd="sng" algn="ctr">
+                <a:solidFill>
+                  <a:schemeClr val="accent1">
+                    <a:shade val="15000"/>
+                  </a:schemeClr>
+                </a:solidFill>
+                <a:prstDash val="solid"/>
+                <a:miter lim="800000"/>
+              </a14:hiddenLine>
+            </a:ext>
+          </a:extLst>
+        </p:spPr>
+        <p:style>
+          <a:lnRef idx="2">
+            <a:schemeClr val="accent1">
+              <a:shade val="15000"/>
+            </a:schemeClr>
+          </a:lnRef>
+          <a:fillRef idx="1">
+            <a:schemeClr val="accent1"/>
+          </a:fillRef>
+          <a:effectRef idx="0">
+            <a:schemeClr val="accent1"/>
+          </a:effectRef>
+          <a:fontRef idx="minor">
+            <a:schemeClr val="lt1"/>
+          </a:fontRef>
+        </p:style>
+        <p:txBody>
+          <a:bodyPr rtlCol="0" anchor="ctr"/>
+          <a:lstStyle/>
+          <a:p>
+            <a:pPr algn="ctr"/>
+            <a:endParaRPr lang="en-US"/>
           </a:p>
         </p:txBody>
       </p:sp>
@@ -7843,7 +8118,7 @@
           <p:cNvPr id="2" name="Tytuł 1">
             <a:extLst>
               <a:ext uri="{FF2B5EF4-FFF2-40B4-BE49-F238E27FC236}">
-                <a16:creationId xmlns:a16="http://schemas.microsoft.com/office/drawing/2014/main" id="{11D3A185-4B16-F73F-CD7B-94C9FEBB44EB}"/>
+                <a16:creationId xmlns:a16="http://schemas.microsoft.com/office/drawing/2014/main" id="{6F1AD96D-92A9-B713-29E2-C1464E64BEEE}"/>
               </a:ext>
             </a:extLst>
           </p:cNvPr>
@@ -7856,29 +8131,87 @@
         </p:nvSpPr>
         <p:spPr>
           <a:xfrm>
-            <a:off x="521208" y="976160"/>
-            <a:ext cx="11149875" cy="1113897"/>
-          </a:xfrm>
-        </p:spPr>
-        <p:txBody>
-          <a:bodyPr>
+            <a:off x="521208" y="978409"/>
+            <a:ext cx="7263804" cy="1008208"/>
+          </a:xfrm>
+        </p:spPr>
+        <p:txBody>
+          <a:bodyPr vert="horz" lIns="91440" tIns="45720" rIns="91440" bIns="45720" rtlCol="0" anchor="t">
             <a:normAutofit/>
           </a:bodyPr>
           <a:lstStyle/>
           <a:p>
             <a:r>
-              <a:rPr lang="pl-PL" sz="4400" dirty="0"/>
-              <a:t>Przykład 1 tworzenia mapy trapezowej</a:t>
-            </a:r>
-          </a:p>
-        </p:txBody>
-      </p:sp>
-      <p:sp>
-        <p:nvSpPr>
-          <p:cNvPr id="12" name="Freeform: Shape 11">
-            <a:extLst>
-              <a:ext uri="{FF2B5EF4-FFF2-40B4-BE49-F238E27FC236}">
-                <a16:creationId xmlns:a16="http://schemas.microsoft.com/office/drawing/2014/main" id="{781C97B1-8A09-6383-8C65-A3B73577816A}"/>
+              <a:rPr lang="en-US" sz="4400" dirty="0" err="1"/>
+              <a:t>Tworzenie</a:t>
+            </a:r>
+            <a:r>
+              <a:rPr lang="en-US" sz="4400" dirty="0"/>
+              <a:t> </a:t>
+            </a:r>
+            <a:r>
+              <a:rPr lang="en-US" sz="4400" dirty="0" err="1"/>
+              <a:t>mapy</a:t>
+            </a:r>
+            <a:r>
+              <a:rPr lang="en-US" sz="4400" dirty="0"/>
+              <a:t> </a:t>
+            </a:r>
+            <a:r>
+              <a:rPr lang="en-US" sz="4400" dirty="0" err="1"/>
+              <a:t>trapezowej</a:t>
+            </a:r>
+            <a:endParaRPr lang="en-US" sz="4400" dirty="0"/>
+          </a:p>
+        </p:txBody>
+      </p:sp>
+      <p:sp>
+        <p:nvSpPr>
+          <p:cNvPr id="3" name="Symbol zastępczy zawartości 2">
+            <a:extLst>
+              <a:ext uri="{FF2B5EF4-FFF2-40B4-BE49-F238E27FC236}">
+                <a16:creationId xmlns:a16="http://schemas.microsoft.com/office/drawing/2014/main" id="{0628278A-D87A-AA92-0895-8608CDC977E5}"/>
+              </a:ext>
+            </a:extLst>
+          </p:cNvPr>
+          <p:cNvSpPr>
+            <a:spLocks noGrp="1"/>
+          </p:cNvSpPr>
+          <p:nvPr>
+            <p:ph idx="1"/>
+          </p:nvPr>
+        </p:nvSpPr>
+        <p:spPr>
+          <a:xfrm>
+            <a:off x="505601" y="1817583"/>
+            <a:ext cx="3634430" cy="490074"/>
+          </a:xfrm>
+        </p:spPr>
+        <p:txBody>
+          <a:bodyPr vert="horz" lIns="91440" tIns="45720" rIns="91440" bIns="45720" rtlCol="0" anchor="t">
+            <a:normAutofit/>
+          </a:bodyPr>
+          <a:lstStyle/>
+          <a:p>
+            <a:pPr>
+              <a:lnSpc>
+                <a:spcPct val="100000"/>
+              </a:lnSpc>
+            </a:pPr>
+            <a:r>
+              <a:rPr lang="en-US" sz="2200" dirty="0" err="1"/>
+              <a:t>Początek</a:t>
+            </a:r>
+            <a:endParaRPr lang="en-US" sz="2200" dirty="0"/>
+          </a:p>
+        </p:txBody>
+      </p:sp>
+      <p:sp>
+        <p:nvSpPr>
+          <p:cNvPr id="19" name="Freeform: Shape 18">
+            <a:extLst>
+              <a:ext uri="{FF2B5EF4-FFF2-40B4-BE49-F238E27FC236}">
+                <a16:creationId xmlns:a16="http://schemas.microsoft.com/office/drawing/2014/main" id="{FDD57DDC-2075-7CBD-00B4-0A5FF09917FF}"/>
               </a:ext>
               <a:ext uri="{C183D7F6-B498-43B3-948B-1728B52AA6E4}">
                 <adec:decorative xmlns:adec="http://schemas.microsoft.com/office/drawing/2017/decorative" val="1"/>
@@ -7983,10 +8316,10 @@
       </p:sp>
       <p:pic>
         <p:nvPicPr>
-          <p:cNvPr id="5" name="Obraz 4" descr="Obraz zawierający linia, diagram, Wykres">
-            <a:extLst>
-              <a:ext uri="{FF2B5EF4-FFF2-40B4-BE49-F238E27FC236}">
-                <a16:creationId xmlns:a16="http://schemas.microsoft.com/office/drawing/2014/main" id="{E2F66EE8-F51A-7B48-5953-8C0EA5EAC6AC}"/>
+          <p:cNvPr id="7" name="Picture 6">
+            <a:extLst>
+              <a:ext uri="{FF2B5EF4-FFF2-40B4-BE49-F238E27FC236}">
+                <a16:creationId xmlns:a16="http://schemas.microsoft.com/office/drawing/2014/main" id="{20C9EF0E-63DC-1E33-DBBF-91BB41E9A4EC}"/>
               </a:ext>
             </a:extLst>
           </p:cNvPr>
@@ -7996,21 +8329,15 @@
           <p:nvPr/>
         </p:nvPicPr>
         <p:blipFill>
-          <a:blip r:embed="rId2">
-            <a:extLst>
-              <a:ext uri="{28A0092B-C50C-407E-A947-70E740481C1C}">
-                <a14:useLocalDpi xmlns:a14="http://schemas.microsoft.com/office/drawing/2010/main" val="0"/>
-              </a:ext>
-            </a:extLst>
-          </a:blip>
+          <a:blip r:embed="rId2"/>
           <a:stretch>
             <a:fillRect/>
           </a:stretch>
         </p:blipFill>
         <p:spPr>
           <a:xfrm>
-            <a:off x="2883408" y="1777910"/>
-            <a:ext cx="6096000" cy="4572000"/>
+            <a:off x="826260" y="2484405"/>
+            <a:ext cx="9896385" cy="3554766"/>
           </a:xfrm>
           <a:prstGeom prst="rect">
             <a:avLst/>
@@ -8020,7 +8347,7 @@
     </p:spTree>
     <p:extLst>
       <p:ext uri="{BB962C8B-B14F-4D97-AF65-F5344CB8AC3E}">
-        <p14:creationId xmlns:p14="http://schemas.microsoft.com/office/powerpoint/2010/main" val="914195324"/>
+        <p14:creationId xmlns:p14="http://schemas.microsoft.com/office/powerpoint/2010/main" val="2298299142"/>
       </p:ext>
     </p:extLst>
   </p:cSld>
@@ -8046,7 +8373,7 @@
         <p:cNvPr id="1" name="">
           <a:extLst>
             <a:ext uri="{FF2B5EF4-FFF2-40B4-BE49-F238E27FC236}">
-              <a16:creationId xmlns:a16="http://schemas.microsoft.com/office/drawing/2014/main" id="{3FD90F3E-89A7-7696-F7F5-D6F91775E222}"/>
+              <a16:creationId xmlns:a16="http://schemas.microsoft.com/office/drawing/2014/main" id="{04F3EE72-1E1A-ABA9-7C11-A5C1D4248386}"/>
             </a:ext>
           </a:extLst>
         </p:cNvPr>
@@ -8061,12 +8388,12 @@
           <a:chExt cx="0" cy="0"/>
         </a:xfrm>
       </p:grpSpPr>
-      <p:sp useBgFill="1">
-        <p:nvSpPr>
-          <p:cNvPr id="10" name="Rectangle 9">
-            <a:extLst>
-              <a:ext uri="{FF2B5EF4-FFF2-40B4-BE49-F238E27FC236}">
-                <a16:creationId xmlns:a16="http://schemas.microsoft.com/office/drawing/2014/main" id="{E05C07EB-DE28-300E-563B-1DEDF54F6B2B}"/>
+      <p:sp>
+        <p:nvSpPr>
+          <p:cNvPr id="9" name="Rectangle 8">
+            <a:extLst>
+              <a:ext uri="{FF2B5EF4-FFF2-40B4-BE49-F238E27FC236}">
+                <a16:creationId xmlns:a16="http://schemas.microsoft.com/office/drawing/2014/main" id="{63747CF2-7059-0501-496D-DBDC69294319}"/>
               </a:ext>
               <a:ext uri="{C183D7F6-B498-43B3-948B-1728B52AA6E4}">
                 <adec:decorative xmlns:adec="http://schemas.microsoft.com/office/drawing/2017/decorative" val="1"/>
@@ -8086,12 +8413,15 @@
         </p:nvSpPr>
         <p:spPr>
           <a:xfrm>
-            <a:off x="0" y="0"/>
-            <a:ext cx="12188952" cy="6857995"/>
+            <a:off x="517870" y="508090"/>
+            <a:ext cx="5021183" cy="149279"/>
           </a:xfrm>
           <a:prstGeom prst="rect">
             <a:avLst/>
           </a:prstGeom>
+          <a:solidFill>
+            <a:schemeClr val="tx1"/>
+          </a:solidFill>
           <a:ln>
             <a:noFill/>
           </a:ln>
@@ -8117,7 +8447,272 @@
           <a:lstStyle/>
           <a:p>
             <a:pPr algn="ctr"/>
-            <a:endParaRPr lang="en-US" dirty="0"/>
+            <a:endParaRPr lang="en-US"/>
+          </a:p>
+        </p:txBody>
+      </p:sp>
+      <p:sp>
+        <p:nvSpPr>
+          <p:cNvPr id="11" name="Rectangle 10">
+            <a:extLst>
+              <a:ext uri="{FF2B5EF4-FFF2-40B4-BE49-F238E27FC236}">
+                <a16:creationId xmlns:a16="http://schemas.microsoft.com/office/drawing/2014/main" id="{2B9A10CB-936A-09D9-5493-CD810EC6AFB8}"/>
+              </a:ext>
+              <a:ext uri="{C183D7F6-B498-43B3-948B-1728B52AA6E4}">
+                <adec:decorative xmlns:adec="http://schemas.microsoft.com/office/drawing/2017/decorative" val="1"/>
+              </a:ext>
+            </a:extLst>
+          </p:cNvPr>
+          <p:cNvSpPr>
+            <a:spLocks noGrp="1" noRot="1" noChangeAspect="1" noMove="1" noResize="1" noEditPoints="1" noAdjustHandles="1" noChangeArrowheads="1" noChangeShapeType="1" noTextEdit="1"/>
+          </p:cNvSpPr>
+          <p:nvPr>
+            <p:extLst>
+              <p:ext uri="{386F3935-93C4-4BCD-93E2-E3B085C9AB24}">
+                <p16:designElem xmlns:p16="http://schemas.microsoft.com/office/powerpoint/2015/main" val="1"/>
+              </p:ext>
+            </p:extLst>
+          </p:nvPr>
+        </p:nvSpPr>
+        <p:spPr>
+          <a:xfrm>
+            <a:off x="517870" y="508090"/>
+            <a:ext cx="5021183" cy="149279"/>
+          </a:xfrm>
+          <a:prstGeom prst="rect">
+            <a:avLst/>
+          </a:prstGeom>
+          <a:solidFill>
+            <a:schemeClr val="tx1"/>
+          </a:solidFill>
+          <a:ln>
+            <a:noFill/>
+          </a:ln>
+        </p:spPr>
+        <p:style>
+          <a:lnRef idx="2">
+            <a:schemeClr val="accent1">
+              <a:shade val="50000"/>
+            </a:schemeClr>
+          </a:lnRef>
+          <a:fillRef idx="1">
+            <a:schemeClr val="accent1"/>
+          </a:fillRef>
+          <a:effectRef idx="0">
+            <a:schemeClr val="accent1"/>
+          </a:effectRef>
+          <a:fontRef idx="minor">
+            <a:schemeClr val="lt1"/>
+          </a:fontRef>
+        </p:style>
+        <p:txBody>
+          <a:bodyPr rtlCol="0" anchor="ctr"/>
+          <a:lstStyle/>
+          <a:p>
+            <a:pPr algn="ctr"/>
+            <a:endParaRPr lang="en-US"/>
+          </a:p>
+        </p:txBody>
+      </p:sp>
+      <p:sp>
+        <p:nvSpPr>
+          <p:cNvPr id="13" name="Rectangle 12">
+            <a:extLst>
+              <a:ext uri="{FF2B5EF4-FFF2-40B4-BE49-F238E27FC236}">
+                <a16:creationId xmlns:a16="http://schemas.microsoft.com/office/drawing/2014/main" id="{DCF236EB-751F-41B7-2067-5E2AD082C04B}"/>
+              </a:ext>
+              <a:ext uri="{C183D7F6-B498-43B3-948B-1728B52AA6E4}">
+                <adec:decorative xmlns:adec="http://schemas.microsoft.com/office/drawing/2017/decorative" val="1"/>
+              </a:ext>
+            </a:extLst>
+          </p:cNvPr>
+          <p:cNvSpPr>
+            <a:spLocks noGrp="1" noRot="1" noChangeAspect="1" noMove="1" noResize="1" noEditPoints="1" noAdjustHandles="1" noChangeArrowheads="1" noChangeShapeType="1" noTextEdit="1"/>
+          </p:cNvSpPr>
+          <p:nvPr>
+            <p:extLst>
+              <p:ext uri="{386F3935-93C4-4BCD-93E2-E3B085C9AB24}">
+                <p16:designElem xmlns:p16="http://schemas.microsoft.com/office/powerpoint/2015/main" val="1"/>
+              </p:ext>
+            </p:extLst>
+          </p:nvPr>
+        </p:nvSpPr>
+        <p:spPr>
+          <a:xfrm>
+            <a:off x="517870" y="508090"/>
+            <a:ext cx="5021183" cy="149279"/>
+          </a:xfrm>
+          <a:prstGeom prst="rect">
+            <a:avLst/>
+          </a:prstGeom>
+          <a:solidFill>
+            <a:schemeClr val="tx1"/>
+          </a:solidFill>
+          <a:ln>
+            <a:noFill/>
+          </a:ln>
+        </p:spPr>
+        <p:style>
+          <a:lnRef idx="2">
+            <a:schemeClr val="accent1">
+              <a:shade val="50000"/>
+            </a:schemeClr>
+          </a:lnRef>
+          <a:fillRef idx="1">
+            <a:schemeClr val="accent1"/>
+          </a:fillRef>
+          <a:effectRef idx="0">
+            <a:schemeClr val="accent1"/>
+          </a:effectRef>
+          <a:fontRef idx="minor">
+            <a:schemeClr val="lt1"/>
+          </a:fontRef>
+        </p:style>
+        <p:txBody>
+          <a:bodyPr rtlCol="0" anchor="ctr"/>
+          <a:lstStyle/>
+          <a:p>
+            <a:pPr algn="ctr"/>
+            <a:endParaRPr lang="en-US"/>
+          </a:p>
+        </p:txBody>
+      </p:sp>
+      <p:sp>
+        <p:nvSpPr>
+          <p:cNvPr id="15" name="Rectangle 14">
+            <a:extLst>
+              <a:ext uri="{FF2B5EF4-FFF2-40B4-BE49-F238E27FC236}">
+                <a16:creationId xmlns:a16="http://schemas.microsoft.com/office/drawing/2014/main" id="{951A1912-1349-5F91-04E0-561557E79EB2}"/>
+              </a:ext>
+              <a:ext uri="{C183D7F6-B498-43B3-948B-1728B52AA6E4}">
+                <adec:decorative xmlns:adec="http://schemas.microsoft.com/office/drawing/2017/decorative" val="1"/>
+              </a:ext>
+            </a:extLst>
+          </p:cNvPr>
+          <p:cNvSpPr>
+            <a:spLocks noGrp="1" noRot="1" noChangeAspect="1" noMove="1" noResize="1" noEditPoints="1" noAdjustHandles="1" noChangeArrowheads="1" noChangeShapeType="1" noTextEdit="1"/>
+          </p:cNvSpPr>
+          <p:nvPr>
+            <p:extLst>
+              <p:ext uri="{386F3935-93C4-4BCD-93E2-E3B085C9AB24}">
+                <p16:designElem xmlns:p16="http://schemas.microsoft.com/office/powerpoint/2015/main" val="1"/>
+              </p:ext>
+            </p:extLst>
+          </p:nvPr>
+        </p:nvSpPr>
+        <p:spPr>
+          <a:xfrm>
+            <a:off x="6662168" y="6209925"/>
+            <a:ext cx="5021183" cy="45719"/>
+          </a:xfrm>
+          <a:prstGeom prst="rect">
+            <a:avLst/>
+          </a:prstGeom>
+          <a:solidFill>
+            <a:schemeClr val="tx1"/>
+          </a:solidFill>
+          <a:ln>
+            <a:noFill/>
+          </a:ln>
+        </p:spPr>
+        <p:style>
+          <a:lnRef idx="2">
+            <a:schemeClr val="accent1">
+              <a:shade val="50000"/>
+            </a:schemeClr>
+          </a:lnRef>
+          <a:fillRef idx="1">
+            <a:schemeClr val="accent1"/>
+          </a:fillRef>
+          <a:effectRef idx="0">
+            <a:schemeClr val="accent1"/>
+          </a:effectRef>
+          <a:fontRef idx="minor">
+            <a:schemeClr val="lt1"/>
+          </a:fontRef>
+        </p:style>
+        <p:txBody>
+          <a:bodyPr rtlCol="0" anchor="ctr"/>
+          <a:lstStyle/>
+          <a:p>
+            <a:pPr algn="ctr"/>
+            <a:endParaRPr lang="en-US"/>
+          </a:p>
+        </p:txBody>
+      </p:sp>
+      <p:sp useBgFill="1">
+        <p:nvSpPr>
+          <p:cNvPr id="17" name="Rectangle 16">
+            <a:extLst>
+              <a:ext uri="{FF2B5EF4-FFF2-40B4-BE49-F238E27FC236}">
+                <a16:creationId xmlns:a16="http://schemas.microsoft.com/office/drawing/2014/main" id="{EF87505B-A860-F6DA-FEAB-932A110CC483}"/>
+              </a:ext>
+              <a:ext uri="{C183D7F6-B498-43B3-948B-1728B52AA6E4}">
+                <adec:decorative xmlns:adec="http://schemas.microsoft.com/office/drawing/2017/decorative" val="1"/>
+              </a:ext>
+            </a:extLst>
+          </p:cNvPr>
+          <p:cNvSpPr>
+            <a:spLocks noGrp="1" noRot="1" noChangeAspect="1" noMove="1" noResize="1" noEditPoints="1" noAdjustHandles="1" noChangeArrowheads="1" noChangeShapeType="1" noTextEdit="1"/>
+          </p:cNvSpPr>
+          <p:nvPr>
+            <p:extLst>
+              <p:ext uri="{386F3935-93C4-4BCD-93E2-E3B085C9AB24}">
+                <p16:designElem xmlns:p16="http://schemas.microsoft.com/office/powerpoint/2015/main" val="1"/>
+              </p:ext>
+            </p:extLst>
+          </p:nvPr>
+        </p:nvSpPr>
+        <p:spPr>
+          <a:xfrm>
+            <a:off x="0" y="0"/>
+            <a:ext cx="12192000" cy="6858000"/>
+          </a:xfrm>
+          <a:prstGeom prst="rect">
+            <a:avLst/>
+          </a:prstGeom>
+          <a:ln w="12700" cap="flat" cmpd="sng" algn="ctr">
+            <a:noFill/>
+            <a:prstDash val="solid"/>
+            <a:miter lim="800000"/>
+          </a:ln>
+          <a:effectLst/>
+          <a:extLst>
+            <a:ext uri="{91240B29-F687-4F45-9708-019B960494DF}">
+              <a14:hiddenLine xmlns:a14="http://schemas.microsoft.com/office/drawing/2010/main" w="12700" cap="flat" cmpd="sng" algn="ctr">
+                <a:solidFill>
+                  <a:schemeClr val="accent1">
+                    <a:shade val="15000"/>
+                  </a:schemeClr>
+                </a:solidFill>
+                <a:prstDash val="solid"/>
+                <a:miter lim="800000"/>
+              </a14:hiddenLine>
+            </a:ext>
+          </a:extLst>
+        </p:spPr>
+        <p:style>
+          <a:lnRef idx="2">
+            <a:schemeClr val="accent1">
+              <a:shade val="15000"/>
+            </a:schemeClr>
+          </a:lnRef>
+          <a:fillRef idx="1">
+            <a:schemeClr val="accent1"/>
+          </a:fillRef>
+          <a:effectRef idx="0">
+            <a:schemeClr val="accent1"/>
+          </a:effectRef>
+          <a:fontRef idx="minor">
+            <a:schemeClr val="lt1"/>
+          </a:fontRef>
+        </p:style>
+        <p:txBody>
+          <a:bodyPr rtlCol="0" anchor="ctr"/>
+          <a:lstStyle/>
+          <a:p>
+            <a:pPr algn="ctr"/>
+            <a:endParaRPr lang="en-US"/>
           </a:p>
         </p:txBody>
       </p:sp>
@@ -8126,7 +8721,7 @@
           <p:cNvPr id="2" name="Tytuł 1">
             <a:extLst>
               <a:ext uri="{FF2B5EF4-FFF2-40B4-BE49-F238E27FC236}">
-                <a16:creationId xmlns:a16="http://schemas.microsoft.com/office/drawing/2014/main" id="{40C9B354-F722-2C06-2101-ABE57F1BB45B}"/>
+                <a16:creationId xmlns:a16="http://schemas.microsoft.com/office/drawing/2014/main" id="{8D1C9FAD-4DD9-0810-88A0-ADD4C0005F82}"/>
               </a:ext>
             </a:extLst>
           </p:cNvPr>
@@ -8139,29 +8734,95 @@
         </p:nvSpPr>
         <p:spPr>
           <a:xfrm>
-            <a:off x="521208" y="976160"/>
-            <a:ext cx="11149875" cy="1113897"/>
-          </a:xfrm>
-        </p:spPr>
-        <p:txBody>
-          <a:bodyPr>
+            <a:off x="521208" y="978409"/>
+            <a:ext cx="7263804" cy="1008208"/>
+          </a:xfrm>
+        </p:spPr>
+        <p:txBody>
+          <a:bodyPr vert="horz" lIns="91440" tIns="45720" rIns="91440" bIns="45720" rtlCol="0" anchor="t">
             <a:normAutofit/>
           </a:bodyPr>
           <a:lstStyle/>
           <a:p>
             <a:r>
-              <a:rPr lang="pl-PL" sz="4400" dirty="0"/>
-              <a:t>Przykład 2 tworzenia mapy trapezowej</a:t>
-            </a:r>
-          </a:p>
-        </p:txBody>
-      </p:sp>
-      <p:sp>
-        <p:nvSpPr>
-          <p:cNvPr id="12" name="Freeform: Shape 11">
-            <a:extLst>
-              <a:ext uri="{FF2B5EF4-FFF2-40B4-BE49-F238E27FC236}">
-                <a16:creationId xmlns:a16="http://schemas.microsoft.com/office/drawing/2014/main" id="{1F161103-8C3C-394B-6147-CDB031A303FB}"/>
+              <a:rPr lang="en-US" sz="4400" dirty="0" err="1"/>
+              <a:t>Tworzenie</a:t>
+            </a:r>
+            <a:r>
+              <a:rPr lang="en-US" sz="4400" dirty="0"/>
+              <a:t> </a:t>
+            </a:r>
+            <a:r>
+              <a:rPr lang="en-US" sz="4400" dirty="0" err="1"/>
+              <a:t>mapy</a:t>
+            </a:r>
+            <a:r>
+              <a:rPr lang="en-US" sz="4400" dirty="0"/>
+              <a:t> </a:t>
+            </a:r>
+            <a:r>
+              <a:rPr lang="en-US" sz="4400" dirty="0" err="1"/>
+              <a:t>trapezowej</a:t>
+            </a:r>
+            <a:endParaRPr lang="en-US" sz="4400" dirty="0"/>
+          </a:p>
+        </p:txBody>
+      </p:sp>
+      <p:sp>
+        <p:nvSpPr>
+          <p:cNvPr id="3" name="Symbol zastępczy zawartości 2">
+            <a:extLst>
+              <a:ext uri="{FF2B5EF4-FFF2-40B4-BE49-F238E27FC236}">
+                <a16:creationId xmlns:a16="http://schemas.microsoft.com/office/drawing/2014/main" id="{82D2CB1E-F302-BDF5-1896-833E3F8BFAFA}"/>
+              </a:ext>
+            </a:extLst>
+          </p:cNvPr>
+          <p:cNvSpPr>
+            <a:spLocks noGrp="1"/>
+          </p:cNvSpPr>
+          <p:nvPr>
+            <p:ph idx="1"/>
+          </p:nvPr>
+        </p:nvSpPr>
+        <p:spPr>
+          <a:xfrm>
+            <a:off x="505601" y="1817583"/>
+            <a:ext cx="3634430" cy="490074"/>
+          </a:xfrm>
+        </p:spPr>
+        <p:txBody>
+          <a:bodyPr vert="horz" lIns="91440" tIns="45720" rIns="91440" bIns="45720" rtlCol="0" anchor="t">
+            <a:normAutofit/>
+          </a:bodyPr>
+          <a:lstStyle/>
+          <a:p>
+            <a:pPr>
+              <a:lnSpc>
+                <a:spcPct val="100000"/>
+              </a:lnSpc>
+            </a:pPr>
+            <a:r>
+              <a:rPr lang="en-US" sz="2200" dirty="0" err="1"/>
+              <a:t>Dodajemy</a:t>
+            </a:r>
+            <a:r>
+              <a:rPr lang="en-US" sz="2200" dirty="0"/>
+              <a:t> </a:t>
+            </a:r>
+            <a:r>
+              <a:rPr lang="en-US" sz="2200" dirty="0" err="1"/>
+              <a:t>odcinek</a:t>
+            </a:r>
+            <a:endParaRPr lang="en-US" sz="2200" dirty="0"/>
+          </a:p>
+        </p:txBody>
+      </p:sp>
+      <p:sp>
+        <p:nvSpPr>
+          <p:cNvPr id="19" name="Freeform: Shape 18">
+            <a:extLst>
+              <a:ext uri="{FF2B5EF4-FFF2-40B4-BE49-F238E27FC236}">
+                <a16:creationId xmlns:a16="http://schemas.microsoft.com/office/drawing/2014/main" id="{AB18D7D6-A4C1-8653-ABE8-655F93ED5024}"/>
               </a:ext>
               <a:ext uri="{C183D7F6-B498-43B3-948B-1728B52AA6E4}">
                 <adec:decorative xmlns:adec="http://schemas.microsoft.com/office/drawing/2017/decorative" val="1"/>
@@ -8266,10 +8927,10 @@
       </p:sp>
       <p:pic>
         <p:nvPicPr>
-          <p:cNvPr id="4" name="Obraz 3" descr="Obraz zawierający diagram, linia, Wykres&#10;&#10;Opis wygenerowany automatycznie">
-            <a:extLst>
-              <a:ext uri="{FF2B5EF4-FFF2-40B4-BE49-F238E27FC236}">
-                <a16:creationId xmlns:a16="http://schemas.microsoft.com/office/drawing/2014/main" id="{450FC66D-F24D-AA42-C83B-07F230A7B3E5}"/>
+          <p:cNvPr id="7" name="Picture 8">
+            <a:extLst>
+              <a:ext uri="{FF2B5EF4-FFF2-40B4-BE49-F238E27FC236}">
+                <a16:creationId xmlns:a16="http://schemas.microsoft.com/office/drawing/2014/main" id="{C92BA478-81D0-709A-080B-F1E9D649B66A}"/>
               </a:ext>
             </a:extLst>
           </p:cNvPr>
@@ -8279,21 +8940,15 @@
           <p:nvPr/>
         </p:nvPicPr>
         <p:blipFill>
-          <a:blip r:embed="rId2">
-            <a:extLst>
-              <a:ext uri="{28A0092B-C50C-407E-A947-70E740481C1C}">
-                <a14:useLocalDpi xmlns:a14="http://schemas.microsoft.com/office/drawing/2010/main" val="0"/>
-              </a:ext>
-            </a:extLst>
-          </a:blip>
+          <a:blip r:embed="rId2"/>
           <a:stretch>
             <a:fillRect/>
           </a:stretch>
         </p:blipFill>
         <p:spPr>
           <a:xfrm>
-            <a:off x="3046476" y="1891146"/>
-            <a:ext cx="6096000" cy="4572000"/>
+            <a:off x="0" y="2378832"/>
+            <a:ext cx="12192000" cy="4502893"/>
           </a:xfrm>
           <a:prstGeom prst="rect">
             <a:avLst/>
@@ -8303,7 +8958,7 @@
     </p:spTree>
     <p:extLst>
       <p:ext uri="{BB962C8B-B14F-4D97-AF65-F5344CB8AC3E}">
-        <p14:creationId xmlns:p14="http://schemas.microsoft.com/office/powerpoint/2010/main" val="2580628288"/>
+        <p14:creationId xmlns:p14="http://schemas.microsoft.com/office/powerpoint/2010/main" val="1565302076"/>
       </p:ext>
     </p:extLst>
   </p:cSld>
@@ -8675,6 +9330,3581 @@
     </p:bg>
     <p:spTree>
       <p:nvGrpSpPr>
+        <p:cNvPr id="1" name="">
+          <a:extLst>
+            <a:ext uri="{FF2B5EF4-FFF2-40B4-BE49-F238E27FC236}">
+              <a16:creationId xmlns:a16="http://schemas.microsoft.com/office/drawing/2014/main" id="{4FF82C9A-6189-C030-31CD-7F15F221F09A}"/>
+            </a:ext>
+          </a:extLst>
+        </p:cNvPr>
+        <p:cNvGrpSpPr/>
+        <p:nvPr/>
+      </p:nvGrpSpPr>
+      <p:grpSpPr>
+        <a:xfrm>
+          <a:off x="0" y="0"/>
+          <a:ext cx="0" cy="0"/>
+          <a:chOff x="0" y="0"/>
+          <a:chExt cx="0" cy="0"/>
+        </a:xfrm>
+      </p:grpSpPr>
+      <p:sp>
+        <p:nvSpPr>
+          <p:cNvPr id="9" name="Rectangle 8">
+            <a:extLst>
+              <a:ext uri="{FF2B5EF4-FFF2-40B4-BE49-F238E27FC236}">
+                <a16:creationId xmlns:a16="http://schemas.microsoft.com/office/drawing/2014/main" id="{AB0C48FF-0E26-D8C4-B98D-E317095BEEA1}"/>
+              </a:ext>
+              <a:ext uri="{C183D7F6-B498-43B3-948B-1728B52AA6E4}">
+                <adec:decorative xmlns:adec="http://schemas.microsoft.com/office/drawing/2017/decorative" val="1"/>
+              </a:ext>
+            </a:extLst>
+          </p:cNvPr>
+          <p:cNvSpPr>
+            <a:spLocks noGrp="1" noRot="1" noChangeAspect="1" noMove="1" noResize="1" noEditPoints="1" noAdjustHandles="1" noChangeArrowheads="1" noChangeShapeType="1" noTextEdit="1"/>
+          </p:cNvSpPr>
+          <p:nvPr>
+            <p:extLst>
+              <p:ext uri="{386F3935-93C4-4BCD-93E2-E3B085C9AB24}">
+                <p16:designElem xmlns:p16="http://schemas.microsoft.com/office/powerpoint/2015/main" val="1"/>
+              </p:ext>
+            </p:extLst>
+          </p:nvPr>
+        </p:nvSpPr>
+        <p:spPr>
+          <a:xfrm>
+            <a:off x="517870" y="508090"/>
+            <a:ext cx="5021183" cy="149279"/>
+          </a:xfrm>
+          <a:prstGeom prst="rect">
+            <a:avLst/>
+          </a:prstGeom>
+          <a:solidFill>
+            <a:schemeClr val="tx1"/>
+          </a:solidFill>
+          <a:ln>
+            <a:noFill/>
+          </a:ln>
+        </p:spPr>
+        <p:style>
+          <a:lnRef idx="2">
+            <a:schemeClr val="accent1">
+              <a:shade val="50000"/>
+            </a:schemeClr>
+          </a:lnRef>
+          <a:fillRef idx="1">
+            <a:schemeClr val="accent1"/>
+          </a:fillRef>
+          <a:effectRef idx="0">
+            <a:schemeClr val="accent1"/>
+          </a:effectRef>
+          <a:fontRef idx="minor">
+            <a:schemeClr val="lt1"/>
+          </a:fontRef>
+        </p:style>
+        <p:txBody>
+          <a:bodyPr rtlCol="0" anchor="ctr"/>
+          <a:lstStyle/>
+          <a:p>
+            <a:pPr algn="ctr"/>
+            <a:endParaRPr lang="en-US"/>
+          </a:p>
+        </p:txBody>
+      </p:sp>
+      <p:sp>
+        <p:nvSpPr>
+          <p:cNvPr id="11" name="Rectangle 10">
+            <a:extLst>
+              <a:ext uri="{FF2B5EF4-FFF2-40B4-BE49-F238E27FC236}">
+                <a16:creationId xmlns:a16="http://schemas.microsoft.com/office/drawing/2014/main" id="{1DBACB56-6DE1-576B-C799-D12819D88FFD}"/>
+              </a:ext>
+              <a:ext uri="{C183D7F6-B498-43B3-948B-1728B52AA6E4}">
+                <adec:decorative xmlns:adec="http://schemas.microsoft.com/office/drawing/2017/decorative" val="1"/>
+              </a:ext>
+            </a:extLst>
+          </p:cNvPr>
+          <p:cNvSpPr>
+            <a:spLocks noGrp="1" noRot="1" noChangeAspect="1" noMove="1" noResize="1" noEditPoints="1" noAdjustHandles="1" noChangeArrowheads="1" noChangeShapeType="1" noTextEdit="1"/>
+          </p:cNvSpPr>
+          <p:nvPr>
+            <p:extLst>
+              <p:ext uri="{386F3935-93C4-4BCD-93E2-E3B085C9AB24}">
+                <p16:designElem xmlns:p16="http://schemas.microsoft.com/office/powerpoint/2015/main" val="1"/>
+              </p:ext>
+            </p:extLst>
+          </p:nvPr>
+        </p:nvSpPr>
+        <p:spPr>
+          <a:xfrm>
+            <a:off x="517870" y="508090"/>
+            <a:ext cx="5021183" cy="149279"/>
+          </a:xfrm>
+          <a:prstGeom prst="rect">
+            <a:avLst/>
+          </a:prstGeom>
+          <a:solidFill>
+            <a:schemeClr val="tx1"/>
+          </a:solidFill>
+          <a:ln>
+            <a:noFill/>
+          </a:ln>
+        </p:spPr>
+        <p:style>
+          <a:lnRef idx="2">
+            <a:schemeClr val="accent1">
+              <a:shade val="50000"/>
+            </a:schemeClr>
+          </a:lnRef>
+          <a:fillRef idx="1">
+            <a:schemeClr val="accent1"/>
+          </a:fillRef>
+          <a:effectRef idx="0">
+            <a:schemeClr val="accent1"/>
+          </a:effectRef>
+          <a:fontRef idx="minor">
+            <a:schemeClr val="lt1"/>
+          </a:fontRef>
+        </p:style>
+        <p:txBody>
+          <a:bodyPr rtlCol="0" anchor="ctr"/>
+          <a:lstStyle/>
+          <a:p>
+            <a:pPr algn="ctr"/>
+            <a:endParaRPr lang="en-US"/>
+          </a:p>
+        </p:txBody>
+      </p:sp>
+      <p:sp>
+        <p:nvSpPr>
+          <p:cNvPr id="13" name="Rectangle 12">
+            <a:extLst>
+              <a:ext uri="{FF2B5EF4-FFF2-40B4-BE49-F238E27FC236}">
+                <a16:creationId xmlns:a16="http://schemas.microsoft.com/office/drawing/2014/main" id="{9D27762B-310B-7B25-3297-6C1E466832C5}"/>
+              </a:ext>
+              <a:ext uri="{C183D7F6-B498-43B3-948B-1728B52AA6E4}">
+                <adec:decorative xmlns:adec="http://schemas.microsoft.com/office/drawing/2017/decorative" val="1"/>
+              </a:ext>
+            </a:extLst>
+          </p:cNvPr>
+          <p:cNvSpPr>
+            <a:spLocks noGrp="1" noRot="1" noChangeAspect="1" noMove="1" noResize="1" noEditPoints="1" noAdjustHandles="1" noChangeArrowheads="1" noChangeShapeType="1" noTextEdit="1"/>
+          </p:cNvSpPr>
+          <p:nvPr>
+            <p:extLst>
+              <p:ext uri="{386F3935-93C4-4BCD-93E2-E3B085C9AB24}">
+                <p16:designElem xmlns:p16="http://schemas.microsoft.com/office/powerpoint/2015/main" val="1"/>
+              </p:ext>
+            </p:extLst>
+          </p:nvPr>
+        </p:nvSpPr>
+        <p:spPr>
+          <a:xfrm>
+            <a:off x="517870" y="508090"/>
+            <a:ext cx="5021183" cy="149279"/>
+          </a:xfrm>
+          <a:prstGeom prst="rect">
+            <a:avLst/>
+          </a:prstGeom>
+          <a:solidFill>
+            <a:schemeClr val="tx1"/>
+          </a:solidFill>
+          <a:ln>
+            <a:noFill/>
+          </a:ln>
+        </p:spPr>
+        <p:style>
+          <a:lnRef idx="2">
+            <a:schemeClr val="accent1">
+              <a:shade val="50000"/>
+            </a:schemeClr>
+          </a:lnRef>
+          <a:fillRef idx="1">
+            <a:schemeClr val="accent1"/>
+          </a:fillRef>
+          <a:effectRef idx="0">
+            <a:schemeClr val="accent1"/>
+          </a:effectRef>
+          <a:fontRef idx="minor">
+            <a:schemeClr val="lt1"/>
+          </a:fontRef>
+        </p:style>
+        <p:txBody>
+          <a:bodyPr rtlCol="0" anchor="ctr"/>
+          <a:lstStyle/>
+          <a:p>
+            <a:pPr algn="ctr"/>
+            <a:endParaRPr lang="en-US"/>
+          </a:p>
+        </p:txBody>
+      </p:sp>
+      <p:sp>
+        <p:nvSpPr>
+          <p:cNvPr id="15" name="Rectangle 14">
+            <a:extLst>
+              <a:ext uri="{FF2B5EF4-FFF2-40B4-BE49-F238E27FC236}">
+                <a16:creationId xmlns:a16="http://schemas.microsoft.com/office/drawing/2014/main" id="{266B6290-5D92-45E5-C42B-4D7E12E29F47}"/>
+              </a:ext>
+              <a:ext uri="{C183D7F6-B498-43B3-948B-1728B52AA6E4}">
+                <adec:decorative xmlns:adec="http://schemas.microsoft.com/office/drawing/2017/decorative" val="1"/>
+              </a:ext>
+            </a:extLst>
+          </p:cNvPr>
+          <p:cNvSpPr>
+            <a:spLocks noGrp="1" noRot="1" noChangeAspect="1" noMove="1" noResize="1" noEditPoints="1" noAdjustHandles="1" noChangeArrowheads="1" noChangeShapeType="1" noTextEdit="1"/>
+          </p:cNvSpPr>
+          <p:nvPr>
+            <p:extLst>
+              <p:ext uri="{386F3935-93C4-4BCD-93E2-E3B085C9AB24}">
+                <p16:designElem xmlns:p16="http://schemas.microsoft.com/office/powerpoint/2015/main" val="1"/>
+              </p:ext>
+            </p:extLst>
+          </p:nvPr>
+        </p:nvSpPr>
+        <p:spPr>
+          <a:xfrm>
+            <a:off x="6662168" y="6209925"/>
+            <a:ext cx="5021183" cy="45719"/>
+          </a:xfrm>
+          <a:prstGeom prst="rect">
+            <a:avLst/>
+          </a:prstGeom>
+          <a:solidFill>
+            <a:schemeClr val="tx1"/>
+          </a:solidFill>
+          <a:ln>
+            <a:noFill/>
+          </a:ln>
+        </p:spPr>
+        <p:style>
+          <a:lnRef idx="2">
+            <a:schemeClr val="accent1">
+              <a:shade val="50000"/>
+            </a:schemeClr>
+          </a:lnRef>
+          <a:fillRef idx="1">
+            <a:schemeClr val="accent1"/>
+          </a:fillRef>
+          <a:effectRef idx="0">
+            <a:schemeClr val="accent1"/>
+          </a:effectRef>
+          <a:fontRef idx="minor">
+            <a:schemeClr val="lt1"/>
+          </a:fontRef>
+        </p:style>
+        <p:txBody>
+          <a:bodyPr rtlCol="0" anchor="ctr"/>
+          <a:lstStyle/>
+          <a:p>
+            <a:pPr algn="ctr"/>
+            <a:endParaRPr lang="en-US"/>
+          </a:p>
+        </p:txBody>
+      </p:sp>
+      <p:sp useBgFill="1">
+        <p:nvSpPr>
+          <p:cNvPr id="17" name="Rectangle 16">
+            <a:extLst>
+              <a:ext uri="{FF2B5EF4-FFF2-40B4-BE49-F238E27FC236}">
+                <a16:creationId xmlns:a16="http://schemas.microsoft.com/office/drawing/2014/main" id="{222C36F7-59EE-5263-AD21-A2B963115AC6}"/>
+              </a:ext>
+              <a:ext uri="{C183D7F6-B498-43B3-948B-1728B52AA6E4}">
+                <adec:decorative xmlns:adec="http://schemas.microsoft.com/office/drawing/2017/decorative" val="1"/>
+              </a:ext>
+            </a:extLst>
+          </p:cNvPr>
+          <p:cNvSpPr>
+            <a:spLocks noGrp="1" noRot="1" noChangeAspect="1" noMove="1" noResize="1" noEditPoints="1" noAdjustHandles="1" noChangeArrowheads="1" noChangeShapeType="1" noTextEdit="1"/>
+          </p:cNvSpPr>
+          <p:nvPr>
+            <p:extLst>
+              <p:ext uri="{386F3935-93C4-4BCD-93E2-E3B085C9AB24}">
+                <p16:designElem xmlns:p16="http://schemas.microsoft.com/office/powerpoint/2015/main" val="1"/>
+              </p:ext>
+            </p:extLst>
+          </p:nvPr>
+        </p:nvSpPr>
+        <p:spPr>
+          <a:xfrm>
+            <a:off x="0" y="0"/>
+            <a:ext cx="12192000" cy="6858000"/>
+          </a:xfrm>
+          <a:prstGeom prst="rect">
+            <a:avLst/>
+          </a:prstGeom>
+          <a:ln w="12700" cap="flat" cmpd="sng" algn="ctr">
+            <a:noFill/>
+            <a:prstDash val="solid"/>
+            <a:miter lim="800000"/>
+          </a:ln>
+          <a:effectLst/>
+          <a:extLst>
+            <a:ext uri="{91240B29-F687-4F45-9708-019B960494DF}">
+              <a14:hiddenLine xmlns:a14="http://schemas.microsoft.com/office/drawing/2010/main" w="12700" cap="flat" cmpd="sng" algn="ctr">
+                <a:solidFill>
+                  <a:schemeClr val="accent1">
+                    <a:shade val="15000"/>
+                  </a:schemeClr>
+                </a:solidFill>
+                <a:prstDash val="solid"/>
+                <a:miter lim="800000"/>
+              </a14:hiddenLine>
+            </a:ext>
+          </a:extLst>
+        </p:spPr>
+        <p:style>
+          <a:lnRef idx="2">
+            <a:schemeClr val="accent1">
+              <a:shade val="15000"/>
+            </a:schemeClr>
+          </a:lnRef>
+          <a:fillRef idx="1">
+            <a:schemeClr val="accent1"/>
+          </a:fillRef>
+          <a:effectRef idx="0">
+            <a:schemeClr val="accent1"/>
+          </a:effectRef>
+          <a:fontRef idx="minor">
+            <a:schemeClr val="lt1"/>
+          </a:fontRef>
+        </p:style>
+        <p:txBody>
+          <a:bodyPr rtlCol="0" anchor="ctr"/>
+          <a:lstStyle/>
+          <a:p>
+            <a:pPr algn="ctr"/>
+            <a:endParaRPr lang="en-US"/>
+          </a:p>
+        </p:txBody>
+      </p:sp>
+      <p:sp>
+        <p:nvSpPr>
+          <p:cNvPr id="2" name="Tytuł 1">
+            <a:extLst>
+              <a:ext uri="{FF2B5EF4-FFF2-40B4-BE49-F238E27FC236}">
+                <a16:creationId xmlns:a16="http://schemas.microsoft.com/office/drawing/2014/main" id="{B0198A24-6283-2FEC-B4B6-829B09439532}"/>
+              </a:ext>
+            </a:extLst>
+          </p:cNvPr>
+          <p:cNvSpPr>
+            <a:spLocks noGrp="1"/>
+          </p:cNvSpPr>
+          <p:nvPr>
+            <p:ph type="title"/>
+          </p:nvPr>
+        </p:nvSpPr>
+        <p:spPr>
+          <a:xfrm>
+            <a:off x="521208" y="978409"/>
+            <a:ext cx="7263804" cy="1008208"/>
+          </a:xfrm>
+        </p:spPr>
+        <p:txBody>
+          <a:bodyPr vert="horz" lIns="91440" tIns="45720" rIns="91440" bIns="45720" rtlCol="0" anchor="t">
+            <a:normAutofit/>
+          </a:bodyPr>
+          <a:lstStyle/>
+          <a:p>
+            <a:r>
+              <a:rPr lang="en-US" sz="4400" dirty="0" err="1"/>
+              <a:t>Tworzenie</a:t>
+            </a:r>
+            <a:r>
+              <a:rPr lang="en-US" sz="4400" dirty="0"/>
+              <a:t> </a:t>
+            </a:r>
+            <a:r>
+              <a:rPr lang="en-US" sz="4400" dirty="0" err="1"/>
+              <a:t>mapy</a:t>
+            </a:r>
+            <a:r>
+              <a:rPr lang="en-US" sz="4400" dirty="0"/>
+              <a:t> </a:t>
+            </a:r>
+            <a:r>
+              <a:rPr lang="en-US" sz="4400" dirty="0" err="1"/>
+              <a:t>trapezowej</a:t>
+            </a:r>
+            <a:endParaRPr lang="en-US" sz="4400" dirty="0"/>
+          </a:p>
+        </p:txBody>
+      </p:sp>
+      <p:sp>
+        <p:nvSpPr>
+          <p:cNvPr id="3" name="Symbol zastępczy zawartości 2">
+            <a:extLst>
+              <a:ext uri="{FF2B5EF4-FFF2-40B4-BE49-F238E27FC236}">
+                <a16:creationId xmlns:a16="http://schemas.microsoft.com/office/drawing/2014/main" id="{69328DA7-9777-BE96-6B1E-608A7E40687E}"/>
+              </a:ext>
+            </a:extLst>
+          </p:cNvPr>
+          <p:cNvSpPr>
+            <a:spLocks noGrp="1"/>
+          </p:cNvSpPr>
+          <p:nvPr>
+            <p:ph idx="1"/>
+          </p:nvPr>
+        </p:nvSpPr>
+        <p:spPr>
+          <a:xfrm>
+            <a:off x="505599" y="1817583"/>
+            <a:ext cx="4174555" cy="490074"/>
+          </a:xfrm>
+        </p:spPr>
+        <p:txBody>
+          <a:bodyPr vert="horz" lIns="91440" tIns="45720" rIns="91440" bIns="45720" rtlCol="0" anchor="t">
+            <a:normAutofit fontScale="92500"/>
+          </a:bodyPr>
+          <a:lstStyle/>
+          <a:p>
+            <a:pPr>
+              <a:lnSpc>
+                <a:spcPct val="100000"/>
+              </a:lnSpc>
+            </a:pPr>
+            <a:r>
+              <a:rPr lang="pl-PL" sz="2200" dirty="0"/>
+              <a:t>Znajdujemy gdzie „wpadł” odcinek</a:t>
+            </a:r>
+            <a:endParaRPr lang="en-US" sz="2200" dirty="0"/>
+          </a:p>
+        </p:txBody>
+      </p:sp>
+      <p:sp>
+        <p:nvSpPr>
+          <p:cNvPr id="19" name="Freeform: Shape 18">
+            <a:extLst>
+              <a:ext uri="{FF2B5EF4-FFF2-40B4-BE49-F238E27FC236}">
+                <a16:creationId xmlns:a16="http://schemas.microsoft.com/office/drawing/2014/main" id="{29C36C01-080C-290E-27EF-0133CB2BCB22}"/>
+              </a:ext>
+              <a:ext uri="{C183D7F6-B498-43B3-948B-1728B52AA6E4}">
+                <adec:decorative xmlns:adec="http://schemas.microsoft.com/office/drawing/2017/decorative" val="1"/>
+              </a:ext>
+            </a:extLst>
+          </p:cNvPr>
+          <p:cNvSpPr>
+            <a:spLocks noGrp="1" noRot="1" noChangeAspect="1" noMove="1" noResize="1" noEditPoints="1" noAdjustHandles="1" noChangeArrowheads="1" noChangeShapeType="1" noTextEdit="1"/>
+          </p:cNvSpPr>
+          <p:nvPr>
+            <p:extLst>
+              <p:ext uri="{386F3935-93C4-4BCD-93E2-E3B085C9AB24}">
+                <p16:designElem xmlns:p16="http://schemas.microsoft.com/office/powerpoint/2015/main" val="1"/>
+              </p:ext>
+            </p:extLst>
+          </p:nvPr>
+        </p:nvSpPr>
+        <p:spPr>
+          <a:xfrm>
+            <a:off x="517869" y="508090"/>
+            <a:ext cx="11153214" cy="149279"/>
+          </a:xfrm>
+          <a:custGeom>
+            <a:avLst/>
+            <a:gdLst>
+              <a:gd name="connsiteX0" fmla="*/ 0 w 8085002"/>
+              <a:gd name="connsiteY0" fmla="*/ 0 h 149279"/>
+              <a:gd name="connsiteX1" fmla="*/ 8085002 w 8085002"/>
+              <a:gd name="connsiteY1" fmla="*/ 0 h 149279"/>
+              <a:gd name="connsiteX2" fmla="*/ 8085002 w 8085002"/>
+              <a:gd name="connsiteY2" fmla="*/ 149279 h 149279"/>
+              <a:gd name="connsiteX3" fmla="*/ 0 w 8085002"/>
+              <a:gd name="connsiteY3" fmla="*/ 149279 h 149279"/>
+            </a:gdLst>
+            <a:ahLst/>
+            <a:cxnLst>
+              <a:cxn ang="0">
+                <a:pos x="connsiteX0" y="connsiteY0"/>
+              </a:cxn>
+              <a:cxn ang="0">
+                <a:pos x="connsiteX1" y="connsiteY1"/>
+              </a:cxn>
+              <a:cxn ang="0">
+                <a:pos x="connsiteX2" y="connsiteY2"/>
+              </a:cxn>
+              <a:cxn ang="0">
+                <a:pos x="connsiteX3" y="connsiteY3"/>
+              </a:cxn>
+            </a:cxnLst>
+            <a:rect l="l" t="t" r="r" b="b"/>
+            <a:pathLst>
+              <a:path w="8085002" h="149279">
+                <a:moveTo>
+                  <a:pt x="0" y="0"/>
+                </a:moveTo>
+                <a:lnTo>
+                  <a:pt x="8085002" y="0"/>
+                </a:lnTo>
+                <a:lnTo>
+                  <a:pt x="8085002" y="149279"/>
+                </a:lnTo>
+                <a:lnTo>
+                  <a:pt x="0" y="149279"/>
+                </a:lnTo>
+                <a:close/>
+              </a:path>
+            </a:pathLst>
+          </a:custGeom>
+          <a:solidFill>
+            <a:schemeClr val="tx1"/>
+          </a:solidFill>
+          <a:ln>
+            <a:noFill/>
+          </a:ln>
+        </p:spPr>
+        <p:style>
+          <a:lnRef idx="2">
+            <a:schemeClr val="accent1">
+              <a:shade val="50000"/>
+            </a:schemeClr>
+          </a:lnRef>
+          <a:fillRef idx="1">
+            <a:schemeClr val="accent1"/>
+          </a:fillRef>
+          <a:effectRef idx="0">
+            <a:schemeClr val="accent1"/>
+          </a:effectRef>
+          <a:fontRef idx="minor">
+            <a:schemeClr val="lt1"/>
+          </a:fontRef>
+        </p:style>
+        <p:txBody>
+          <a:bodyPr wrap="square" rtlCol="0" anchor="ctr">
+            <a:noAutofit/>
+          </a:bodyPr>
+          <a:lstStyle/>
+          <a:p>
+            <a:pPr algn="ctr"/>
+            <a:endParaRPr lang="en-US"/>
+          </a:p>
+        </p:txBody>
+      </p:sp>
+      <p:pic>
+        <p:nvPicPr>
+          <p:cNvPr id="5" name="Obraz 4">
+            <a:extLst>
+              <a:ext uri="{FF2B5EF4-FFF2-40B4-BE49-F238E27FC236}">
+                <a16:creationId xmlns:a16="http://schemas.microsoft.com/office/drawing/2014/main" id="{3CAE4683-6620-B7EC-1941-9B4E9C673999}"/>
+              </a:ext>
+            </a:extLst>
+          </p:cNvPr>
+          <p:cNvPicPr>
+            <a:picLocks noChangeAspect="1"/>
+          </p:cNvPicPr>
+          <p:nvPr/>
+        </p:nvPicPr>
+        <p:blipFill>
+          <a:blip r:embed="rId2"/>
+          <a:stretch>
+            <a:fillRect/>
+          </a:stretch>
+        </p:blipFill>
+        <p:spPr>
+          <a:xfrm>
+            <a:off x="-1524" y="2174209"/>
+            <a:ext cx="12192000" cy="4175159"/>
+          </a:xfrm>
+          <a:prstGeom prst="rect">
+            <a:avLst/>
+          </a:prstGeom>
+        </p:spPr>
+      </p:pic>
+    </p:spTree>
+    <p:extLst>
+      <p:ext uri="{BB962C8B-B14F-4D97-AF65-F5344CB8AC3E}">
+        <p14:creationId xmlns:p14="http://schemas.microsoft.com/office/powerpoint/2010/main" val="378823215"/>
+      </p:ext>
+    </p:extLst>
+  </p:cSld>
+  <p:clrMapOvr>
+    <a:masterClrMapping/>
+  </p:clrMapOvr>
+</p:sld>
+</file>
+
+<file path=ppt/slides/slide21.xml><?xml version="1.0" encoding="utf-8"?>
+<p:sld xmlns:a="http://schemas.openxmlformats.org/drawingml/2006/main" xmlns:r="http://schemas.openxmlformats.org/officeDocument/2006/relationships" xmlns:p="http://schemas.openxmlformats.org/presentationml/2006/main">
+  <p:cSld>
+    <p:bg>
+      <p:bgPr>
+        <a:solidFill>
+          <a:schemeClr val="bg1"/>
+        </a:solidFill>
+        <a:effectLst/>
+      </p:bgPr>
+    </p:bg>
+    <p:spTree>
+      <p:nvGrpSpPr>
+        <p:cNvPr id="1" name="">
+          <a:extLst>
+            <a:ext uri="{FF2B5EF4-FFF2-40B4-BE49-F238E27FC236}">
+              <a16:creationId xmlns:a16="http://schemas.microsoft.com/office/drawing/2014/main" id="{99ED5129-7B3C-863C-29A1-DC2B7A89A6AF}"/>
+            </a:ext>
+          </a:extLst>
+        </p:cNvPr>
+        <p:cNvGrpSpPr/>
+        <p:nvPr/>
+      </p:nvGrpSpPr>
+      <p:grpSpPr>
+        <a:xfrm>
+          <a:off x="0" y="0"/>
+          <a:ext cx="0" cy="0"/>
+          <a:chOff x="0" y="0"/>
+          <a:chExt cx="0" cy="0"/>
+        </a:xfrm>
+      </p:grpSpPr>
+      <p:sp>
+        <p:nvSpPr>
+          <p:cNvPr id="9" name="Rectangle 8">
+            <a:extLst>
+              <a:ext uri="{FF2B5EF4-FFF2-40B4-BE49-F238E27FC236}">
+                <a16:creationId xmlns:a16="http://schemas.microsoft.com/office/drawing/2014/main" id="{43DFB97A-6A0D-AFE6-FBD0-8BECA211521F}"/>
+              </a:ext>
+              <a:ext uri="{C183D7F6-B498-43B3-948B-1728B52AA6E4}">
+                <adec:decorative xmlns:adec="http://schemas.microsoft.com/office/drawing/2017/decorative" val="1"/>
+              </a:ext>
+            </a:extLst>
+          </p:cNvPr>
+          <p:cNvSpPr>
+            <a:spLocks noGrp="1" noRot="1" noChangeAspect="1" noMove="1" noResize="1" noEditPoints="1" noAdjustHandles="1" noChangeArrowheads="1" noChangeShapeType="1" noTextEdit="1"/>
+          </p:cNvSpPr>
+          <p:nvPr>
+            <p:extLst>
+              <p:ext uri="{386F3935-93C4-4BCD-93E2-E3B085C9AB24}">
+                <p16:designElem xmlns:p16="http://schemas.microsoft.com/office/powerpoint/2015/main" val="1"/>
+              </p:ext>
+            </p:extLst>
+          </p:nvPr>
+        </p:nvSpPr>
+        <p:spPr>
+          <a:xfrm>
+            <a:off x="517870" y="508090"/>
+            <a:ext cx="5021183" cy="149279"/>
+          </a:xfrm>
+          <a:prstGeom prst="rect">
+            <a:avLst/>
+          </a:prstGeom>
+          <a:solidFill>
+            <a:schemeClr val="tx1"/>
+          </a:solidFill>
+          <a:ln>
+            <a:noFill/>
+          </a:ln>
+        </p:spPr>
+        <p:style>
+          <a:lnRef idx="2">
+            <a:schemeClr val="accent1">
+              <a:shade val="50000"/>
+            </a:schemeClr>
+          </a:lnRef>
+          <a:fillRef idx="1">
+            <a:schemeClr val="accent1"/>
+          </a:fillRef>
+          <a:effectRef idx="0">
+            <a:schemeClr val="accent1"/>
+          </a:effectRef>
+          <a:fontRef idx="minor">
+            <a:schemeClr val="lt1"/>
+          </a:fontRef>
+        </p:style>
+        <p:txBody>
+          <a:bodyPr rtlCol="0" anchor="ctr"/>
+          <a:lstStyle/>
+          <a:p>
+            <a:pPr algn="ctr"/>
+            <a:endParaRPr lang="en-US"/>
+          </a:p>
+        </p:txBody>
+      </p:sp>
+      <p:sp>
+        <p:nvSpPr>
+          <p:cNvPr id="11" name="Rectangle 10">
+            <a:extLst>
+              <a:ext uri="{FF2B5EF4-FFF2-40B4-BE49-F238E27FC236}">
+                <a16:creationId xmlns:a16="http://schemas.microsoft.com/office/drawing/2014/main" id="{47B93764-2172-F1C0-5AF6-FAACAE6DB95B}"/>
+              </a:ext>
+              <a:ext uri="{C183D7F6-B498-43B3-948B-1728B52AA6E4}">
+                <adec:decorative xmlns:adec="http://schemas.microsoft.com/office/drawing/2017/decorative" val="1"/>
+              </a:ext>
+            </a:extLst>
+          </p:cNvPr>
+          <p:cNvSpPr>
+            <a:spLocks noGrp="1" noRot="1" noChangeAspect="1" noMove="1" noResize="1" noEditPoints="1" noAdjustHandles="1" noChangeArrowheads="1" noChangeShapeType="1" noTextEdit="1"/>
+          </p:cNvSpPr>
+          <p:nvPr>
+            <p:extLst>
+              <p:ext uri="{386F3935-93C4-4BCD-93E2-E3B085C9AB24}">
+                <p16:designElem xmlns:p16="http://schemas.microsoft.com/office/powerpoint/2015/main" val="1"/>
+              </p:ext>
+            </p:extLst>
+          </p:nvPr>
+        </p:nvSpPr>
+        <p:spPr>
+          <a:xfrm>
+            <a:off x="517870" y="508090"/>
+            <a:ext cx="5021183" cy="149279"/>
+          </a:xfrm>
+          <a:prstGeom prst="rect">
+            <a:avLst/>
+          </a:prstGeom>
+          <a:solidFill>
+            <a:schemeClr val="tx1"/>
+          </a:solidFill>
+          <a:ln>
+            <a:noFill/>
+          </a:ln>
+        </p:spPr>
+        <p:style>
+          <a:lnRef idx="2">
+            <a:schemeClr val="accent1">
+              <a:shade val="50000"/>
+            </a:schemeClr>
+          </a:lnRef>
+          <a:fillRef idx="1">
+            <a:schemeClr val="accent1"/>
+          </a:fillRef>
+          <a:effectRef idx="0">
+            <a:schemeClr val="accent1"/>
+          </a:effectRef>
+          <a:fontRef idx="minor">
+            <a:schemeClr val="lt1"/>
+          </a:fontRef>
+        </p:style>
+        <p:txBody>
+          <a:bodyPr rtlCol="0" anchor="ctr"/>
+          <a:lstStyle/>
+          <a:p>
+            <a:pPr algn="ctr"/>
+            <a:endParaRPr lang="en-US"/>
+          </a:p>
+        </p:txBody>
+      </p:sp>
+      <p:sp>
+        <p:nvSpPr>
+          <p:cNvPr id="13" name="Rectangle 12">
+            <a:extLst>
+              <a:ext uri="{FF2B5EF4-FFF2-40B4-BE49-F238E27FC236}">
+                <a16:creationId xmlns:a16="http://schemas.microsoft.com/office/drawing/2014/main" id="{21DF0217-466C-B14E-9972-73862DD1EA28}"/>
+              </a:ext>
+              <a:ext uri="{C183D7F6-B498-43B3-948B-1728B52AA6E4}">
+                <adec:decorative xmlns:adec="http://schemas.microsoft.com/office/drawing/2017/decorative" val="1"/>
+              </a:ext>
+            </a:extLst>
+          </p:cNvPr>
+          <p:cNvSpPr>
+            <a:spLocks noGrp="1" noRot="1" noChangeAspect="1" noMove="1" noResize="1" noEditPoints="1" noAdjustHandles="1" noChangeArrowheads="1" noChangeShapeType="1" noTextEdit="1"/>
+          </p:cNvSpPr>
+          <p:nvPr>
+            <p:extLst>
+              <p:ext uri="{386F3935-93C4-4BCD-93E2-E3B085C9AB24}">
+                <p16:designElem xmlns:p16="http://schemas.microsoft.com/office/powerpoint/2015/main" val="1"/>
+              </p:ext>
+            </p:extLst>
+          </p:nvPr>
+        </p:nvSpPr>
+        <p:spPr>
+          <a:xfrm>
+            <a:off x="517870" y="508090"/>
+            <a:ext cx="5021183" cy="149279"/>
+          </a:xfrm>
+          <a:prstGeom prst="rect">
+            <a:avLst/>
+          </a:prstGeom>
+          <a:solidFill>
+            <a:schemeClr val="tx1"/>
+          </a:solidFill>
+          <a:ln>
+            <a:noFill/>
+          </a:ln>
+        </p:spPr>
+        <p:style>
+          <a:lnRef idx="2">
+            <a:schemeClr val="accent1">
+              <a:shade val="50000"/>
+            </a:schemeClr>
+          </a:lnRef>
+          <a:fillRef idx="1">
+            <a:schemeClr val="accent1"/>
+          </a:fillRef>
+          <a:effectRef idx="0">
+            <a:schemeClr val="accent1"/>
+          </a:effectRef>
+          <a:fontRef idx="minor">
+            <a:schemeClr val="lt1"/>
+          </a:fontRef>
+        </p:style>
+        <p:txBody>
+          <a:bodyPr rtlCol="0" anchor="ctr"/>
+          <a:lstStyle/>
+          <a:p>
+            <a:pPr algn="ctr"/>
+            <a:endParaRPr lang="en-US"/>
+          </a:p>
+        </p:txBody>
+      </p:sp>
+      <p:sp>
+        <p:nvSpPr>
+          <p:cNvPr id="15" name="Rectangle 14">
+            <a:extLst>
+              <a:ext uri="{FF2B5EF4-FFF2-40B4-BE49-F238E27FC236}">
+                <a16:creationId xmlns:a16="http://schemas.microsoft.com/office/drawing/2014/main" id="{490D495E-1E72-CBDB-45CB-F69A30F55D52}"/>
+              </a:ext>
+              <a:ext uri="{C183D7F6-B498-43B3-948B-1728B52AA6E4}">
+                <adec:decorative xmlns:adec="http://schemas.microsoft.com/office/drawing/2017/decorative" val="1"/>
+              </a:ext>
+            </a:extLst>
+          </p:cNvPr>
+          <p:cNvSpPr>
+            <a:spLocks noGrp="1" noRot="1" noChangeAspect="1" noMove="1" noResize="1" noEditPoints="1" noAdjustHandles="1" noChangeArrowheads="1" noChangeShapeType="1" noTextEdit="1"/>
+          </p:cNvSpPr>
+          <p:nvPr>
+            <p:extLst>
+              <p:ext uri="{386F3935-93C4-4BCD-93E2-E3B085C9AB24}">
+                <p16:designElem xmlns:p16="http://schemas.microsoft.com/office/powerpoint/2015/main" val="1"/>
+              </p:ext>
+            </p:extLst>
+          </p:nvPr>
+        </p:nvSpPr>
+        <p:spPr>
+          <a:xfrm>
+            <a:off x="6662168" y="6209925"/>
+            <a:ext cx="5021183" cy="45719"/>
+          </a:xfrm>
+          <a:prstGeom prst="rect">
+            <a:avLst/>
+          </a:prstGeom>
+          <a:solidFill>
+            <a:schemeClr val="tx1"/>
+          </a:solidFill>
+          <a:ln>
+            <a:noFill/>
+          </a:ln>
+        </p:spPr>
+        <p:style>
+          <a:lnRef idx="2">
+            <a:schemeClr val="accent1">
+              <a:shade val="50000"/>
+            </a:schemeClr>
+          </a:lnRef>
+          <a:fillRef idx="1">
+            <a:schemeClr val="accent1"/>
+          </a:fillRef>
+          <a:effectRef idx="0">
+            <a:schemeClr val="accent1"/>
+          </a:effectRef>
+          <a:fontRef idx="minor">
+            <a:schemeClr val="lt1"/>
+          </a:fontRef>
+        </p:style>
+        <p:txBody>
+          <a:bodyPr rtlCol="0" anchor="ctr"/>
+          <a:lstStyle/>
+          <a:p>
+            <a:pPr algn="ctr"/>
+            <a:endParaRPr lang="en-US"/>
+          </a:p>
+        </p:txBody>
+      </p:sp>
+      <p:sp useBgFill="1">
+        <p:nvSpPr>
+          <p:cNvPr id="17" name="Rectangle 16">
+            <a:extLst>
+              <a:ext uri="{FF2B5EF4-FFF2-40B4-BE49-F238E27FC236}">
+                <a16:creationId xmlns:a16="http://schemas.microsoft.com/office/drawing/2014/main" id="{8E712777-0D1A-1DFF-6C58-490E7C55B343}"/>
+              </a:ext>
+              <a:ext uri="{C183D7F6-B498-43B3-948B-1728B52AA6E4}">
+                <adec:decorative xmlns:adec="http://schemas.microsoft.com/office/drawing/2017/decorative" val="1"/>
+              </a:ext>
+            </a:extLst>
+          </p:cNvPr>
+          <p:cNvSpPr>
+            <a:spLocks noGrp="1" noRot="1" noChangeAspect="1" noMove="1" noResize="1" noEditPoints="1" noAdjustHandles="1" noChangeArrowheads="1" noChangeShapeType="1" noTextEdit="1"/>
+          </p:cNvSpPr>
+          <p:nvPr>
+            <p:extLst>
+              <p:ext uri="{386F3935-93C4-4BCD-93E2-E3B085C9AB24}">
+                <p16:designElem xmlns:p16="http://schemas.microsoft.com/office/powerpoint/2015/main" val="1"/>
+              </p:ext>
+            </p:extLst>
+          </p:nvPr>
+        </p:nvSpPr>
+        <p:spPr>
+          <a:xfrm>
+            <a:off x="0" y="0"/>
+            <a:ext cx="12192000" cy="6858000"/>
+          </a:xfrm>
+          <a:prstGeom prst="rect">
+            <a:avLst/>
+          </a:prstGeom>
+          <a:ln w="12700" cap="flat" cmpd="sng" algn="ctr">
+            <a:noFill/>
+            <a:prstDash val="solid"/>
+            <a:miter lim="800000"/>
+          </a:ln>
+          <a:effectLst/>
+          <a:extLst>
+            <a:ext uri="{91240B29-F687-4F45-9708-019B960494DF}">
+              <a14:hiddenLine xmlns:a14="http://schemas.microsoft.com/office/drawing/2010/main" w="12700" cap="flat" cmpd="sng" algn="ctr">
+                <a:solidFill>
+                  <a:schemeClr val="accent1">
+                    <a:shade val="15000"/>
+                  </a:schemeClr>
+                </a:solidFill>
+                <a:prstDash val="solid"/>
+                <a:miter lim="800000"/>
+              </a14:hiddenLine>
+            </a:ext>
+          </a:extLst>
+        </p:spPr>
+        <p:style>
+          <a:lnRef idx="2">
+            <a:schemeClr val="accent1">
+              <a:shade val="15000"/>
+            </a:schemeClr>
+          </a:lnRef>
+          <a:fillRef idx="1">
+            <a:schemeClr val="accent1"/>
+          </a:fillRef>
+          <a:effectRef idx="0">
+            <a:schemeClr val="accent1"/>
+          </a:effectRef>
+          <a:fontRef idx="minor">
+            <a:schemeClr val="lt1"/>
+          </a:fontRef>
+        </p:style>
+        <p:txBody>
+          <a:bodyPr rtlCol="0" anchor="ctr"/>
+          <a:lstStyle/>
+          <a:p>
+            <a:pPr algn="ctr"/>
+            <a:endParaRPr lang="en-US"/>
+          </a:p>
+        </p:txBody>
+      </p:sp>
+      <p:sp>
+        <p:nvSpPr>
+          <p:cNvPr id="2" name="Tytuł 1">
+            <a:extLst>
+              <a:ext uri="{FF2B5EF4-FFF2-40B4-BE49-F238E27FC236}">
+                <a16:creationId xmlns:a16="http://schemas.microsoft.com/office/drawing/2014/main" id="{2C3EE1C3-328B-72B8-1924-CD9F1651F98B}"/>
+              </a:ext>
+            </a:extLst>
+          </p:cNvPr>
+          <p:cNvSpPr>
+            <a:spLocks noGrp="1"/>
+          </p:cNvSpPr>
+          <p:nvPr>
+            <p:ph type="title"/>
+          </p:nvPr>
+        </p:nvSpPr>
+        <p:spPr>
+          <a:xfrm>
+            <a:off x="521208" y="978409"/>
+            <a:ext cx="7263804" cy="1008208"/>
+          </a:xfrm>
+        </p:spPr>
+        <p:txBody>
+          <a:bodyPr vert="horz" lIns="91440" tIns="45720" rIns="91440" bIns="45720" rtlCol="0" anchor="t">
+            <a:normAutofit/>
+          </a:bodyPr>
+          <a:lstStyle/>
+          <a:p>
+            <a:r>
+              <a:rPr lang="en-US" sz="4400" dirty="0" err="1"/>
+              <a:t>Tworzenie</a:t>
+            </a:r>
+            <a:r>
+              <a:rPr lang="en-US" sz="4400" dirty="0"/>
+              <a:t> </a:t>
+            </a:r>
+            <a:r>
+              <a:rPr lang="en-US" sz="4400" dirty="0" err="1"/>
+              <a:t>mapy</a:t>
+            </a:r>
+            <a:r>
+              <a:rPr lang="en-US" sz="4400" dirty="0"/>
+              <a:t> </a:t>
+            </a:r>
+            <a:r>
+              <a:rPr lang="en-US" sz="4400" dirty="0" err="1"/>
+              <a:t>trapezowej</a:t>
+            </a:r>
+            <a:endParaRPr lang="en-US" sz="4400" dirty="0"/>
+          </a:p>
+        </p:txBody>
+      </p:sp>
+      <p:sp>
+        <p:nvSpPr>
+          <p:cNvPr id="3" name="Symbol zastępczy zawartości 2">
+            <a:extLst>
+              <a:ext uri="{FF2B5EF4-FFF2-40B4-BE49-F238E27FC236}">
+                <a16:creationId xmlns:a16="http://schemas.microsoft.com/office/drawing/2014/main" id="{A1AD3532-63DE-1925-D1B5-D8E1662273BE}"/>
+              </a:ext>
+            </a:extLst>
+          </p:cNvPr>
+          <p:cNvSpPr>
+            <a:spLocks noGrp="1"/>
+          </p:cNvSpPr>
+          <p:nvPr>
+            <p:ph idx="1"/>
+          </p:nvPr>
+        </p:nvSpPr>
+        <p:spPr>
+          <a:xfrm>
+            <a:off x="505601" y="1817583"/>
+            <a:ext cx="8441754" cy="490074"/>
+          </a:xfrm>
+        </p:spPr>
+        <p:txBody>
+          <a:bodyPr vert="horz" lIns="91440" tIns="45720" rIns="91440" bIns="45720" rtlCol="0" anchor="t">
+            <a:normAutofit fontScale="92500"/>
+          </a:bodyPr>
+          <a:lstStyle/>
+          <a:p>
+            <a:pPr>
+              <a:lnSpc>
+                <a:spcPct val="100000"/>
+              </a:lnSpc>
+            </a:pPr>
+            <a:r>
+              <a:rPr lang="pl-PL" sz="2200" dirty="0"/>
+              <a:t>Przechodzimy przez wszystkie trapezy przez które przechodzi odcinek</a:t>
+            </a:r>
+            <a:endParaRPr lang="en-US" sz="2200" dirty="0"/>
+          </a:p>
+        </p:txBody>
+      </p:sp>
+      <p:sp>
+        <p:nvSpPr>
+          <p:cNvPr id="19" name="Freeform: Shape 18">
+            <a:extLst>
+              <a:ext uri="{FF2B5EF4-FFF2-40B4-BE49-F238E27FC236}">
+                <a16:creationId xmlns:a16="http://schemas.microsoft.com/office/drawing/2014/main" id="{3B113235-6A0C-7009-68F5-236ECEAFA7F6}"/>
+              </a:ext>
+              <a:ext uri="{C183D7F6-B498-43B3-948B-1728B52AA6E4}">
+                <adec:decorative xmlns:adec="http://schemas.microsoft.com/office/drawing/2017/decorative" val="1"/>
+              </a:ext>
+            </a:extLst>
+          </p:cNvPr>
+          <p:cNvSpPr>
+            <a:spLocks noGrp="1" noRot="1" noChangeAspect="1" noMove="1" noResize="1" noEditPoints="1" noAdjustHandles="1" noChangeArrowheads="1" noChangeShapeType="1" noTextEdit="1"/>
+          </p:cNvSpPr>
+          <p:nvPr>
+            <p:extLst>
+              <p:ext uri="{386F3935-93C4-4BCD-93E2-E3B085C9AB24}">
+                <p16:designElem xmlns:p16="http://schemas.microsoft.com/office/powerpoint/2015/main" val="1"/>
+              </p:ext>
+            </p:extLst>
+          </p:nvPr>
+        </p:nvSpPr>
+        <p:spPr>
+          <a:xfrm>
+            <a:off x="517869" y="508090"/>
+            <a:ext cx="11153214" cy="149279"/>
+          </a:xfrm>
+          <a:custGeom>
+            <a:avLst/>
+            <a:gdLst>
+              <a:gd name="connsiteX0" fmla="*/ 0 w 8085002"/>
+              <a:gd name="connsiteY0" fmla="*/ 0 h 149279"/>
+              <a:gd name="connsiteX1" fmla="*/ 8085002 w 8085002"/>
+              <a:gd name="connsiteY1" fmla="*/ 0 h 149279"/>
+              <a:gd name="connsiteX2" fmla="*/ 8085002 w 8085002"/>
+              <a:gd name="connsiteY2" fmla="*/ 149279 h 149279"/>
+              <a:gd name="connsiteX3" fmla="*/ 0 w 8085002"/>
+              <a:gd name="connsiteY3" fmla="*/ 149279 h 149279"/>
+            </a:gdLst>
+            <a:ahLst/>
+            <a:cxnLst>
+              <a:cxn ang="0">
+                <a:pos x="connsiteX0" y="connsiteY0"/>
+              </a:cxn>
+              <a:cxn ang="0">
+                <a:pos x="connsiteX1" y="connsiteY1"/>
+              </a:cxn>
+              <a:cxn ang="0">
+                <a:pos x="connsiteX2" y="connsiteY2"/>
+              </a:cxn>
+              <a:cxn ang="0">
+                <a:pos x="connsiteX3" y="connsiteY3"/>
+              </a:cxn>
+            </a:cxnLst>
+            <a:rect l="l" t="t" r="r" b="b"/>
+            <a:pathLst>
+              <a:path w="8085002" h="149279">
+                <a:moveTo>
+                  <a:pt x="0" y="0"/>
+                </a:moveTo>
+                <a:lnTo>
+                  <a:pt x="8085002" y="0"/>
+                </a:lnTo>
+                <a:lnTo>
+                  <a:pt x="8085002" y="149279"/>
+                </a:lnTo>
+                <a:lnTo>
+                  <a:pt x="0" y="149279"/>
+                </a:lnTo>
+                <a:close/>
+              </a:path>
+            </a:pathLst>
+          </a:custGeom>
+          <a:solidFill>
+            <a:schemeClr val="tx1"/>
+          </a:solidFill>
+          <a:ln>
+            <a:noFill/>
+          </a:ln>
+        </p:spPr>
+        <p:style>
+          <a:lnRef idx="2">
+            <a:schemeClr val="accent1">
+              <a:shade val="50000"/>
+            </a:schemeClr>
+          </a:lnRef>
+          <a:fillRef idx="1">
+            <a:schemeClr val="accent1"/>
+          </a:fillRef>
+          <a:effectRef idx="0">
+            <a:schemeClr val="accent1"/>
+          </a:effectRef>
+          <a:fontRef idx="minor">
+            <a:schemeClr val="lt1"/>
+          </a:fontRef>
+        </p:style>
+        <p:txBody>
+          <a:bodyPr wrap="square" rtlCol="0" anchor="ctr">
+            <a:noAutofit/>
+          </a:bodyPr>
+          <a:lstStyle/>
+          <a:p>
+            <a:pPr algn="ctr"/>
+            <a:endParaRPr lang="en-US"/>
+          </a:p>
+        </p:txBody>
+      </p:sp>
+      <p:pic>
+        <p:nvPicPr>
+          <p:cNvPr id="6" name="Obraz 5">
+            <a:extLst>
+              <a:ext uri="{FF2B5EF4-FFF2-40B4-BE49-F238E27FC236}">
+                <a16:creationId xmlns:a16="http://schemas.microsoft.com/office/drawing/2014/main" id="{00A47BFB-B606-D826-A9C6-633FB2D1B277}"/>
+              </a:ext>
+            </a:extLst>
+          </p:cNvPr>
+          <p:cNvPicPr>
+            <a:picLocks noChangeAspect="1"/>
+          </p:cNvPicPr>
+          <p:nvPr/>
+        </p:nvPicPr>
+        <p:blipFill>
+          <a:blip r:embed="rId2"/>
+          <a:stretch>
+            <a:fillRect/>
+          </a:stretch>
+        </p:blipFill>
+        <p:spPr>
+          <a:xfrm>
+            <a:off x="172064" y="2332040"/>
+            <a:ext cx="11847871" cy="4256343"/>
+          </a:xfrm>
+          <a:prstGeom prst="rect">
+            <a:avLst/>
+          </a:prstGeom>
+        </p:spPr>
+      </p:pic>
+    </p:spTree>
+    <p:extLst>
+      <p:ext uri="{BB962C8B-B14F-4D97-AF65-F5344CB8AC3E}">
+        <p14:creationId xmlns:p14="http://schemas.microsoft.com/office/powerpoint/2010/main" val="2644983623"/>
+      </p:ext>
+    </p:extLst>
+  </p:cSld>
+  <p:clrMapOvr>
+    <a:masterClrMapping/>
+  </p:clrMapOvr>
+</p:sld>
+</file>
+
+<file path=ppt/slides/slide22.xml><?xml version="1.0" encoding="utf-8"?>
+<p:sld xmlns:a="http://schemas.openxmlformats.org/drawingml/2006/main" xmlns:r="http://schemas.openxmlformats.org/officeDocument/2006/relationships" xmlns:p="http://schemas.openxmlformats.org/presentationml/2006/main">
+  <p:cSld>
+    <p:bg>
+      <p:bgPr>
+        <a:solidFill>
+          <a:schemeClr val="bg1"/>
+        </a:solidFill>
+        <a:effectLst/>
+      </p:bgPr>
+    </p:bg>
+    <p:spTree>
+      <p:nvGrpSpPr>
+        <p:cNvPr id="1" name="">
+          <a:extLst>
+            <a:ext uri="{FF2B5EF4-FFF2-40B4-BE49-F238E27FC236}">
+              <a16:creationId xmlns:a16="http://schemas.microsoft.com/office/drawing/2014/main" id="{B482FF39-51D5-DDF1-87F2-A2A6D1BDA868}"/>
+            </a:ext>
+          </a:extLst>
+        </p:cNvPr>
+        <p:cNvGrpSpPr/>
+        <p:nvPr/>
+      </p:nvGrpSpPr>
+      <p:grpSpPr>
+        <a:xfrm>
+          <a:off x="0" y="0"/>
+          <a:ext cx="0" cy="0"/>
+          <a:chOff x="0" y="0"/>
+          <a:chExt cx="0" cy="0"/>
+        </a:xfrm>
+      </p:grpSpPr>
+      <p:sp>
+        <p:nvSpPr>
+          <p:cNvPr id="9" name="Rectangle 8">
+            <a:extLst>
+              <a:ext uri="{FF2B5EF4-FFF2-40B4-BE49-F238E27FC236}">
+                <a16:creationId xmlns:a16="http://schemas.microsoft.com/office/drawing/2014/main" id="{664BCD16-C69E-741F-530B-F1159B2123EF}"/>
+              </a:ext>
+              <a:ext uri="{C183D7F6-B498-43B3-948B-1728B52AA6E4}">
+                <adec:decorative xmlns:adec="http://schemas.microsoft.com/office/drawing/2017/decorative" val="1"/>
+              </a:ext>
+            </a:extLst>
+          </p:cNvPr>
+          <p:cNvSpPr>
+            <a:spLocks noGrp="1" noRot="1" noChangeAspect="1" noMove="1" noResize="1" noEditPoints="1" noAdjustHandles="1" noChangeArrowheads="1" noChangeShapeType="1" noTextEdit="1"/>
+          </p:cNvSpPr>
+          <p:nvPr>
+            <p:extLst>
+              <p:ext uri="{386F3935-93C4-4BCD-93E2-E3B085C9AB24}">
+                <p16:designElem xmlns:p16="http://schemas.microsoft.com/office/powerpoint/2015/main" val="1"/>
+              </p:ext>
+            </p:extLst>
+          </p:nvPr>
+        </p:nvSpPr>
+        <p:spPr>
+          <a:xfrm>
+            <a:off x="517870" y="508090"/>
+            <a:ext cx="5021183" cy="149279"/>
+          </a:xfrm>
+          <a:prstGeom prst="rect">
+            <a:avLst/>
+          </a:prstGeom>
+          <a:solidFill>
+            <a:schemeClr val="tx1"/>
+          </a:solidFill>
+          <a:ln>
+            <a:noFill/>
+          </a:ln>
+        </p:spPr>
+        <p:style>
+          <a:lnRef idx="2">
+            <a:schemeClr val="accent1">
+              <a:shade val="50000"/>
+            </a:schemeClr>
+          </a:lnRef>
+          <a:fillRef idx="1">
+            <a:schemeClr val="accent1"/>
+          </a:fillRef>
+          <a:effectRef idx="0">
+            <a:schemeClr val="accent1"/>
+          </a:effectRef>
+          <a:fontRef idx="minor">
+            <a:schemeClr val="lt1"/>
+          </a:fontRef>
+        </p:style>
+        <p:txBody>
+          <a:bodyPr rtlCol="0" anchor="ctr"/>
+          <a:lstStyle/>
+          <a:p>
+            <a:pPr algn="ctr"/>
+            <a:endParaRPr lang="en-US"/>
+          </a:p>
+        </p:txBody>
+      </p:sp>
+      <p:sp>
+        <p:nvSpPr>
+          <p:cNvPr id="11" name="Rectangle 10">
+            <a:extLst>
+              <a:ext uri="{FF2B5EF4-FFF2-40B4-BE49-F238E27FC236}">
+                <a16:creationId xmlns:a16="http://schemas.microsoft.com/office/drawing/2014/main" id="{F4834AB6-EC44-1F87-DD71-C2F6C81AE2F1}"/>
+              </a:ext>
+              <a:ext uri="{C183D7F6-B498-43B3-948B-1728B52AA6E4}">
+                <adec:decorative xmlns:adec="http://schemas.microsoft.com/office/drawing/2017/decorative" val="1"/>
+              </a:ext>
+            </a:extLst>
+          </p:cNvPr>
+          <p:cNvSpPr>
+            <a:spLocks noGrp="1" noRot="1" noChangeAspect="1" noMove="1" noResize="1" noEditPoints="1" noAdjustHandles="1" noChangeArrowheads="1" noChangeShapeType="1" noTextEdit="1"/>
+          </p:cNvSpPr>
+          <p:nvPr>
+            <p:extLst>
+              <p:ext uri="{386F3935-93C4-4BCD-93E2-E3B085C9AB24}">
+                <p16:designElem xmlns:p16="http://schemas.microsoft.com/office/powerpoint/2015/main" val="1"/>
+              </p:ext>
+            </p:extLst>
+          </p:nvPr>
+        </p:nvSpPr>
+        <p:spPr>
+          <a:xfrm>
+            <a:off x="517870" y="508090"/>
+            <a:ext cx="5021183" cy="149279"/>
+          </a:xfrm>
+          <a:prstGeom prst="rect">
+            <a:avLst/>
+          </a:prstGeom>
+          <a:solidFill>
+            <a:schemeClr val="tx1"/>
+          </a:solidFill>
+          <a:ln>
+            <a:noFill/>
+          </a:ln>
+        </p:spPr>
+        <p:style>
+          <a:lnRef idx="2">
+            <a:schemeClr val="accent1">
+              <a:shade val="50000"/>
+            </a:schemeClr>
+          </a:lnRef>
+          <a:fillRef idx="1">
+            <a:schemeClr val="accent1"/>
+          </a:fillRef>
+          <a:effectRef idx="0">
+            <a:schemeClr val="accent1"/>
+          </a:effectRef>
+          <a:fontRef idx="minor">
+            <a:schemeClr val="lt1"/>
+          </a:fontRef>
+        </p:style>
+        <p:txBody>
+          <a:bodyPr rtlCol="0" anchor="ctr"/>
+          <a:lstStyle/>
+          <a:p>
+            <a:pPr algn="ctr"/>
+            <a:endParaRPr lang="en-US"/>
+          </a:p>
+        </p:txBody>
+      </p:sp>
+      <p:sp>
+        <p:nvSpPr>
+          <p:cNvPr id="13" name="Rectangle 12">
+            <a:extLst>
+              <a:ext uri="{FF2B5EF4-FFF2-40B4-BE49-F238E27FC236}">
+                <a16:creationId xmlns:a16="http://schemas.microsoft.com/office/drawing/2014/main" id="{7BD58D26-960F-7EE1-3770-8690063CB80D}"/>
+              </a:ext>
+              <a:ext uri="{C183D7F6-B498-43B3-948B-1728B52AA6E4}">
+                <adec:decorative xmlns:adec="http://schemas.microsoft.com/office/drawing/2017/decorative" val="1"/>
+              </a:ext>
+            </a:extLst>
+          </p:cNvPr>
+          <p:cNvSpPr>
+            <a:spLocks noGrp="1" noRot="1" noChangeAspect="1" noMove="1" noResize="1" noEditPoints="1" noAdjustHandles="1" noChangeArrowheads="1" noChangeShapeType="1" noTextEdit="1"/>
+          </p:cNvSpPr>
+          <p:nvPr>
+            <p:extLst>
+              <p:ext uri="{386F3935-93C4-4BCD-93E2-E3B085C9AB24}">
+                <p16:designElem xmlns:p16="http://schemas.microsoft.com/office/powerpoint/2015/main" val="1"/>
+              </p:ext>
+            </p:extLst>
+          </p:nvPr>
+        </p:nvSpPr>
+        <p:spPr>
+          <a:xfrm>
+            <a:off x="517870" y="508090"/>
+            <a:ext cx="5021183" cy="149279"/>
+          </a:xfrm>
+          <a:prstGeom prst="rect">
+            <a:avLst/>
+          </a:prstGeom>
+          <a:solidFill>
+            <a:schemeClr val="tx1"/>
+          </a:solidFill>
+          <a:ln>
+            <a:noFill/>
+          </a:ln>
+        </p:spPr>
+        <p:style>
+          <a:lnRef idx="2">
+            <a:schemeClr val="accent1">
+              <a:shade val="50000"/>
+            </a:schemeClr>
+          </a:lnRef>
+          <a:fillRef idx="1">
+            <a:schemeClr val="accent1"/>
+          </a:fillRef>
+          <a:effectRef idx="0">
+            <a:schemeClr val="accent1"/>
+          </a:effectRef>
+          <a:fontRef idx="minor">
+            <a:schemeClr val="lt1"/>
+          </a:fontRef>
+        </p:style>
+        <p:txBody>
+          <a:bodyPr rtlCol="0" anchor="ctr"/>
+          <a:lstStyle/>
+          <a:p>
+            <a:pPr algn="ctr"/>
+            <a:endParaRPr lang="en-US"/>
+          </a:p>
+        </p:txBody>
+      </p:sp>
+      <p:sp>
+        <p:nvSpPr>
+          <p:cNvPr id="15" name="Rectangle 14">
+            <a:extLst>
+              <a:ext uri="{FF2B5EF4-FFF2-40B4-BE49-F238E27FC236}">
+                <a16:creationId xmlns:a16="http://schemas.microsoft.com/office/drawing/2014/main" id="{A614C42F-55F2-789F-B94A-6030A04FDFA4}"/>
+              </a:ext>
+              <a:ext uri="{C183D7F6-B498-43B3-948B-1728B52AA6E4}">
+                <adec:decorative xmlns:adec="http://schemas.microsoft.com/office/drawing/2017/decorative" val="1"/>
+              </a:ext>
+            </a:extLst>
+          </p:cNvPr>
+          <p:cNvSpPr>
+            <a:spLocks noGrp="1" noRot="1" noChangeAspect="1" noMove="1" noResize="1" noEditPoints="1" noAdjustHandles="1" noChangeArrowheads="1" noChangeShapeType="1" noTextEdit="1"/>
+          </p:cNvSpPr>
+          <p:nvPr>
+            <p:extLst>
+              <p:ext uri="{386F3935-93C4-4BCD-93E2-E3B085C9AB24}">
+                <p16:designElem xmlns:p16="http://schemas.microsoft.com/office/powerpoint/2015/main" val="1"/>
+              </p:ext>
+            </p:extLst>
+          </p:nvPr>
+        </p:nvSpPr>
+        <p:spPr>
+          <a:xfrm>
+            <a:off x="6662168" y="6209925"/>
+            <a:ext cx="5021183" cy="45719"/>
+          </a:xfrm>
+          <a:prstGeom prst="rect">
+            <a:avLst/>
+          </a:prstGeom>
+          <a:solidFill>
+            <a:schemeClr val="tx1"/>
+          </a:solidFill>
+          <a:ln>
+            <a:noFill/>
+          </a:ln>
+        </p:spPr>
+        <p:style>
+          <a:lnRef idx="2">
+            <a:schemeClr val="accent1">
+              <a:shade val="50000"/>
+            </a:schemeClr>
+          </a:lnRef>
+          <a:fillRef idx="1">
+            <a:schemeClr val="accent1"/>
+          </a:fillRef>
+          <a:effectRef idx="0">
+            <a:schemeClr val="accent1"/>
+          </a:effectRef>
+          <a:fontRef idx="minor">
+            <a:schemeClr val="lt1"/>
+          </a:fontRef>
+        </p:style>
+        <p:txBody>
+          <a:bodyPr rtlCol="0" anchor="ctr"/>
+          <a:lstStyle/>
+          <a:p>
+            <a:pPr algn="ctr"/>
+            <a:endParaRPr lang="en-US"/>
+          </a:p>
+        </p:txBody>
+      </p:sp>
+      <p:sp useBgFill="1">
+        <p:nvSpPr>
+          <p:cNvPr id="17" name="Rectangle 16">
+            <a:extLst>
+              <a:ext uri="{FF2B5EF4-FFF2-40B4-BE49-F238E27FC236}">
+                <a16:creationId xmlns:a16="http://schemas.microsoft.com/office/drawing/2014/main" id="{E551A495-F9A7-22E4-290A-AADFE6FF2536}"/>
+              </a:ext>
+              <a:ext uri="{C183D7F6-B498-43B3-948B-1728B52AA6E4}">
+                <adec:decorative xmlns:adec="http://schemas.microsoft.com/office/drawing/2017/decorative" val="1"/>
+              </a:ext>
+            </a:extLst>
+          </p:cNvPr>
+          <p:cNvSpPr>
+            <a:spLocks noGrp="1" noRot="1" noChangeAspect="1" noMove="1" noResize="1" noEditPoints="1" noAdjustHandles="1" noChangeArrowheads="1" noChangeShapeType="1" noTextEdit="1"/>
+          </p:cNvSpPr>
+          <p:nvPr>
+            <p:extLst>
+              <p:ext uri="{386F3935-93C4-4BCD-93E2-E3B085C9AB24}">
+                <p16:designElem xmlns:p16="http://schemas.microsoft.com/office/powerpoint/2015/main" val="1"/>
+              </p:ext>
+            </p:extLst>
+          </p:nvPr>
+        </p:nvSpPr>
+        <p:spPr>
+          <a:xfrm>
+            <a:off x="0" y="0"/>
+            <a:ext cx="12192000" cy="6858000"/>
+          </a:xfrm>
+          <a:prstGeom prst="rect">
+            <a:avLst/>
+          </a:prstGeom>
+          <a:ln w="12700" cap="flat" cmpd="sng" algn="ctr">
+            <a:noFill/>
+            <a:prstDash val="solid"/>
+            <a:miter lim="800000"/>
+          </a:ln>
+          <a:effectLst/>
+          <a:extLst>
+            <a:ext uri="{91240B29-F687-4F45-9708-019B960494DF}">
+              <a14:hiddenLine xmlns:a14="http://schemas.microsoft.com/office/drawing/2010/main" w="12700" cap="flat" cmpd="sng" algn="ctr">
+                <a:solidFill>
+                  <a:schemeClr val="accent1">
+                    <a:shade val="15000"/>
+                  </a:schemeClr>
+                </a:solidFill>
+                <a:prstDash val="solid"/>
+                <a:miter lim="800000"/>
+              </a14:hiddenLine>
+            </a:ext>
+          </a:extLst>
+        </p:spPr>
+        <p:style>
+          <a:lnRef idx="2">
+            <a:schemeClr val="accent1">
+              <a:shade val="15000"/>
+            </a:schemeClr>
+          </a:lnRef>
+          <a:fillRef idx="1">
+            <a:schemeClr val="accent1"/>
+          </a:fillRef>
+          <a:effectRef idx="0">
+            <a:schemeClr val="accent1"/>
+          </a:effectRef>
+          <a:fontRef idx="minor">
+            <a:schemeClr val="lt1"/>
+          </a:fontRef>
+        </p:style>
+        <p:txBody>
+          <a:bodyPr rtlCol="0" anchor="ctr"/>
+          <a:lstStyle/>
+          <a:p>
+            <a:pPr algn="ctr"/>
+            <a:endParaRPr lang="en-US"/>
+          </a:p>
+        </p:txBody>
+      </p:sp>
+      <p:sp>
+        <p:nvSpPr>
+          <p:cNvPr id="2" name="Tytuł 1">
+            <a:extLst>
+              <a:ext uri="{FF2B5EF4-FFF2-40B4-BE49-F238E27FC236}">
+                <a16:creationId xmlns:a16="http://schemas.microsoft.com/office/drawing/2014/main" id="{8EA3E4FF-B352-EF8E-C8D7-1146568DDC9F}"/>
+              </a:ext>
+            </a:extLst>
+          </p:cNvPr>
+          <p:cNvSpPr>
+            <a:spLocks noGrp="1"/>
+          </p:cNvSpPr>
+          <p:nvPr>
+            <p:ph type="title"/>
+          </p:nvPr>
+        </p:nvSpPr>
+        <p:spPr>
+          <a:xfrm>
+            <a:off x="521208" y="978409"/>
+            <a:ext cx="7263804" cy="1008208"/>
+          </a:xfrm>
+        </p:spPr>
+        <p:txBody>
+          <a:bodyPr vert="horz" lIns="91440" tIns="45720" rIns="91440" bIns="45720" rtlCol="0" anchor="t">
+            <a:normAutofit/>
+          </a:bodyPr>
+          <a:lstStyle/>
+          <a:p>
+            <a:r>
+              <a:rPr lang="en-US" sz="4400" dirty="0" err="1"/>
+              <a:t>Tworzenie</a:t>
+            </a:r>
+            <a:r>
+              <a:rPr lang="en-US" sz="4400" dirty="0"/>
+              <a:t> </a:t>
+            </a:r>
+            <a:r>
+              <a:rPr lang="en-US" sz="4400" dirty="0" err="1"/>
+              <a:t>mapy</a:t>
+            </a:r>
+            <a:r>
+              <a:rPr lang="en-US" sz="4400" dirty="0"/>
+              <a:t> </a:t>
+            </a:r>
+            <a:r>
+              <a:rPr lang="en-US" sz="4400" dirty="0" err="1"/>
+              <a:t>trapezowej</a:t>
+            </a:r>
+            <a:endParaRPr lang="en-US" sz="4400" dirty="0"/>
+          </a:p>
+        </p:txBody>
+      </p:sp>
+      <p:sp>
+        <p:nvSpPr>
+          <p:cNvPr id="3" name="Symbol zastępczy zawartości 2">
+            <a:extLst>
+              <a:ext uri="{FF2B5EF4-FFF2-40B4-BE49-F238E27FC236}">
+                <a16:creationId xmlns:a16="http://schemas.microsoft.com/office/drawing/2014/main" id="{0CBE3558-FA95-847C-440A-A5C03BE85436}"/>
+              </a:ext>
+            </a:extLst>
+          </p:cNvPr>
+          <p:cNvSpPr>
+            <a:spLocks noGrp="1"/>
+          </p:cNvSpPr>
+          <p:nvPr>
+            <p:ph idx="1"/>
+          </p:nvPr>
+        </p:nvSpPr>
+        <p:spPr>
+          <a:xfrm>
+            <a:off x="505601" y="1817583"/>
+            <a:ext cx="6691612" cy="490074"/>
+          </a:xfrm>
+        </p:spPr>
+        <p:txBody>
+          <a:bodyPr vert="horz" lIns="91440" tIns="45720" rIns="91440" bIns="45720" rtlCol="0" anchor="t">
+            <a:normAutofit/>
+          </a:bodyPr>
+          <a:lstStyle/>
+          <a:p>
+            <a:pPr>
+              <a:lnSpc>
+                <a:spcPct val="100000"/>
+              </a:lnSpc>
+            </a:pPr>
+            <a:r>
+              <a:rPr lang="pl-PL" sz="2200" dirty="0"/>
+              <a:t>Niszczymy trapezy przez które przechodzi odcinek</a:t>
+            </a:r>
+            <a:endParaRPr lang="en-US" sz="2200" dirty="0"/>
+          </a:p>
+        </p:txBody>
+      </p:sp>
+      <p:sp>
+        <p:nvSpPr>
+          <p:cNvPr id="19" name="Freeform: Shape 18">
+            <a:extLst>
+              <a:ext uri="{FF2B5EF4-FFF2-40B4-BE49-F238E27FC236}">
+                <a16:creationId xmlns:a16="http://schemas.microsoft.com/office/drawing/2014/main" id="{3CF4C02C-D6CF-9FD9-D22E-BBFE6B3FA245}"/>
+              </a:ext>
+              <a:ext uri="{C183D7F6-B498-43B3-948B-1728B52AA6E4}">
+                <adec:decorative xmlns:adec="http://schemas.microsoft.com/office/drawing/2017/decorative" val="1"/>
+              </a:ext>
+            </a:extLst>
+          </p:cNvPr>
+          <p:cNvSpPr>
+            <a:spLocks noGrp="1" noRot="1" noChangeAspect="1" noMove="1" noResize="1" noEditPoints="1" noAdjustHandles="1" noChangeArrowheads="1" noChangeShapeType="1" noTextEdit="1"/>
+          </p:cNvSpPr>
+          <p:nvPr>
+            <p:extLst>
+              <p:ext uri="{386F3935-93C4-4BCD-93E2-E3B085C9AB24}">
+                <p16:designElem xmlns:p16="http://schemas.microsoft.com/office/powerpoint/2015/main" val="1"/>
+              </p:ext>
+            </p:extLst>
+          </p:nvPr>
+        </p:nvSpPr>
+        <p:spPr>
+          <a:xfrm>
+            <a:off x="517869" y="508090"/>
+            <a:ext cx="11153214" cy="149279"/>
+          </a:xfrm>
+          <a:custGeom>
+            <a:avLst/>
+            <a:gdLst>
+              <a:gd name="connsiteX0" fmla="*/ 0 w 8085002"/>
+              <a:gd name="connsiteY0" fmla="*/ 0 h 149279"/>
+              <a:gd name="connsiteX1" fmla="*/ 8085002 w 8085002"/>
+              <a:gd name="connsiteY1" fmla="*/ 0 h 149279"/>
+              <a:gd name="connsiteX2" fmla="*/ 8085002 w 8085002"/>
+              <a:gd name="connsiteY2" fmla="*/ 149279 h 149279"/>
+              <a:gd name="connsiteX3" fmla="*/ 0 w 8085002"/>
+              <a:gd name="connsiteY3" fmla="*/ 149279 h 149279"/>
+            </a:gdLst>
+            <a:ahLst/>
+            <a:cxnLst>
+              <a:cxn ang="0">
+                <a:pos x="connsiteX0" y="connsiteY0"/>
+              </a:cxn>
+              <a:cxn ang="0">
+                <a:pos x="connsiteX1" y="connsiteY1"/>
+              </a:cxn>
+              <a:cxn ang="0">
+                <a:pos x="connsiteX2" y="connsiteY2"/>
+              </a:cxn>
+              <a:cxn ang="0">
+                <a:pos x="connsiteX3" y="connsiteY3"/>
+              </a:cxn>
+            </a:cxnLst>
+            <a:rect l="l" t="t" r="r" b="b"/>
+            <a:pathLst>
+              <a:path w="8085002" h="149279">
+                <a:moveTo>
+                  <a:pt x="0" y="0"/>
+                </a:moveTo>
+                <a:lnTo>
+                  <a:pt x="8085002" y="0"/>
+                </a:lnTo>
+                <a:lnTo>
+                  <a:pt x="8085002" y="149279"/>
+                </a:lnTo>
+                <a:lnTo>
+                  <a:pt x="0" y="149279"/>
+                </a:lnTo>
+                <a:close/>
+              </a:path>
+            </a:pathLst>
+          </a:custGeom>
+          <a:solidFill>
+            <a:schemeClr val="tx1"/>
+          </a:solidFill>
+          <a:ln>
+            <a:noFill/>
+          </a:ln>
+        </p:spPr>
+        <p:style>
+          <a:lnRef idx="2">
+            <a:schemeClr val="accent1">
+              <a:shade val="50000"/>
+            </a:schemeClr>
+          </a:lnRef>
+          <a:fillRef idx="1">
+            <a:schemeClr val="accent1"/>
+          </a:fillRef>
+          <a:effectRef idx="0">
+            <a:schemeClr val="accent1"/>
+          </a:effectRef>
+          <a:fontRef idx="minor">
+            <a:schemeClr val="lt1"/>
+          </a:fontRef>
+        </p:style>
+        <p:txBody>
+          <a:bodyPr wrap="square" rtlCol="0" anchor="ctr">
+            <a:noAutofit/>
+          </a:bodyPr>
+          <a:lstStyle/>
+          <a:p>
+            <a:pPr algn="ctr"/>
+            <a:endParaRPr lang="en-US"/>
+          </a:p>
+        </p:txBody>
+      </p:sp>
+      <p:pic>
+        <p:nvPicPr>
+          <p:cNvPr id="5" name="Obraz 4">
+            <a:extLst>
+              <a:ext uri="{FF2B5EF4-FFF2-40B4-BE49-F238E27FC236}">
+                <a16:creationId xmlns:a16="http://schemas.microsoft.com/office/drawing/2014/main" id="{76BC1262-8723-B796-6926-8D0A9F6552DE}"/>
+              </a:ext>
+            </a:extLst>
+          </p:cNvPr>
+          <p:cNvPicPr>
+            <a:picLocks noChangeAspect="1"/>
+          </p:cNvPicPr>
+          <p:nvPr/>
+        </p:nvPicPr>
+        <p:blipFill>
+          <a:blip r:embed="rId2"/>
+          <a:stretch>
+            <a:fillRect/>
+          </a:stretch>
+        </p:blipFill>
+        <p:spPr>
+          <a:xfrm>
+            <a:off x="-1524" y="2396613"/>
+            <a:ext cx="12192000" cy="4031226"/>
+          </a:xfrm>
+          <a:prstGeom prst="rect">
+            <a:avLst/>
+          </a:prstGeom>
+        </p:spPr>
+      </p:pic>
+    </p:spTree>
+    <p:extLst>
+      <p:ext uri="{BB962C8B-B14F-4D97-AF65-F5344CB8AC3E}">
+        <p14:creationId xmlns:p14="http://schemas.microsoft.com/office/powerpoint/2010/main" val="1119061114"/>
+      </p:ext>
+    </p:extLst>
+  </p:cSld>
+  <p:clrMapOvr>
+    <a:masterClrMapping/>
+  </p:clrMapOvr>
+</p:sld>
+</file>
+
+<file path=ppt/slides/slide23.xml><?xml version="1.0" encoding="utf-8"?>
+<p:sld xmlns:a="http://schemas.openxmlformats.org/drawingml/2006/main" xmlns:r="http://schemas.openxmlformats.org/officeDocument/2006/relationships" xmlns:p="http://schemas.openxmlformats.org/presentationml/2006/main">
+  <p:cSld>
+    <p:bg>
+      <p:bgPr>
+        <a:solidFill>
+          <a:schemeClr val="bg1"/>
+        </a:solidFill>
+        <a:effectLst/>
+      </p:bgPr>
+    </p:bg>
+    <p:spTree>
+      <p:nvGrpSpPr>
+        <p:cNvPr id="1" name="">
+          <a:extLst>
+            <a:ext uri="{FF2B5EF4-FFF2-40B4-BE49-F238E27FC236}">
+              <a16:creationId xmlns:a16="http://schemas.microsoft.com/office/drawing/2014/main" id="{F8BABCD8-0E09-C34B-A355-1A15C07EC963}"/>
+            </a:ext>
+          </a:extLst>
+        </p:cNvPr>
+        <p:cNvGrpSpPr/>
+        <p:nvPr/>
+      </p:nvGrpSpPr>
+      <p:grpSpPr>
+        <a:xfrm>
+          <a:off x="0" y="0"/>
+          <a:ext cx="0" cy="0"/>
+          <a:chOff x="0" y="0"/>
+          <a:chExt cx="0" cy="0"/>
+        </a:xfrm>
+      </p:grpSpPr>
+      <p:sp>
+        <p:nvSpPr>
+          <p:cNvPr id="9" name="Rectangle 8">
+            <a:extLst>
+              <a:ext uri="{FF2B5EF4-FFF2-40B4-BE49-F238E27FC236}">
+                <a16:creationId xmlns:a16="http://schemas.microsoft.com/office/drawing/2014/main" id="{5FABC304-2E59-017C-CD01-D98E6FE6EFBD}"/>
+              </a:ext>
+              <a:ext uri="{C183D7F6-B498-43B3-948B-1728B52AA6E4}">
+                <adec:decorative xmlns:adec="http://schemas.microsoft.com/office/drawing/2017/decorative" val="1"/>
+              </a:ext>
+            </a:extLst>
+          </p:cNvPr>
+          <p:cNvSpPr>
+            <a:spLocks noGrp="1" noRot="1" noChangeAspect="1" noMove="1" noResize="1" noEditPoints="1" noAdjustHandles="1" noChangeArrowheads="1" noChangeShapeType="1" noTextEdit="1"/>
+          </p:cNvSpPr>
+          <p:nvPr>
+            <p:extLst>
+              <p:ext uri="{386F3935-93C4-4BCD-93E2-E3B085C9AB24}">
+                <p16:designElem xmlns:p16="http://schemas.microsoft.com/office/powerpoint/2015/main" val="1"/>
+              </p:ext>
+            </p:extLst>
+          </p:nvPr>
+        </p:nvSpPr>
+        <p:spPr>
+          <a:xfrm>
+            <a:off x="517870" y="508090"/>
+            <a:ext cx="5021183" cy="149279"/>
+          </a:xfrm>
+          <a:prstGeom prst="rect">
+            <a:avLst/>
+          </a:prstGeom>
+          <a:solidFill>
+            <a:schemeClr val="tx1"/>
+          </a:solidFill>
+          <a:ln>
+            <a:noFill/>
+          </a:ln>
+        </p:spPr>
+        <p:style>
+          <a:lnRef idx="2">
+            <a:schemeClr val="accent1">
+              <a:shade val="50000"/>
+            </a:schemeClr>
+          </a:lnRef>
+          <a:fillRef idx="1">
+            <a:schemeClr val="accent1"/>
+          </a:fillRef>
+          <a:effectRef idx="0">
+            <a:schemeClr val="accent1"/>
+          </a:effectRef>
+          <a:fontRef idx="minor">
+            <a:schemeClr val="lt1"/>
+          </a:fontRef>
+        </p:style>
+        <p:txBody>
+          <a:bodyPr rtlCol="0" anchor="ctr"/>
+          <a:lstStyle/>
+          <a:p>
+            <a:pPr algn="ctr"/>
+            <a:endParaRPr lang="en-US"/>
+          </a:p>
+        </p:txBody>
+      </p:sp>
+      <p:sp>
+        <p:nvSpPr>
+          <p:cNvPr id="11" name="Rectangle 10">
+            <a:extLst>
+              <a:ext uri="{FF2B5EF4-FFF2-40B4-BE49-F238E27FC236}">
+                <a16:creationId xmlns:a16="http://schemas.microsoft.com/office/drawing/2014/main" id="{F8A750CB-A226-B9B8-D063-8E62272F02EE}"/>
+              </a:ext>
+              <a:ext uri="{C183D7F6-B498-43B3-948B-1728B52AA6E4}">
+                <adec:decorative xmlns:adec="http://schemas.microsoft.com/office/drawing/2017/decorative" val="1"/>
+              </a:ext>
+            </a:extLst>
+          </p:cNvPr>
+          <p:cNvSpPr>
+            <a:spLocks noGrp="1" noRot="1" noChangeAspect="1" noMove="1" noResize="1" noEditPoints="1" noAdjustHandles="1" noChangeArrowheads="1" noChangeShapeType="1" noTextEdit="1"/>
+          </p:cNvSpPr>
+          <p:nvPr>
+            <p:extLst>
+              <p:ext uri="{386F3935-93C4-4BCD-93E2-E3B085C9AB24}">
+                <p16:designElem xmlns:p16="http://schemas.microsoft.com/office/powerpoint/2015/main" val="1"/>
+              </p:ext>
+            </p:extLst>
+          </p:nvPr>
+        </p:nvSpPr>
+        <p:spPr>
+          <a:xfrm>
+            <a:off x="517870" y="508090"/>
+            <a:ext cx="5021183" cy="149279"/>
+          </a:xfrm>
+          <a:prstGeom prst="rect">
+            <a:avLst/>
+          </a:prstGeom>
+          <a:solidFill>
+            <a:schemeClr val="tx1"/>
+          </a:solidFill>
+          <a:ln>
+            <a:noFill/>
+          </a:ln>
+        </p:spPr>
+        <p:style>
+          <a:lnRef idx="2">
+            <a:schemeClr val="accent1">
+              <a:shade val="50000"/>
+            </a:schemeClr>
+          </a:lnRef>
+          <a:fillRef idx="1">
+            <a:schemeClr val="accent1"/>
+          </a:fillRef>
+          <a:effectRef idx="0">
+            <a:schemeClr val="accent1"/>
+          </a:effectRef>
+          <a:fontRef idx="minor">
+            <a:schemeClr val="lt1"/>
+          </a:fontRef>
+        </p:style>
+        <p:txBody>
+          <a:bodyPr rtlCol="0" anchor="ctr"/>
+          <a:lstStyle/>
+          <a:p>
+            <a:pPr algn="ctr"/>
+            <a:endParaRPr lang="en-US"/>
+          </a:p>
+        </p:txBody>
+      </p:sp>
+      <p:sp>
+        <p:nvSpPr>
+          <p:cNvPr id="13" name="Rectangle 12">
+            <a:extLst>
+              <a:ext uri="{FF2B5EF4-FFF2-40B4-BE49-F238E27FC236}">
+                <a16:creationId xmlns:a16="http://schemas.microsoft.com/office/drawing/2014/main" id="{6BF10FD4-8FF6-E32D-B412-93C3C4FBCDC0}"/>
+              </a:ext>
+              <a:ext uri="{C183D7F6-B498-43B3-948B-1728B52AA6E4}">
+                <adec:decorative xmlns:adec="http://schemas.microsoft.com/office/drawing/2017/decorative" val="1"/>
+              </a:ext>
+            </a:extLst>
+          </p:cNvPr>
+          <p:cNvSpPr>
+            <a:spLocks noGrp="1" noRot="1" noChangeAspect="1" noMove="1" noResize="1" noEditPoints="1" noAdjustHandles="1" noChangeArrowheads="1" noChangeShapeType="1" noTextEdit="1"/>
+          </p:cNvSpPr>
+          <p:nvPr>
+            <p:extLst>
+              <p:ext uri="{386F3935-93C4-4BCD-93E2-E3B085C9AB24}">
+                <p16:designElem xmlns:p16="http://schemas.microsoft.com/office/powerpoint/2015/main" val="1"/>
+              </p:ext>
+            </p:extLst>
+          </p:nvPr>
+        </p:nvSpPr>
+        <p:spPr>
+          <a:xfrm>
+            <a:off x="517870" y="508090"/>
+            <a:ext cx="5021183" cy="149279"/>
+          </a:xfrm>
+          <a:prstGeom prst="rect">
+            <a:avLst/>
+          </a:prstGeom>
+          <a:solidFill>
+            <a:schemeClr val="tx1"/>
+          </a:solidFill>
+          <a:ln>
+            <a:noFill/>
+          </a:ln>
+        </p:spPr>
+        <p:style>
+          <a:lnRef idx="2">
+            <a:schemeClr val="accent1">
+              <a:shade val="50000"/>
+            </a:schemeClr>
+          </a:lnRef>
+          <a:fillRef idx="1">
+            <a:schemeClr val="accent1"/>
+          </a:fillRef>
+          <a:effectRef idx="0">
+            <a:schemeClr val="accent1"/>
+          </a:effectRef>
+          <a:fontRef idx="minor">
+            <a:schemeClr val="lt1"/>
+          </a:fontRef>
+        </p:style>
+        <p:txBody>
+          <a:bodyPr rtlCol="0" anchor="ctr"/>
+          <a:lstStyle/>
+          <a:p>
+            <a:pPr algn="ctr"/>
+            <a:endParaRPr lang="en-US"/>
+          </a:p>
+        </p:txBody>
+      </p:sp>
+      <p:sp>
+        <p:nvSpPr>
+          <p:cNvPr id="15" name="Rectangle 14">
+            <a:extLst>
+              <a:ext uri="{FF2B5EF4-FFF2-40B4-BE49-F238E27FC236}">
+                <a16:creationId xmlns:a16="http://schemas.microsoft.com/office/drawing/2014/main" id="{EA21AFF6-16E9-10AB-8ABB-BB750D7C3961}"/>
+              </a:ext>
+              <a:ext uri="{C183D7F6-B498-43B3-948B-1728B52AA6E4}">
+                <adec:decorative xmlns:adec="http://schemas.microsoft.com/office/drawing/2017/decorative" val="1"/>
+              </a:ext>
+            </a:extLst>
+          </p:cNvPr>
+          <p:cNvSpPr>
+            <a:spLocks noGrp="1" noRot="1" noChangeAspect="1" noMove="1" noResize="1" noEditPoints="1" noAdjustHandles="1" noChangeArrowheads="1" noChangeShapeType="1" noTextEdit="1"/>
+          </p:cNvSpPr>
+          <p:nvPr>
+            <p:extLst>
+              <p:ext uri="{386F3935-93C4-4BCD-93E2-E3B085C9AB24}">
+                <p16:designElem xmlns:p16="http://schemas.microsoft.com/office/powerpoint/2015/main" val="1"/>
+              </p:ext>
+            </p:extLst>
+          </p:nvPr>
+        </p:nvSpPr>
+        <p:spPr>
+          <a:xfrm>
+            <a:off x="6662168" y="6209925"/>
+            <a:ext cx="5021183" cy="45719"/>
+          </a:xfrm>
+          <a:prstGeom prst="rect">
+            <a:avLst/>
+          </a:prstGeom>
+          <a:solidFill>
+            <a:schemeClr val="tx1"/>
+          </a:solidFill>
+          <a:ln>
+            <a:noFill/>
+          </a:ln>
+        </p:spPr>
+        <p:style>
+          <a:lnRef idx="2">
+            <a:schemeClr val="accent1">
+              <a:shade val="50000"/>
+            </a:schemeClr>
+          </a:lnRef>
+          <a:fillRef idx="1">
+            <a:schemeClr val="accent1"/>
+          </a:fillRef>
+          <a:effectRef idx="0">
+            <a:schemeClr val="accent1"/>
+          </a:effectRef>
+          <a:fontRef idx="minor">
+            <a:schemeClr val="lt1"/>
+          </a:fontRef>
+        </p:style>
+        <p:txBody>
+          <a:bodyPr rtlCol="0" anchor="ctr"/>
+          <a:lstStyle/>
+          <a:p>
+            <a:pPr algn="ctr"/>
+            <a:endParaRPr lang="en-US"/>
+          </a:p>
+        </p:txBody>
+      </p:sp>
+      <p:sp useBgFill="1">
+        <p:nvSpPr>
+          <p:cNvPr id="17" name="Rectangle 16">
+            <a:extLst>
+              <a:ext uri="{FF2B5EF4-FFF2-40B4-BE49-F238E27FC236}">
+                <a16:creationId xmlns:a16="http://schemas.microsoft.com/office/drawing/2014/main" id="{A291F382-5B4A-B7CE-C19E-10B85CECFE7B}"/>
+              </a:ext>
+              <a:ext uri="{C183D7F6-B498-43B3-948B-1728B52AA6E4}">
+                <adec:decorative xmlns:adec="http://schemas.microsoft.com/office/drawing/2017/decorative" val="1"/>
+              </a:ext>
+            </a:extLst>
+          </p:cNvPr>
+          <p:cNvSpPr>
+            <a:spLocks noGrp="1" noRot="1" noChangeAspect="1" noMove="1" noResize="1" noEditPoints="1" noAdjustHandles="1" noChangeArrowheads="1" noChangeShapeType="1" noTextEdit="1"/>
+          </p:cNvSpPr>
+          <p:nvPr>
+            <p:extLst>
+              <p:ext uri="{386F3935-93C4-4BCD-93E2-E3B085C9AB24}">
+                <p16:designElem xmlns:p16="http://schemas.microsoft.com/office/powerpoint/2015/main" val="1"/>
+              </p:ext>
+            </p:extLst>
+          </p:nvPr>
+        </p:nvSpPr>
+        <p:spPr>
+          <a:xfrm>
+            <a:off x="0" y="0"/>
+            <a:ext cx="12192000" cy="6858000"/>
+          </a:xfrm>
+          <a:prstGeom prst="rect">
+            <a:avLst/>
+          </a:prstGeom>
+          <a:ln w="12700" cap="flat" cmpd="sng" algn="ctr">
+            <a:noFill/>
+            <a:prstDash val="solid"/>
+            <a:miter lim="800000"/>
+          </a:ln>
+          <a:effectLst/>
+          <a:extLst>
+            <a:ext uri="{91240B29-F687-4F45-9708-019B960494DF}">
+              <a14:hiddenLine xmlns:a14="http://schemas.microsoft.com/office/drawing/2010/main" w="12700" cap="flat" cmpd="sng" algn="ctr">
+                <a:solidFill>
+                  <a:schemeClr val="accent1">
+                    <a:shade val="15000"/>
+                  </a:schemeClr>
+                </a:solidFill>
+                <a:prstDash val="solid"/>
+                <a:miter lim="800000"/>
+              </a14:hiddenLine>
+            </a:ext>
+          </a:extLst>
+        </p:spPr>
+        <p:style>
+          <a:lnRef idx="2">
+            <a:schemeClr val="accent1">
+              <a:shade val="15000"/>
+            </a:schemeClr>
+          </a:lnRef>
+          <a:fillRef idx="1">
+            <a:schemeClr val="accent1"/>
+          </a:fillRef>
+          <a:effectRef idx="0">
+            <a:schemeClr val="accent1"/>
+          </a:effectRef>
+          <a:fontRef idx="minor">
+            <a:schemeClr val="lt1"/>
+          </a:fontRef>
+        </p:style>
+        <p:txBody>
+          <a:bodyPr rtlCol="0" anchor="ctr"/>
+          <a:lstStyle/>
+          <a:p>
+            <a:pPr algn="ctr"/>
+            <a:endParaRPr lang="en-US"/>
+          </a:p>
+        </p:txBody>
+      </p:sp>
+      <p:sp>
+        <p:nvSpPr>
+          <p:cNvPr id="2" name="Tytuł 1">
+            <a:extLst>
+              <a:ext uri="{FF2B5EF4-FFF2-40B4-BE49-F238E27FC236}">
+                <a16:creationId xmlns:a16="http://schemas.microsoft.com/office/drawing/2014/main" id="{BD63E021-AE82-EC7A-64B2-9BB90C04079C}"/>
+              </a:ext>
+            </a:extLst>
+          </p:cNvPr>
+          <p:cNvSpPr>
+            <a:spLocks noGrp="1"/>
+          </p:cNvSpPr>
+          <p:nvPr>
+            <p:ph type="title"/>
+          </p:nvPr>
+        </p:nvSpPr>
+        <p:spPr>
+          <a:xfrm>
+            <a:off x="521208" y="978409"/>
+            <a:ext cx="7263804" cy="1008208"/>
+          </a:xfrm>
+        </p:spPr>
+        <p:txBody>
+          <a:bodyPr vert="horz" lIns="91440" tIns="45720" rIns="91440" bIns="45720" rtlCol="0" anchor="t">
+            <a:normAutofit/>
+          </a:bodyPr>
+          <a:lstStyle/>
+          <a:p>
+            <a:r>
+              <a:rPr lang="en-US" sz="4400" dirty="0" err="1"/>
+              <a:t>Tworzenie</a:t>
+            </a:r>
+            <a:r>
+              <a:rPr lang="en-US" sz="4400" dirty="0"/>
+              <a:t> </a:t>
+            </a:r>
+            <a:r>
+              <a:rPr lang="en-US" sz="4400" dirty="0" err="1"/>
+              <a:t>mapy</a:t>
+            </a:r>
+            <a:r>
+              <a:rPr lang="en-US" sz="4400" dirty="0"/>
+              <a:t> </a:t>
+            </a:r>
+            <a:r>
+              <a:rPr lang="en-US" sz="4400" dirty="0" err="1"/>
+              <a:t>trapezowej</a:t>
+            </a:r>
+            <a:endParaRPr lang="en-US" sz="4400" dirty="0"/>
+          </a:p>
+        </p:txBody>
+      </p:sp>
+      <p:sp>
+        <p:nvSpPr>
+          <p:cNvPr id="3" name="Symbol zastępczy zawartości 2">
+            <a:extLst>
+              <a:ext uri="{FF2B5EF4-FFF2-40B4-BE49-F238E27FC236}">
+                <a16:creationId xmlns:a16="http://schemas.microsoft.com/office/drawing/2014/main" id="{7F8CA748-240F-6032-355D-43D09740FE40}"/>
+              </a:ext>
+            </a:extLst>
+          </p:cNvPr>
+          <p:cNvSpPr>
+            <a:spLocks noGrp="1"/>
+          </p:cNvSpPr>
+          <p:nvPr>
+            <p:ph idx="1"/>
+          </p:nvPr>
+        </p:nvSpPr>
+        <p:spPr>
+          <a:xfrm>
+            <a:off x="505601" y="1817583"/>
+            <a:ext cx="3634430" cy="490074"/>
+          </a:xfrm>
+        </p:spPr>
+        <p:txBody>
+          <a:bodyPr vert="horz" lIns="91440" tIns="45720" rIns="91440" bIns="45720" rtlCol="0" anchor="t">
+            <a:normAutofit/>
+          </a:bodyPr>
+          <a:lstStyle/>
+          <a:p>
+            <a:pPr>
+              <a:lnSpc>
+                <a:spcPct val="100000"/>
+              </a:lnSpc>
+            </a:pPr>
+            <a:r>
+              <a:rPr lang="pl-PL" sz="2200" dirty="0"/>
+              <a:t>Konstruujemy nowe trapezy</a:t>
+            </a:r>
+            <a:endParaRPr lang="en-US" sz="2200" dirty="0"/>
+          </a:p>
+        </p:txBody>
+      </p:sp>
+      <p:sp>
+        <p:nvSpPr>
+          <p:cNvPr id="19" name="Freeform: Shape 18">
+            <a:extLst>
+              <a:ext uri="{FF2B5EF4-FFF2-40B4-BE49-F238E27FC236}">
+                <a16:creationId xmlns:a16="http://schemas.microsoft.com/office/drawing/2014/main" id="{5BAF7D68-A104-E13B-B961-5B6F7B583E99}"/>
+              </a:ext>
+              <a:ext uri="{C183D7F6-B498-43B3-948B-1728B52AA6E4}">
+                <adec:decorative xmlns:adec="http://schemas.microsoft.com/office/drawing/2017/decorative" val="1"/>
+              </a:ext>
+            </a:extLst>
+          </p:cNvPr>
+          <p:cNvSpPr>
+            <a:spLocks noGrp="1" noRot="1" noChangeAspect="1" noMove="1" noResize="1" noEditPoints="1" noAdjustHandles="1" noChangeArrowheads="1" noChangeShapeType="1" noTextEdit="1"/>
+          </p:cNvSpPr>
+          <p:nvPr>
+            <p:extLst>
+              <p:ext uri="{386F3935-93C4-4BCD-93E2-E3B085C9AB24}">
+                <p16:designElem xmlns:p16="http://schemas.microsoft.com/office/powerpoint/2015/main" val="1"/>
+              </p:ext>
+            </p:extLst>
+          </p:nvPr>
+        </p:nvSpPr>
+        <p:spPr>
+          <a:xfrm>
+            <a:off x="517869" y="508090"/>
+            <a:ext cx="11153214" cy="149279"/>
+          </a:xfrm>
+          <a:custGeom>
+            <a:avLst/>
+            <a:gdLst>
+              <a:gd name="connsiteX0" fmla="*/ 0 w 8085002"/>
+              <a:gd name="connsiteY0" fmla="*/ 0 h 149279"/>
+              <a:gd name="connsiteX1" fmla="*/ 8085002 w 8085002"/>
+              <a:gd name="connsiteY1" fmla="*/ 0 h 149279"/>
+              <a:gd name="connsiteX2" fmla="*/ 8085002 w 8085002"/>
+              <a:gd name="connsiteY2" fmla="*/ 149279 h 149279"/>
+              <a:gd name="connsiteX3" fmla="*/ 0 w 8085002"/>
+              <a:gd name="connsiteY3" fmla="*/ 149279 h 149279"/>
+            </a:gdLst>
+            <a:ahLst/>
+            <a:cxnLst>
+              <a:cxn ang="0">
+                <a:pos x="connsiteX0" y="connsiteY0"/>
+              </a:cxn>
+              <a:cxn ang="0">
+                <a:pos x="connsiteX1" y="connsiteY1"/>
+              </a:cxn>
+              <a:cxn ang="0">
+                <a:pos x="connsiteX2" y="connsiteY2"/>
+              </a:cxn>
+              <a:cxn ang="0">
+                <a:pos x="connsiteX3" y="connsiteY3"/>
+              </a:cxn>
+            </a:cxnLst>
+            <a:rect l="l" t="t" r="r" b="b"/>
+            <a:pathLst>
+              <a:path w="8085002" h="149279">
+                <a:moveTo>
+                  <a:pt x="0" y="0"/>
+                </a:moveTo>
+                <a:lnTo>
+                  <a:pt x="8085002" y="0"/>
+                </a:lnTo>
+                <a:lnTo>
+                  <a:pt x="8085002" y="149279"/>
+                </a:lnTo>
+                <a:lnTo>
+                  <a:pt x="0" y="149279"/>
+                </a:lnTo>
+                <a:close/>
+              </a:path>
+            </a:pathLst>
+          </a:custGeom>
+          <a:solidFill>
+            <a:schemeClr val="tx1"/>
+          </a:solidFill>
+          <a:ln>
+            <a:noFill/>
+          </a:ln>
+        </p:spPr>
+        <p:style>
+          <a:lnRef idx="2">
+            <a:schemeClr val="accent1">
+              <a:shade val="50000"/>
+            </a:schemeClr>
+          </a:lnRef>
+          <a:fillRef idx="1">
+            <a:schemeClr val="accent1"/>
+          </a:fillRef>
+          <a:effectRef idx="0">
+            <a:schemeClr val="accent1"/>
+          </a:effectRef>
+          <a:fontRef idx="minor">
+            <a:schemeClr val="lt1"/>
+          </a:fontRef>
+        </p:style>
+        <p:txBody>
+          <a:bodyPr wrap="square" rtlCol="0" anchor="ctr">
+            <a:noAutofit/>
+          </a:bodyPr>
+          <a:lstStyle/>
+          <a:p>
+            <a:pPr algn="ctr"/>
+            <a:endParaRPr lang="en-US"/>
+          </a:p>
+        </p:txBody>
+      </p:sp>
+      <p:pic>
+        <p:nvPicPr>
+          <p:cNvPr id="5" name="Obraz 4">
+            <a:extLst>
+              <a:ext uri="{FF2B5EF4-FFF2-40B4-BE49-F238E27FC236}">
+                <a16:creationId xmlns:a16="http://schemas.microsoft.com/office/drawing/2014/main" id="{280FC736-E39B-3289-D3AC-46A27E7A2C7F}"/>
+              </a:ext>
+            </a:extLst>
+          </p:cNvPr>
+          <p:cNvPicPr>
+            <a:picLocks noChangeAspect="1"/>
+          </p:cNvPicPr>
+          <p:nvPr/>
+        </p:nvPicPr>
+        <p:blipFill>
+          <a:blip r:embed="rId2"/>
+          <a:stretch>
+            <a:fillRect/>
+          </a:stretch>
+        </p:blipFill>
+        <p:spPr>
+          <a:xfrm>
+            <a:off x="0" y="2307657"/>
+            <a:ext cx="12192000" cy="4401501"/>
+          </a:xfrm>
+          <a:prstGeom prst="rect">
+            <a:avLst/>
+          </a:prstGeom>
+        </p:spPr>
+      </p:pic>
+    </p:spTree>
+    <p:extLst>
+      <p:ext uri="{BB962C8B-B14F-4D97-AF65-F5344CB8AC3E}">
+        <p14:creationId xmlns:p14="http://schemas.microsoft.com/office/powerpoint/2010/main" val="1669232190"/>
+      </p:ext>
+    </p:extLst>
+  </p:cSld>
+  <p:clrMapOvr>
+    <a:masterClrMapping/>
+  </p:clrMapOvr>
+</p:sld>
+</file>
+
+<file path=ppt/slides/slide24.xml><?xml version="1.0" encoding="utf-8"?>
+<p:sld xmlns:a="http://schemas.openxmlformats.org/drawingml/2006/main" xmlns:r="http://schemas.openxmlformats.org/officeDocument/2006/relationships" xmlns:p="http://schemas.openxmlformats.org/presentationml/2006/main">
+  <p:cSld>
+    <p:bg>
+      <p:bgPr>
+        <a:solidFill>
+          <a:schemeClr val="bg1"/>
+        </a:solidFill>
+        <a:effectLst/>
+      </p:bgPr>
+    </p:bg>
+    <p:spTree>
+      <p:nvGrpSpPr>
+        <p:cNvPr id="1" name="">
+          <a:extLst>
+            <a:ext uri="{FF2B5EF4-FFF2-40B4-BE49-F238E27FC236}">
+              <a16:creationId xmlns:a16="http://schemas.microsoft.com/office/drawing/2014/main" id="{A51C8DCB-3F2C-28EF-1E57-3FEAFE54FB78}"/>
+            </a:ext>
+          </a:extLst>
+        </p:cNvPr>
+        <p:cNvGrpSpPr/>
+        <p:nvPr/>
+      </p:nvGrpSpPr>
+      <p:grpSpPr>
+        <a:xfrm>
+          <a:off x="0" y="0"/>
+          <a:ext cx="0" cy="0"/>
+          <a:chOff x="0" y="0"/>
+          <a:chExt cx="0" cy="0"/>
+        </a:xfrm>
+      </p:grpSpPr>
+      <p:sp>
+        <p:nvSpPr>
+          <p:cNvPr id="9" name="Rectangle 8">
+            <a:extLst>
+              <a:ext uri="{FF2B5EF4-FFF2-40B4-BE49-F238E27FC236}">
+                <a16:creationId xmlns:a16="http://schemas.microsoft.com/office/drawing/2014/main" id="{CC47E079-BE25-5325-7F6B-CC410580C68D}"/>
+              </a:ext>
+              <a:ext uri="{C183D7F6-B498-43B3-948B-1728B52AA6E4}">
+                <adec:decorative xmlns:adec="http://schemas.microsoft.com/office/drawing/2017/decorative" val="1"/>
+              </a:ext>
+            </a:extLst>
+          </p:cNvPr>
+          <p:cNvSpPr>
+            <a:spLocks noGrp="1" noRot="1" noChangeAspect="1" noMove="1" noResize="1" noEditPoints="1" noAdjustHandles="1" noChangeArrowheads="1" noChangeShapeType="1" noTextEdit="1"/>
+          </p:cNvSpPr>
+          <p:nvPr>
+            <p:extLst>
+              <p:ext uri="{386F3935-93C4-4BCD-93E2-E3B085C9AB24}">
+                <p16:designElem xmlns:p16="http://schemas.microsoft.com/office/powerpoint/2015/main" val="1"/>
+              </p:ext>
+            </p:extLst>
+          </p:nvPr>
+        </p:nvSpPr>
+        <p:spPr>
+          <a:xfrm>
+            <a:off x="517870" y="508090"/>
+            <a:ext cx="5021183" cy="149279"/>
+          </a:xfrm>
+          <a:prstGeom prst="rect">
+            <a:avLst/>
+          </a:prstGeom>
+          <a:solidFill>
+            <a:schemeClr val="tx1"/>
+          </a:solidFill>
+          <a:ln>
+            <a:noFill/>
+          </a:ln>
+        </p:spPr>
+        <p:style>
+          <a:lnRef idx="2">
+            <a:schemeClr val="accent1">
+              <a:shade val="50000"/>
+            </a:schemeClr>
+          </a:lnRef>
+          <a:fillRef idx="1">
+            <a:schemeClr val="accent1"/>
+          </a:fillRef>
+          <a:effectRef idx="0">
+            <a:schemeClr val="accent1"/>
+          </a:effectRef>
+          <a:fontRef idx="minor">
+            <a:schemeClr val="lt1"/>
+          </a:fontRef>
+        </p:style>
+        <p:txBody>
+          <a:bodyPr rtlCol="0" anchor="ctr"/>
+          <a:lstStyle/>
+          <a:p>
+            <a:pPr algn="ctr"/>
+            <a:endParaRPr lang="en-US"/>
+          </a:p>
+        </p:txBody>
+      </p:sp>
+      <p:sp>
+        <p:nvSpPr>
+          <p:cNvPr id="11" name="Rectangle 10">
+            <a:extLst>
+              <a:ext uri="{FF2B5EF4-FFF2-40B4-BE49-F238E27FC236}">
+                <a16:creationId xmlns:a16="http://schemas.microsoft.com/office/drawing/2014/main" id="{765077C2-AFE9-7E1F-BADA-C9022700B791}"/>
+              </a:ext>
+              <a:ext uri="{C183D7F6-B498-43B3-948B-1728B52AA6E4}">
+                <adec:decorative xmlns:adec="http://schemas.microsoft.com/office/drawing/2017/decorative" val="1"/>
+              </a:ext>
+            </a:extLst>
+          </p:cNvPr>
+          <p:cNvSpPr>
+            <a:spLocks noGrp="1" noRot="1" noChangeAspect="1" noMove="1" noResize="1" noEditPoints="1" noAdjustHandles="1" noChangeArrowheads="1" noChangeShapeType="1" noTextEdit="1"/>
+          </p:cNvSpPr>
+          <p:nvPr>
+            <p:extLst>
+              <p:ext uri="{386F3935-93C4-4BCD-93E2-E3B085C9AB24}">
+                <p16:designElem xmlns:p16="http://schemas.microsoft.com/office/powerpoint/2015/main" val="1"/>
+              </p:ext>
+            </p:extLst>
+          </p:nvPr>
+        </p:nvSpPr>
+        <p:spPr>
+          <a:xfrm>
+            <a:off x="517870" y="508090"/>
+            <a:ext cx="5021183" cy="149279"/>
+          </a:xfrm>
+          <a:prstGeom prst="rect">
+            <a:avLst/>
+          </a:prstGeom>
+          <a:solidFill>
+            <a:schemeClr val="tx1"/>
+          </a:solidFill>
+          <a:ln>
+            <a:noFill/>
+          </a:ln>
+        </p:spPr>
+        <p:style>
+          <a:lnRef idx="2">
+            <a:schemeClr val="accent1">
+              <a:shade val="50000"/>
+            </a:schemeClr>
+          </a:lnRef>
+          <a:fillRef idx="1">
+            <a:schemeClr val="accent1"/>
+          </a:fillRef>
+          <a:effectRef idx="0">
+            <a:schemeClr val="accent1"/>
+          </a:effectRef>
+          <a:fontRef idx="minor">
+            <a:schemeClr val="lt1"/>
+          </a:fontRef>
+        </p:style>
+        <p:txBody>
+          <a:bodyPr rtlCol="0" anchor="ctr"/>
+          <a:lstStyle/>
+          <a:p>
+            <a:pPr algn="ctr"/>
+            <a:endParaRPr lang="en-US"/>
+          </a:p>
+        </p:txBody>
+      </p:sp>
+      <p:sp>
+        <p:nvSpPr>
+          <p:cNvPr id="13" name="Rectangle 12">
+            <a:extLst>
+              <a:ext uri="{FF2B5EF4-FFF2-40B4-BE49-F238E27FC236}">
+                <a16:creationId xmlns:a16="http://schemas.microsoft.com/office/drawing/2014/main" id="{B2210034-4577-DBA8-5A91-7B77ADF001FF}"/>
+              </a:ext>
+              <a:ext uri="{C183D7F6-B498-43B3-948B-1728B52AA6E4}">
+                <adec:decorative xmlns:adec="http://schemas.microsoft.com/office/drawing/2017/decorative" val="1"/>
+              </a:ext>
+            </a:extLst>
+          </p:cNvPr>
+          <p:cNvSpPr>
+            <a:spLocks noGrp="1" noRot="1" noChangeAspect="1" noMove="1" noResize="1" noEditPoints="1" noAdjustHandles="1" noChangeArrowheads="1" noChangeShapeType="1" noTextEdit="1"/>
+          </p:cNvSpPr>
+          <p:nvPr>
+            <p:extLst>
+              <p:ext uri="{386F3935-93C4-4BCD-93E2-E3B085C9AB24}">
+                <p16:designElem xmlns:p16="http://schemas.microsoft.com/office/powerpoint/2015/main" val="1"/>
+              </p:ext>
+            </p:extLst>
+          </p:nvPr>
+        </p:nvSpPr>
+        <p:spPr>
+          <a:xfrm>
+            <a:off x="517870" y="508090"/>
+            <a:ext cx="5021183" cy="149279"/>
+          </a:xfrm>
+          <a:prstGeom prst="rect">
+            <a:avLst/>
+          </a:prstGeom>
+          <a:solidFill>
+            <a:schemeClr val="tx1"/>
+          </a:solidFill>
+          <a:ln>
+            <a:noFill/>
+          </a:ln>
+        </p:spPr>
+        <p:style>
+          <a:lnRef idx="2">
+            <a:schemeClr val="accent1">
+              <a:shade val="50000"/>
+            </a:schemeClr>
+          </a:lnRef>
+          <a:fillRef idx="1">
+            <a:schemeClr val="accent1"/>
+          </a:fillRef>
+          <a:effectRef idx="0">
+            <a:schemeClr val="accent1"/>
+          </a:effectRef>
+          <a:fontRef idx="minor">
+            <a:schemeClr val="lt1"/>
+          </a:fontRef>
+        </p:style>
+        <p:txBody>
+          <a:bodyPr rtlCol="0" anchor="ctr"/>
+          <a:lstStyle/>
+          <a:p>
+            <a:pPr algn="ctr"/>
+            <a:endParaRPr lang="en-US"/>
+          </a:p>
+        </p:txBody>
+      </p:sp>
+      <p:sp>
+        <p:nvSpPr>
+          <p:cNvPr id="15" name="Rectangle 14">
+            <a:extLst>
+              <a:ext uri="{FF2B5EF4-FFF2-40B4-BE49-F238E27FC236}">
+                <a16:creationId xmlns:a16="http://schemas.microsoft.com/office/drawing/2014/main" id="{B5A6E4F2-C24A-D247-DE27-156710DEF687}"/>
+              </a:ext>
+              <a:ext uri="{C183D7F6-B498-43B3-948B-1728B52AA6E4}">
+                <adec:decorative xmlns:adec="http://schemas.microsoft.com/office/drawing/2017/decorative" val="1"/>
+              </a:ext>
+            </a:extLst>
+          </p:cNvPr>
+          <p:cNvSpPr>
+            <a:spLocks noGrp="1" noRot="1" noChangeAspect="1" noMove="1" noResize="1" noEditPoints="1" noAdjustHandles="1" noChangeArrowheads="1" noChangeShapeType="1" noTextEdit="1"/>
+          </p:cNvSpPr>
+          <p:nvPr>
+            <p:extLst>
+              <p:ext uri="{386F3935-93C4-4BCD-93E2-E3B085C9AB24}">
+                <p16:designElem xmlns:p16="http://schemas.microsoft.com/office/powerpoint/2015/main" val="1"/>
+              </p:ext>
+            </p:extLst>
+          </p:nvPr>
+        </p:nvSpPr>
+        <p:spPr>
+          <a:xfrm>
+            <a:off x="6662168" y="6209925"/>
+            <a:ext cx="5021183" cy="45719"/>
+          </a:xfrm>
+          <a:prstGeom prst="rect">
+            <a:avLst/>
+          </a:prstGeom>
+          <a:solidFill>
+            <a:schemeClr val="tx1"/>
+          </a:solidFill>
+          <a:ln>
+            <a:noFill/>
+          </a:ln>
+        </p:spPr>
+        <p:style>
+          <a:lnRef idx="2">
+            <a:schemeClr val="accent1">
+              <a:shade val="50000"/>
+            </a:schemeClr>
+          </a:lnRef>
+          <a:fillRef idx="1">
+            <a:schemeClr val="accent1"/>
+          </a:fillRef>
+          <a:effectRef idx="0">
+            <a:schemeClr val="accent1"/>
+          </a:effectRef>
+          <a:fontRef idx="minor">
+            <a:schemeClr val="lt1"/>
+          </a:fontRef>
+        </p:style>
+        <p:txBody>
+          <a:bodyPr rtlCol="0" anchor="ctr"/>
+          <a:lstStyle/>
+          <a:p>
+            <a:pPr algn="ctr"/>
+            <a:endParaRPr lang="en-US"/>
+          </a:p>
+        </p:txBody>
+      </p:sp>
+      <p:sp useBgFill="1">
+        <p:nvSpPr>
+          <p:cNvPr id="17" name="Rectangle 16">
+            <a:extLst>
+              <a:ext uri="{FF2B5EF4-FFF2-40B4-BE49-F238E27FC236}">
+                <a16:creationId xmlns:a16="http://schemas.microsoft.com/office/drawing/2014/main" id="{20EE09B8-7F4C-D901-1602-D578CE90E8A2}"/>
+              </a:ext>
+              <a:ext uri="{C183D7F6-B498-43B3-948B-1728B52AA6E4}">
+                <adec:decorative xmlns:adec="http://schemas.microsoft.com/office/drawing/2017/decorative" val="1"/>
+              </a:ext>
+            </a:extLst>
+          </p:cNvPr>
+          <p:cNvSpPr>
+            <a:spLocks noGrp="1" noRot="1" noChangeAspect="1" noMove="1" noResize="1" noEditPoints="1" noAdjustHandles="1" noChangeArrowheads="1" noChangeShapeType="1" noTextEdit="1"/>
+          </p:cNvSpPr>
+          <p:nvPr>
+            <p:extLst>
+              <p:ext uri="{386F3935-93C4-4BCD-93E2-E3B085C9AB24}">
+                <p16:designElem xmlns:p16="http://schemas.microsoft.com/office/powerpoint/2015/main" val="1"/>
+              </p:ext>
+            </p:extLst>
+          </p:nvPr>
+        </p:nvSpPr>
+        <p:spPr>
+          <a:xfrm>
+            <a:off x="0" y="0"/>
+            <a:ext cx="12192000" cy="6858000"/>
+          </a:xfrm>
+          <a:prstGeom prst="rect">
+            <a:avLst/>
+          </a:prstGeom>
+          <a:ln w="12700" cap="flat" cmpd="sng" algn="ctr">
+            <a:noFill/>
+            <a:prstDash val="solid"/>
+            <a:miter lim="800000"/>
+          </a:ln>
+          <a:effectLst/>
+          <a:extLst>
+            <a:ext uri="{91240B29-F687-4F45-9708-019B960494DF}">
+              <a14:hiddenLine xmlns:a14="http://schemas.microsoft.com/office/drawing/2010/main" w="12700" cap="flat" cmpd="sng" algn="ctr">
+                <a:solidFill>
+                  <a:schemeClr val="accent1">
+                    <a:shade val="15000"/>
+                  </a:schemeClr>
+                </a:solidFill>
+                <a:prstDash val="solid"/>
+                <a:miter lim="800000"/>
+              </a14:hiddenLine>
+            </a:ext>
+          </a:extLst>
+        </p:spPr>
+        <p:style>
+          <a:lnRef idx="2">
+            <a:schemeClr val="accent1">
+              <a:shade val="15000"/>
+            </a:schemeClr>
+          </a:lnRef>
+          <a:fillRef idx="1">
+            <a:schemeClr val="accent1"/>
+          </a:fillRef>
+          <a:effectRef idx="0">
+            <a:schemeClr val="accent1"/>
+          </a:effectRef>
+          <a:fontRef idx="minor">
+            <a:schemeClr val="lt1"/>
+          </a:fontRef>
+        </p:style>
+        <p:txBody>
+          <a:bodyPr rtlCol="0" anchor="ctr"/>
+          <a:lstStyle/>
+          <a:p>
+            <a:pPr algn="ctr"/>
+            <a:endParaRPr lang="en-US"/>
+          </a:p>
+        </p:txBody>
+      </p:sp>
+      <p:sp>
+        <p:nvSpPr>
+          <p:cNvPr id="2" name="Tytuł 1">
+            <a:extLst>
+              <a:ext uri="{FF2B5EF4-FFF2-40B4-BE49-F238E27FC236}">
+                <a16:creationId xmlns:a16="http://schemas.microsoft.com/office/drawing/2014/main" id="{31580889-6991-DB4C-5CCD-84A1F056A78C}"/>
+              </a:ext>
+            </a:extLst>
+          </p:cNvPr>
+          <p:cNvSpPr>
+            <a:spLocks noGrp="1"/>
+          </p:cNvSpPr>
+          <p:nvPr>
+            <p:ph type="title"/>
+          </p:nvPr>
+        </p:nvSpPr>
+        <p:spPr>
+          <a:xfrm>
+            <a:off x="521208" y="978409"/>
+            <a:ext cx="7263804" cy="1008208"/>
+          </a:xfrm>
+        </p:spPr>
+        <p:txBody>
+          <a:bodyPr vert="horz" lIns="91440" tIns="45720" rIns="91440" bIns="45720" rtlCol="0" anchor="t">
+            <a:normAutofit/>
+          </a:bodyPr>
+          <a:lstStyle/>
+          <a:p>
+            <a:r>
+              <a:rPr lang="en-US" sz="4400" dirty="0" err="1"/>
+              <a:t>Tworzenie</a:t>
+            </a:r>
+            <a:r>
+              <a:rPr lang="en-US" sz="4400" dirty="0"/>
+              <a:t> </a:t>
+            </a:r>
+            <a:r>
+              <a:rPr lang="en-US" sz="4400" dirty="0" err="1"/>
+              <a:t>mapy</a:t>
+            </a:r>
+            <a:r>
+              <a:rPr lang="en-US" sz="4400" dirty="0"/>
+              <a:t> </a:t>
+            </a:r>
+            <a:r>
+              <a:rPr lang="en-US" sz="4400" dirty="0" err="1"/>
+              <a:t>trapezowej</a:t>
+            </a:r>
+            <a:endParaRPr lang="en-US" sz="4400" dirty="0"/>
+          </a:p>
+        </p:txBody>
+      </p:sp>
+      <p:sp>
+        <p:nvSpPr>
+          <p:cNvPr id="3" name="Symbol zastępczy zawartości 2">
+            <a:extLst>
+              <a:ext uri="{FF2B5EF4-FFF2-40B4-BE49-F238E27FC236}">
+                <a16:creationId xmlns:a16="http://schemas.microsoft.com/office/drawing/2014/main" id="{D11E84D5-3D06-2DB5-7158-74DA3F9B1771}"/>
+              </a:ext>
+            </a:extLst>
+          </p:cNvPr>
+          <p:cNvSpPr>
+            <a:spLocks noGrp="1"/>
+          </p:cNvSpPr>
+          <p:nvPr>
+            <p:ph idx="1"/>
+          </p:nvPr>
+        </p:nvSpPr>
+        <p:spPr>
+          <a:xfrm>
+            <a:off x="505601" y="1817583"/>
+            <a:ext cx="3634430" cy="490074"/>
+          </a:xfrm>
+        </p:spPr>
+        <p:txBody>
+          <a:bodyPr vert="horz" lIns="91440" tIns="45720" rIns="91440" bIns="45720" rtlCol="0" anchor="t">
+            <a:normAutofit/>
+          </a:bodyPr>
+          <a:lstStyle/>
+          <a:p>
+            <a:pPr>
+              <a:lnSpc>
+                <a:spcPct val="100000"/>
+              </a:lnSpc>
+            </a:pPr>
+            <a:r>
+              <a:rPr lang="pl-PL" sz="2200" dirty="0"/>
+              <a:t>Uaktualniamy strukturę</a:t>
+            </a:r>
+            <a:endParaRPr lang="en-US" sz="2200" dirty="0"/>
+          </a:p>
+        </p:txBody>
+      </p:sp>
+      <p:sp>
+        <p:nvSpPr>
+          <p:cNvPr id="19" name="Freeform: Shape 18">
+            <a:extLst>
+              <a:ext uri="{FF2B5EF4-FFF2-40B4-BE49-F238E27FC236}">
+                <a16:creationId xmlns:a16="http://schemas.microsoft.com/office/drawing/2014/main" id="{7D012CBA-CABA-08B5-979C-45FA119E8E00}"/>
+              </a:ext>
+              <a:ext uri="{C183D7F6-B498-43B3-948B-1728B52AA6E4}">
+                <adec:decorative xmlns:adec="http://schemas.microsoft.com/office/drawing/2017/decorative" val="1"/>
+              </a:ext>
+            </a:extLst>
+          </p:cNvPr>
+          <p:cNvSpPr>
+            <a:spLocks noGrp="1" noRot="1" noChangeAspect="1" noMove="1" noResize="1" noEditPoints="1" noAdjustHandles="1" noChangeArrowheads="1" noChangeShapeType="1" noTextEdit="1"/>
+          </p:cNvSpPr>
+          <p:nvPr>
+            <p:extLst>
+              <p:ext uri="{386F3935-93C4-4BCD-93E2-E3B085C9AB24}">
+                <p16:designElem xmlns:p16="http://schemas.microsoft.com/office/powerpoint/2015/main" val="1"/>
+              </p:ext>
+            </p:extLst>
+          </p:nvPr>
+        </p:nvSpPr>
+        <p:spPr>
+          <a:xfrm>
+            <a:off x="517869" y="508090"/>
+            <a:ext cx="11153214" cy="149279"/>
+          </a:xfrm>
+          <a:custGeom>
+            <a:avLst/>
+            <a:gdLst>
+              <a:gd name="connsiteX0" fmla="*/ 0 w 8085002"/>
+              <a:gd name="connsiteY0" fmla="*/ 0 h 149279"/>
+              <a:gd name="connsiteX1" fmla="*/ 8085002 w 8085002"/>
+              <a:gd name="connsiteY1" fmla="*/ 0 h 149279"/>
+              <a:gd name="connsiteX2" fmla="*/ 8085002 w 8085002"/>
+              <a:gd name="connsiteY2" fmla="*/ 149279 h 149279"/>
+              <a:gd name="connsiteX3" fmla="*/ 0 w 8085002"/>
+              <a:gd name="connsiteY3" fmla="*/ 149279 h 149279"/>
+            </a:gdLst>
+            <a:ahLst/>
+            <a:cxnLst>
+              <a:cxn ang="0">
+                <a:pos x="connsiteX0" y="connsiteY0"/>
+              </a:cxn>
+              <a:cxn ang="0">
+                <a:pos x="connsiteX1" y="connsiteY1"/>
+              </a:cxn>
+              <a:cxn ang="0">
+                <a:pos x="connsiteX2" y="connsiteY2"/>
+              </a:cxn>
+              <a:cxn ang="0">
+                <a:pos x="connsiteX3" y="connsiteY3"/>
+              </a:cxn>
+            </a:cxnLst>
+            <a:rect l="l" t="t" r="r" b="b"/>
+            <a:pathLst>
+              <a:path w="8085002" h="149279">
+                <a:moveTo>
+                  <a:pt x="0" y="0"/>
+                </a:moveTo>
+                <a:lnTo>
+                  <a:pt x="8085002" y="0"/>
+                </a:lnTo>
+                <a:lnTo>
+                  <a:pt x="8085002" y="149279"/>
+                </a:lnTo>
+                <a:lnTo>
+                  <a:pt x="0" y="149279"/>
+                </a:lnTo>
+                <a:close/>
+              </a:path>
+            </a:pathLst>
+          </a:custGeom>
+          <a:solidFill>
+            <a:schemeClr val="tx1"/>
+          </a:solidFill>
+          <a:ln>
+            <a:noFill/>
+          </a:ln>
+        </p:spPr>
+        <p:style>
+          <a:lnRef idx="2">
+            <a:schemeClr val="accent1">
+              <a:shade val="50000"/>
+            </a:schemeClr>
+          </a:lnRef>
+          <a:fillRef idx="1">
+            <a:schemeClr val="accent1"/>
+          </a:fillRef>
+          <a:effectRef idx="0">
+            <a:schemeClr val="accent1"/>
+          </a:effectRef>
+          <a:fontRef idx="minor">
+            <a:schemeClr val="lt1"/>
+          </a:fontRef>
+        </p:style>
+        <p:txBody>
+          <a:bodyPr wrap="square" rtlCol="0" anchor="ctr">
+            <a:noAutofit/>
+          </a:bodyPr>
+          <a:lstStyle/>
+          <a:p>
+            <a:pPr algn="ctr"/>
+            <a:endParaRPr lang="en-US"/>
+          </a:p>
+        </p:txBody>
+      </p:sp>
+      <p:pic>
+        <p:nvPicPr>
+          <p:cNvPr id="4" name="Picture 4">
+            <a:extLst>
+              <a:ext uri="{FF2B5EF4-FFF2-40B4-BE49-F238E27FC236}">
+                <a16:creationId xmlns:a16="http://schemas.microsoft.com/office/drawing/2014/main" id="{42F22E00-BBCE-CCEF-BA4D-4E7A599718D9}"/>
+              </a:ext>
+            </a:extLst>
+          </p:cNvPr>
+          <p:cNvPicPr>
+            <a:picLocks noChangeAspect="1"/>
+          </p:cNvPicPr>
+          <p:nvPr/>
+        </p:nvPicPr>
+        <p:blipFill>
+          <a:blip r:embed="rId2"/>
+          <a:stretch>
+            <a:fillRect/>
+          </a:stretch>
+        </p:blipFill>
+        <p:spPr>
+          <a:xfrm>
+            <a:off x="635197" y="2394768"/>
+            <a:ext cx="10320900" cy="4376121"/>
+          </a:xfrm>
+          <a:prstGeom prst="rect">
+            <a:avLst/>
+          </a:prstGeom>
+        </p:spPr>
+      </p:pic>
+    </p:spTree>
+    <p:extLst>
+      <p:ext uri="{BB962C8B-B14F-4D97-AF65-F5344CB8AC3E}">
+        <p14:creationId xmlns:p14="http://schemas.microsoft.com/office/powerpoint/2010/main" val="1758760768"/>
+      </p:ext>
+    </p:extLst>
+  </p:cSld>
+  <p:clrMapOvr>
+    <a:masterClrMapping/>
+  </p:clrMapOvr>
+</p:sld>
+</file>
+
+<file path=ppt/slides/slide25.xml><?xml version="1.0" encoding="utf-8"?>
+<p:sld xmlns:a="http://schemas.openxmlformats.org/drawingml/2006/main" xmlns:r="http://schemas.openxmlformats.org/officeDocument/2006/relationships" xmlns:p="http://schemas.openxmlformats.org/presentationml/2006/main">
+  <p:cSld>
+    <p:bg>
+      <p:bgPr>
+        <a:solidFill>
+          <a:schemeClr val="bg1"/>
+        </a:solidFill>
+        <a:effectLst/>
+      </p:bgPr>
+    </p:bg>
+    <p:spTree>
+      <p:nvGrpSpPr>
+        <p:cNvPr id="1" name=""/>
+        <p:cNvGrpSpPr/>
+        <p:nvPr/>
+      </p:nvGrpSpPr>
+      <p:grpSpPr>
+        <a:xfrm>
+          <a:off x="0" y="0"/>
+          <a:ext cx="0" cy="0"/>
+          <a:chOff x="0" y="0"/>
+          <a:chExt cx="0" cy="0"/>
+        </a:xfrm>
+      </p:grpSpPr>
+      <p:sp useBgFill="1">
+        <p:nvSpPr>
+          <p:cNvPr id="10" name="Rectangle 9">
+            <a:extLst>
+              <a:ext uri="{FF2B5EF4-FFF2-40B4-BE49-F238E27FC236}">
+                <a16:creationId xmlns:a16="http://schemas.microsoft.com/office/drawing/2014/main" id="{AD1BDCCC-E676-2A7E-BE11-2B8C23DB287F}"/>
+              </a:ext>
+              <a:ext uri="{C183D7F6-B498-43B3-948B-1728B52AA6E4}">
+                <adec:decorative xmlns:adec="http://schemas.microsoft.com/office/drawing/2017/decorative" val="1"/>
+              </a:ext>
+            </a:extLst>
+          </p:cNvPr>
+          <p:cNvSpPr>
+            <a:spLocks noGrp="1" noRot="1" noChangeAspect="1" noMove="1" noResize="1" noEditPoints="1" noAdjustHandles="1" noChangeArrowheads="1" noChangeShapeType="1" noTextEdit="1"/>
+          </p:cNvSpPr>
+          <p:nvPr>
+            <p:extLst>
+              <p:ext uri="{386F3935-93C4-4BCD-93E2-E3B085C9AB24}">
+                <p16:designElem xmlns:p16="http://schemas.microsoft.com/office/powerpoint/2015/main" val="1"/>
+              </p:ext>
+            </p:extLst>
+          </p:nvPr>
+        </p:nvSpPr>
+        <p:spPr>
+          <a:xfrm>
+            <a:off x="0" y="0"/>
+            <a:ext cx="12188952" cy="6857995"/>
+          </a:xfrm>
+          <a:prstGeom prst="rect">
+            <a:avLst/>
+          </a:prstGeom>
+          <a:ln>
+            <a:noFill/>
+          </a:ln>
+        </p:spPr>
+        <p:style>
+          <a:lnRef idx="2">
+            <a:schemeClr val="accent1">
+              <a:shade val="50000"/>
+            </a:schemeClr>
+          </a:lnRef>
+          <a:fillRef idx="1">
+            <a:schemeClr val="accent1"/>
+          </a:fillRef>
+          <a:effectRef idx="0">
+            <a:schemeClr val="accent1"/>
+          </a:effectRef>
+          <a:fontRef idx="minor">
+            <a:schemeClr val="lt1"/>
+          </a:fontRef>
+        </p:style>
+        <p:txBody>
+          <a:bodyPr rtlCol="0" anchor="ctr"/>
+          <a:lstStyle/>
+          <a:p>
+            <a:pPr algn="ctr"/>
+            <a:endParaRPr lang="en-US" dirty="0"/>
+          </a:p>
+        </p:txBody>
+      </p:sp>
+      <p:sp>
+        <p:nvSpPr>
+          <p:cNvPr id="2" name="Tytuł 1">
+            <a:extLst>
+              <a:ext uri="{FF2B5EF4-FFF2-40B4-BE49-F238E27FC236}">
+                <a16:creationId xmlns:a16="http://schemas.microsoft.com/office/drawing/2014/main" id="{11D3A185-4B16-F73F-CD7B-94C9FEBB44EB}"/>
+              </a:ext>
+            </a:extLst>
+          </p:cNvPr>
+          <p:cNvSpPr>
+            <a:spLocks noGrp="1"/>
+          </p:cNvSpPr>
+          <p:nvPr>
+            <p:ph type="title"/>
+          </p:nvPr>
+        </p:nvSpPr>
+        <p:spPr>
+          <a:xfrm>
+            <a:off x="521208" y="976160"/>
+            <a:ext cx="11149875" cy="1113897"/>
+          </a:xfrm>
+        </p:spPr>
+        <p:txBody>
+          <a:bodyPr>
+            <a:normAutofit/>
+          </a:bodyPr>
+          <a:lstStyle/>
+          <a:p>
+            <a:r>
+              <a:rPr lang="pl-PL" sz="4400" dirty="0"/>
+              <a:t>Przykład 1 tworzenia mapy trapezowej</a:t>
+            </a:r>
+          </a:p>
+        </p:txBody>
+      </p:sp>
+      <p:sp>
+        <p:nvSpPr>
+          <p:cNvPr id="12" name="Freeform: Shape 11">
+            <a:extLst>
+              <a:ext uri="{FF2B5EF4-FFF2-40B4-BE49-F238E27FC236}">
+                <a16:creationId xmlns:a16="http://schemas.microsoft.com/office/drawing/2014/main" id="{781C97B1-8A09-6383-8C65-A3B73577816A}"/>
+              </a:ext>
+              <a:ext uri="{C183D7F6-B498-43B3-948B-1728B52AA6E4}">
+                <adec:decorative xmlns:adec="http://schemas.microsoft.com/office/drawing/2017/decorative" val="1"/>
+              </a:ext>
+            </a:extLst>
+          </p:cNvPr>
+          <p:cNvSpPr>
+            <a:spLocks noGrp="1" noRot="1" noChangeAspect="1" noMove="1" noResize="1" noEditPoints="1" noAdjustHandles="1" noChangeArrowheads="1" noChangeShapeType="1" noTextEdit="1"/>
+          </p:cNvSpPr>
+          <p:nvPr>
+            <p:extLst>
+              <p:ext uri="{386F3935-93C4-4BCD-93E2-E3B085C9AB24}">
+                <p16:designElem xmlns:p16="http://schemas.microsoft.com/office/powerpoint/2015/main" val="1"/>
+              </p:ext>
+            </p:extLst>
+          </p:nvPr>
+        </p:nvSpPr>
+        <p:spPr>
+          <a:xfrm>
+            <a:off x="517869" y="508090"/>
+            <a:ext cx="11153214" cy="149279"/>
+          </a:xfrm>
+          <a:custGeom>
+            <a:avLst/>
+            <a:gdLst>
+              <a:gd name="connsiteX0" fmla="*/ 0 w 8085002"/>
+              <a:gd name="connsiteY0" fmla="*/ 0 h 149279"/>
+              <a:gd name="connsiteX1" fmla="*/ 8085002 w 8085002"/>
+              <a:gd name="connsiteY1" fmla="*/ 0 h 149279"/>
+              <a:gd name="connsiteX2" fmla="*/ 8085002 w 8085002"/>
+              <a:gd name="connsiteY2" fmla="*/ 149279 h 149279"/>
+              <a:gd name="connsiteX3" fmla="*/ 0 w 8085002"/>
+              <a:gd name="connsiteY3" fmla="*/ 149279 h 149279"/>
+            </a:gdLst>
+            <a:ahLst/>
+            <a:cxnLst>
+              <a:cxn ang="0">
+                <a:pos x="connsiteX0" y="connsiteY0"/>
+              </a:cxn>
+              <a:cxn ang="0">
+                <a:pos x="connsiteX1" y="connsiteY1"/>
+              </a:cxn>
+              <a:cxn ang="0">
+                <a:pos x="connsiteX2" y="connsiteY2"/>
+              </a:cxn>
+              <a:cxn ang="0">
+                <a:pos x="connsiteX3" y="connsiteY3"/>
+              </a:cxn>
+            </a:cxnLst>
+            <a:rect l="l" t="t" r="r" b="b"/>
+            <a:pathLst>
+              <a:path w="8085002" h="149279">
+                <a:moveTo>
+                  <a:pt x="0" y="0"/>
+                </a:moveTo>
+                <a:lnTo>
+                  <a:pt x="8085002" y="0"/>
+                </a:lnTo>
+                <a:lnTo>
+                  <a:pt x="8085002" y="149279"/>
+                </a:lnTo>
+                <a:lnTo>
+                  <a:pt x="0" y="149279"/>
+                </a:lnTo>
+                <a:close/>
+              </a:path>
+            </a:pathLst>
+          </a:custGeom>
+          <a:solidFill>
+            <a:schemeClr val="tx1"/>
+          </a:solidFill>
+          <a:ln>
+            <a:noFill/>
+          </a:ln>
+        </p:spPr>
+        <p:style>
+          <a:lnRef idx="2">
+            <a:schemeClr val="accent1">
+              <a:shade val="50000"/>
+            </a:schemeClr>
+          </a:lnRef>
+          <a:fillRef idx="1">
+            <a:schemeClr val="accent1"/>
+          </a:fillRef>
+          <a:effectRef idx="0">
+            <a:schemeClr val="accent1"/>
+          </a:effectRef>
+          <a:fontRef idx="minor">
+            <a:schemeClr val="lt1"/>
+          </a:fontRef>
+        </p:style>
+        <p:txBody>
+          <a:bodyPr wrap="square" rtlCol="0" anchor="ctr">
+            <a:noAutofit/>
+          </a:bodyPr>
+          <a:lstStyle/>
+          <a:p>
+            <a:pPr algn="ctr"/>
+            <a:endParaRPr lang="en-US"/>
+          </a:p>
+        </p:txBody>
+      </p:sp>
+      <p:pic>
+        <p:nvPicPr>
+          <p:cNvPr id="5" name="Obraz 4" descr="Obraz zawierający linia, diagram, Wykres">
+            <a:extLst>
+              <a:ext uri="{FF2B5EF4-FFF2-40B4-BE49-F238E27FC236}">
+                <a16:creationId xmlns:a16="http://schemas.microsoft.com/office/drawing/2014/main" id="{E2F66EE8-F51A-7B48-5953-8C0EA5EAC6AC}"/>
+              </a:ext>
+            </a:extLst>
+          </p:cNvPr>
+          <p:cNvPicPr>
+            <a:picLocks noChangeAspect="1"/>
+          </p:cNvPicPr>
+          <p:nvPr/>
+        </p:nvPicPr>
+        <p:blipFill>
+          <a:blip r:embed="rId2">
+            <a:extLst>
+              <a:ext uri="{28A0092B-C50C-407E-A947-70E740481C1C}">
+                <a14:useLocalDpi xmlns:a14="http://schemas.microsoft.com/office/drawing/2010/main" val="0"/>
+              </a:ext>
+            </a:extLst>
+          </a:blip>
+          <a:stretch>
+            <a:fillRect/>
+          </a:stretch>
+        </p:blipFill>
+        <p:spPr>
+          <a:xfrm>
+            <a:off x="2883408" y="1777910"/>
+            <a:ext cx="6096000" cy="4572000"/>
+          </a:xfrm>
+          <a:prstGeom prst="rect">
+            <a:avLst/>
+          </a:prstGeom>
+        </p:spPr>
+      </p:pic>
+    </p:spTree>
+    <p:extLst>
+      <p:ext uri="{BB962C8B-B14F-4D97-AF65-F5344CB8AC3E}">
+        <p14:creationId xmlns:p14="http://schemas.microsoft.com/office/powerpoint/2010/main" val="914195324"/>
+      </p:ext>
+    </p:extLst>
+  </p:cSld>
+  <p:clrMapOvr>
+    <a:masterClrMapping/>
+  </p:clrMapOvr>
+</p:sld>
+</file>
+
+<file path=ppt/slides/slide26.xml><?xml version="1.0" encoding="utf-8"?>
+<p:sld xmlns:a="http://schemas.openxmlformats.org/drawingml/2006/main" xmlns:r="http://schemas.openxmlformats.org/officeDocument/2006/relationships" xmlns:p="http://schemas.openxmlformats.org/presentationml/2006/main">
+  <p:cSld>
+    <p:bg>
+      <p:bgPr>
+        <a:solidFill>
+          <a:schemeClr val="bg1"/>
+        </a:solidFill>
+        <a:effectLst/>
+      </p:bgPr>
+    </p:bg>
+    <p:spTree>
+      <p:nvGrpSpPr>
+        <p:cNvPr id="1" name="">
+          <a:extLst>
+            <a:ext uri="{FF2B5EF4-FFF2-40B4-BE49-F238E27FC236}">
+              <a16:creationId xmlns:a16="http://schemas.microsoft.com/office/drawing/2014/main" id="{3FD90F3E-89A7-7696-F7F5-D6F91775E222}"/>
+            </a:ext>
+          </a:extLst>
+        </p:cNvPr>
+        <p:cNvGrpSpPr/>
+        <p:nvPr/>
+      </p:nvGrpSpPr>
+      <p:grpSpPr>
+        <a:xfrm>
+          <a:off x="0" y="0"/>
+          <a:ext cx="0" cy="0"/>
+          <a:chOff x="0" y="0"/>
+          <a:chExt cx="0" cy="0"/>
+        </a:xfrm>
+      </p:grpSpPr>
+      <p:sp useBgFill="1">
+        <p:nvSpPr>
+          <p:cNvPr id="10" name="Rectangle 9">
+            <a:extLst>
+              <a:ext uri="{FF2B5EF4-FFF2-40B4-BE49-F238E27FC236}">
+                <a16:creationId xmlns:a16="http://schemas.microsoft.com/office/drawing/2014/main" id="{E05C07EB-DE28-300E-563B-1DEDF54F6B2B}"/>
+              </a:ext>
+              <a:ext uri="{C183D7F6-B498-43B3-948B-1728B52AA6E4}">
+                <adec:decorative xmlns:adec="http://schemas.microsoft.com/office/drawing/2017/decorative" val="1"/>
+              </a:ext>
+            </a:extLst>
+          </p:cNvPr>
+          <p:cNvSpPr>
+            <a:spLocks noGrp="1" noRot="1" noChangeAspect="1" noMove="1" noResize="1" noEditPoints="1" noAdjustHandles="1" noChangeArrowheads="1" noChangeShapeType="1" noTextEdit="1"/>
+          </p:cNvSpPr>
+          <p:nvPr>
+            <p:extLst>
+              <p:ext uri="{386F3935-93C4-4BCD-93E2-E3B085C9AB24}">
+                <p16:designElem xmlns:p16="http://schemas.microsoft.com/office/powerpoint/2015/main" val="1"/>
+              </p:ext>
+            </p:extLst>
+          </p:nvPr>
+        </p:nvSpPr>
+        <p:spPr>
+          <a:xfrm>
+            <a:off x="0" y="0"/>
+            <a:ext cx="12188952" cy="6857995"/>
+          </a:xfrm>
+          <a:prstGeom prst="rect">
+            <a:avLst/>
+          </a:prstGeom>
+          <a:ln>
+            <a:noFill/>
+          </a:ln>
+        </p:spPr>
+        <p:style>
+          <a:lnRef idx="2">
+            <a:schemeClr val="accent1">
+              <a:shade val="50000"/>
+            </a:schemeClr>
+          </a:lnRef>
+          <a:fillRef idx="1">
+            <a:schemeClr val="accent1"/>
+          </a:fillRef>
+          <a:effectRef idx="0">
+            <a:schemeClr val="accent1"/>
+          </a:effectRef>
+          <a:fontRef idx="minor">
+            <a:schemeClr val="lt1"/>
+          </a:fontRef>
+        </p:style>
+        <p:txBody>
+          <a:bodyPr rtlCol="0" anchor="ctr"/>
+          <a:lstStyle/>
+          <a:p>
+            <a:pPr algn="ctr"/>
+            <a:endParaRPr lang="en-US" dirty="0"/>
+          </a:p>
+        </p:txBody>
+      </p:sp>
+      <p:sp>
+        <p:nvSpPr>
+          <p:cNvPr id="2" name="Tytuł 1">
+            <a:extLst>
+              <a:ext uri="{FF2B5EF4-FFF2-40B4-BE49-F238E27FC236}">
+                <a16:creationId xmlns:a16="http://schemas.microsoft.com/office/drawing/2014/main" id="{40C9B354-F722-2C06-2101-ABE57F1BB45B}"/>
+              </a:ext>
+            </a:extLst>
+          </p:cNvPr>
+          <p:cNvSpPr>
+            <a:spLocks noGrp="1"/>
+          </p:cNvSpPr>
+          <p:nvPr>
+            <p:ph type="title"/>
+          </p:nvPr>
+        </p:nvSpPr>
+        <p:spPr>
+          <a:xfrm>
+            <a:off x="521208" y="976160"/>
+            <a:ext cx="11149875" cy="1113897"/>
+          </a:xfrm>
+        </p:spPr>
+        <p:txBody>
+          <a:bodyPr>
+            <a:normAutofit/>
+          </a:bodyPr>
+          <a:lstStyle/>
+          <a:p>
+            <a:r>
+              <a:rPr lang="pl-PL" sz="4400" dirty="0"/>
+              <a:t>Przykład 2 tworzenia mapy trapezowej</a:t>
+            </a:r>
+          </a:p>
+        </p:txBody>
+      </p:sp>
+      <p:sp>
+        <p:nvSpPr>
+          <p:cNvPr id="12" name="Freeform: Shape 11">
+            <a:extLst>
+              <a:ext uri="{FF2B5EF4-FFF2-40B4-BE49-F238E27FC236}">
+                <a16:creationId xmlns:a16="http://schemas.microsoft.com/office/drawing/2014/main" id="{1F161103-8C3C-394B-6147-CDB031A303FB}"/>
+              </a:ext>
+              <a:ext uri="{C183D7F6-B498-43B3-948B-1728B52AA6E4}">
+                <adec:decorative xmlns:adec="http://schemas.microsoft.com/office/drawing/2017/decorative" val="1"/>
+              </a:ext>
+            </a:extLst>
+          </p:cNvPr>
+          <p:cNvSpPr>
+            <a:spLocks noGrp="1" noRot="1" noChangeAspect="1" noMove="1" noResize="1" noEditPoints="1" noAdjustHandles="1" noChangeArrowheads="1" noChangeShapeType="1" noTextEdit="1"/>
+          </p:cNvSpPr>
+          <p:nvPr>
+            <p:extLst>
+              <p:ext uri="{386F3935-93C4-4BCD-93E2-E3B085C9AB24}">
+                <p16:designElem xmlns:p16="http://schemas.microsoft.com/office/powerpoint/2015/main" val="1"/>
+              </p:ext>
+            </p:extLst>
+          </p:nvPr>
+        </p:nvSpPr>
+        <p:spPr>
+          <a:xfrm>
+            <a:off x="517869" y="508090"/>
+            <a:ext cx="11153214" cy="149279"/>
+          </a:xfrm>
+          <a:custGeom>
+            <a:avLst/>
+            <a:gdLst>
+              <a:gd name="connsiteX0" fmla="*/ 0 w 8085002"/>
+              <a:gd name="connsiteY0" fmla="*/ 0 h 149279"/>
+              <a:gd name="connsiteX1" fmla="*/ 8085002 w 8085002"/>
+              <a:gd name="connsiteY1" fmla="*/ 0 h 149279"/>
+              <a:gd name="connsiteX2" fmla="*/ 8085002 w 8085002"/>
+              <a:gd name="connsiteY2" fmla="*/ 149279 h 149279"/>
+              <a:gd name="connsiteX3" fmla="*/ 0 w 8085002"/>
+              <a:gd name="connsiteY3" fmla="*/ 149279 h 149279"/>
+            </a:gdLst>
+            <a:ahLst/>
+            <a:cxnLst>
+              <a:cxn ang="0">
+                <a:pos x="connsiteX0" y="connsiteY0"/>
+              </a:cxn>
+              <a:cxn ang="0">
+                <a:pos x="connsiteX1" y="connsiteY1"/>
+              </a:cxn>
+              <a:cxn ang="0">
+                <a:pos x="connsiteX2" y="connsiteY2"/>
+              </a:cxn>
+              <a:cxn ang="0">
+                <a:pos x="connsiteX3" y="connsiteY3"/>
+              </a:cxn>
+            </a:cxnLst>
+            <a:rect l="l" t="t" r="r" b="b"/>
+            <a:pathLst>
+              <a:path w="8085002" h="149279">
+                <a:moveTo>
+                  <a:pt x="0" y="0"/>
+                </a:moveTo>
+                <a:lnTo>
+                  <a:pt x="8085002" y="0"/>
+                </a:lnTo>
+                <a:lnTo>
+                  <a:pt x="8085002" y="149279"/>
+                </a:lnTo>
+                <a:lnTo>
+                  <a:pt x="0" y="149279"/>
+                </a:lnTo>
+                <a:close/>
+              </a:path>
+            </a:pathLst>
+          </a:custGeom>
+          <a:solidFill>
+            <a:schemeClr val="tx1"/>
+          </a:solidFill>
+          <a:ln>
+            <a:noFill/>
+          </a:ln>
+        </p:spPr>
+        <p:style>
+          <a:lnRef idx="2">
+            <a:schemeClr val="accent1">
+              <a:shade val="50000"/>
+            </a:schemeClr>
+          </a:lnRef>
+          <a:fillRef idx="1">
+            <a:schemeClr val="accent1"/>
+          </a:fillRef>
+          <a:effectRef idx="0">
+            <a:schemeClr val="accent1"/>
+          </a:effectRef>
+          <a:fontRef idx="minor">
+            <a:schemeClr val="lt1"/>
+          </a:fontRef>
+        </p:style>
+        <p:txBody>
+          <a:bodyPr wrap="square" rtlCol="0" anchor="ctr">
+            <a:noAutofit/>
+          </a:bodyPr>
+          <a:lstStyle/>
+          <a:p>
+            <a:pPr algn="ctr"/>
+            <a:endParaRPr lang="en-US"/>
+          </a:p>
+        </p:txBody>
+      </p:sp>
+      <p:pic>
+        <p:nvPicPr>
+          <p:cNvPr id="4" name="Obraz 3" descr="Obraz zawierający diagram, linia, Wykres&#10;&#10;Opis wygenerowany automatycznie">
+            <a:extLst>
+              <a:ext uri="{FF2B5EF4-FFF2-40B4-BE49-F238E27FC236}">
+                <a16:creationId xmlns:a16="http://schemas.microsoft.com/office/drawing/2014/main" id="{450FC66D-F24D-AA42-C83B-07F230A7B3E5}"/>
+              </a:ext>
+            </a:extLst>
+          </p:cNvPr>
+          <p:cNvPicPr>
+            <a:picLocks noChangeAspect="1"/>
+          </p:cNvPicPr>
+          <p:nvPr/>
+        </p:nvPicPr>
+        <p:blipFill>
+          <a:blip r:embed="rId2">
+            <a:extLst>
+              <a:ext uri="{28A0092B-C50C-407E-A947-70E740481C1C}">
+                <a14:useLocalDpi xmlns:a14="http://schemas.microsoft.com/office/drawing/2010/main" val="0"/>
+              </a:ext>
+            </a:extLst>
+          </a:blip>
+          <a:stretch>
+            <a:fillRect/>
+          </a:stretch>
+        </p:blipFill>
+        <p:spPr>
+          <a:xfrm>
+            <a:off x="3046476" y="1891146"/>
+            <a:ext cx="6096000" cy="4572000"/>
+          </a:xfrm>
+          <a:prstGeom prst="rect">
+            <a:avLst/>
+          </a:prstGeom>
+        </p:spPr>
+      </p:pic>
+    </p:spTree>
+    <p:extLst>
+      <p:ext uri="{BB962C8B-B14F-4D97-AF65-F5344CB8AC3E}">
+        <p14:creationId xmlns:p14="http://schemas.microsoft.com/office/powerpoint/2010/main" val="2580628288"/>
+      </p:ext>
+    </p:extLst>
+  </p:cSld>
+  <p:clrMapOvr>
+    <a:masterClrMapping/>
+  </p:clrMapOvr>
+</p:sld>
+</file>
+
+<file path=ppt/slides/slide27.xml><?xml version="1.0" encoding="utf-8"?>
+<p:sld xmlns:a="http://schemas.openxmlformats.org/drawingml/2006/main" xmlns:r="http://schemas.openxmlformats.org/officeDocument/2006/relationships" xmlns:p="http://schemas.openxmlformats.org/presentationml/2006/main">
+  <p:cSld>
+    <p:bg>
+      <p:bgPr>
+        <a:solidFill>
+          <a:schemeClr val="bg1"/>
+        </a:solidFill>
+        <a:effectLst/>
+      </p:bgPr>
+    </p:bg>
+    <p:spTree>
+      <p:nvGrpSpPr>
         <p:cNvPr id="1" name=""/>
         <p:cNvGrpSpPr/>
         <p:nvPr/>
@@ -9348,7 +13578,7 @@
 </p:sld>
 </file>
 
-<file path=ppt/slides/slide21.xml><?xml version="1.0" encoding="utf-8"?>
+<file path=ppt/slides/slide28.xml><?xml version="1.0" encoding="utf-8"?>
 <p:sld xmlns:a="http://schemas.openxmlformats.org/drawingml/2006/main" xmlns:r="http://schemas.openxmlformats.org/officeDocument/2006/relationships" xmlns:p="http://schemas.openxmlformats.org/presentationml/2006/main">
   <p:cSld>
     <p:bg>
@@ -9670,7 +13900,7 @@
 </p:sld>
 </file>
 
-<file path=ppt/slides/slide22.xml><?xml version="1.0" encoding="utf-8"?>
+<file path=ppt/slides/slide29.xml><?xml version="1.0" encoding="utf-8"?>
 <p:sld xmlns:a="http://schemas.openxmlformats.org/drawingml/2006/main" xmlns:r="http://schemas.openxmlformats.org/officeDocument/2006/relationships" xmlns:p="http://schemas.openxmlformats.org/presentationml/2006/main">
   <p:cSld>
     <p:bg>
@@ -10037,7 +14267,388 @@
 </p:sld>
 </file>
 
-<file path=ppt/slides/slide23.xml><?xml version="1.0" encoding="utf-8"?>
+<file path=ppt/slides/slide3.xml><?xml version="1.0" encoding="utf-8"?>
+<p:sld xmlns:a="http://schemas.openxmlformats.org/drawingml/2006/main" xmlns:r="http://schemas.openxmlformats.org/officeDocument/2006/relationships" xmlns:p="http://schemas.openxmlformats.org/presentationml/2006/main">
+  <p:cSld>
+    <p:bg>
+      <p:bgPr>
+        <a:solidFill>
+          <a:schemeClr val="bg1"/>
+        </a:solidFill>
+        <a:effectLst/>
+      </p:bgPr>
+    </p:bg>
+    <p:spTree>
+      <p:nvGrpSpPr>
+        <p:cNvPr id="1" name=""/>
+        <p:cNvGrpSpPr/>
+        <p:nvPr/>
+      </p:nvGrpSpPr>
+      <p:grpSpPr>
+        <a:xfrm>
+          <a:off x="0" y="0"/>
+          <a:ext cx="0" cy="0"/>
+          <a:chOff x="0" y="0"/>
+          <a:chExt cx="0" cy="0"/>
+        </a:xfrm>
+      </p:grpSpPr>
+      <p:sp useBgFill="1">
+        <p:nvSpPr>
+          <p:cNvPr id="17" name="Rectangle 16">
+            <a:extLst>
+              <a:ext uri="{FF2B5EF4-FFF2-40B4-BE49-F238E27FC236}">
+                <a16:creationId xmlns:a16="http://schemas.microsoft.com/office/drawing/2014/main" id="{0EC38958-9A69-239A-BA79-2AEC73345F4B}"/>
+              </a:ext>
+              <a:ext uri="{C183D7F6-B498-43B3-948B-1728B52AA6E4}">
+                <adec:decorative xmlns:adec="http://schemas.microsoft.com/office/drawing/2017/decorative" val="1"/>
+              </a:ext>
+            </a:extLst>
+          </p:cNvPr>
+          <p:cNvSpPr>
+            <a:spLocks noGrp="1" noRot="1" noChangeAspect="1" noMove="1" noResize="1" noEditPoints="1" noAdjustHandles="1" noChangeArrowheads="1" noChangeShapeType="1" noTextEdit="1"/>
+          </p:cNvSpPr>
+          <p:nvPr>
+            <p:extLst>
+              <p:ext uri="{386F3935-93C4-4BCD-93E2-E3B085C9AB24}">
+                <p16:designElem xmlns:p16="http://schemas.microsoft.com/office/powerpoint/2015/main" val="1"/>
+              </p:ext>
+            </p:extLst>
+          </p:nvPr>
+        </p:nvSpPr>
+        <p:spPr>
+          <a:xfrm>
+            <a:off x="0" y="0"/>
+            <a:ext cx="12188952" cy="6857995"/>
+          </a:xfrm>
+          <a:prstGeom prst="rect">
+            <a:avLst/>
+          </a:prstGeom>
+          <a:ln>
+            <a:noFill/>
+          </a:ln>
+        </p:spPr>
+        <p:style>
+          <a:lnRef idx="2">
+            <a:schemeClr val="accent1">
+              <a:shade val="50000"/>
+            </a:schemeClr>
+          </a:lnRef>
+          <a:fillRef idx="1">
+            <a:schemeClr val="accent1"/>
+          </a:fillRef>
+          <a:effectRef idx="0">
+            <a:schemeClr val="accent1"/>
+          </a:effectRef>
+          <a:fontRef idx="minor">
+            <a:schemeClr val="lt1"/>
+          </a:fontRef>
+        </p:style>
+        <p:txBody>
+          <a:bodyPr rtlCol="0" anchor="ctr"/>
+          <a:lstStyle/>
+          <a:p>
+            <a:pPr algn="ctr"/>
+            <a:endParaRPr lang="en-US" dirty="0"/>
+          </a:p>
+        </p:txBody>
+      </p:sp>
+      <p:sp>
+        <p:nvSpPr>
+          <p:cNvPr id="2" name="Tytuł 1">
+            <a:extLst>
+              <a:ext uri="{FF2B5EF4-FFF2-40B4-BE49-F238E27FC236}">
+                <a16:creationId xmlns:a16="http://schemas.microsoft.com/office/drawing/2014/main" id="{B44575D6-6113-8684-100F-6BB87D545BB7}"/>
+              </a:ext>
+            </a:extLst>
+          </p:cNvPr>
+          <p:cNvSpPr>
+            <a:spLocks noGrp="1"/>
+          </p:cNvSpPr>
+          <p:nvPr>
+            <p:ph type="title"/>
+          </p:nvPr>
+        </p:nvSpPr>
+        <p:spPr>
+          <a:xfrm>
+            <a:off x="6135624" y="976160"/>
+            <a:ext cx="5513832" cy="1463040"/>
+          </a:xfrm>
+        </p:spPr>
+        <p:txBody>
+          <a:bodyPr>
+            <a:normAutofit/>
+          </a:bodyPr>
+          <a:lstStyle/>
+          <a:p>
+            <a:r>
+              <a:rPr lang="pl-PL" sz="4400" dirty="0"/>
+              <a:t>Ogólna definicja problemu</a:t>
+            </a:r>
+          </a:p>
+        </p:txBody>
+      </p:sp>
+      <p:sp>
+        <p:nvSpPr>
+          <p:cNvPr id="3" name="Symbol zastępczy zawartości 2">
+            <a:extLst>
+              <a:ext uri="{FF2B5EF4-FFF2-40B4-BE49-F238E27FC236}">
+                <a16:creationId xmlns:a16="http://schemas.microsoft.com/office/drawing/2014/main" id="{6F379ADC-951B-68D3-F64A-3FA83B1032EE}"/>
+              </a:ext>
+            </a:extLst>
+          </p:cNvPr>
+          <p:cNvSpPr>
+            <a:spLocks noGrp="1"/>
+          </p:cNvSpPr>
+          <p:nvPr>
+            <p:ph idx="1"/>
+          </p:nvPr>
+        </p:nvSpPr>
+        <p:spPr>
+          <a:xfrm>
+            <a:off x="6135624" y="2578608"/>
+            <a:ext cx="5513832" cy="3767328"/>
+          </a:xfrm>
+        </p:spPr>
+        <p:txBody>
+          <a:bodyPr>
+            <a:normAutofit lnSpcReduction="10000"/>
+          </a:bodyPr>
+          <a:lstStyle/>
+          <a:p>
+            <a:r>
+              <a:rPr lang="pl-PL" sz="1800" b="1" dirty="0"/>
+              <a:t>Dane:</a:t>
+            </a:r>
+          </a:p>
+          <a:p>
+            <a:pPr marL="342900" indent="-342900">
+              <a:buFont typeface="Arial" panose="020B0604020202020204" pitchFamily="34" charset="0"/>
+              <a:buChar char="•"/>
+            </a:pPr>
+            <a:r>
+              <a:rPr lang="pl-PL" sz="1800" dirty="0"/>
+              <a:t>Poligonowy podział płaszczyzny (podział planarny)</a:t>
+            </a:r>
+          </a:p>
+          <a:p>
+            <a:pPr marL="342900" indent="-342900">
+              <a:buFont typeface="Arial" panose="020B0604020202020204" pitchFamily="34" charset="0"/>
+              <a:buChar char="•"/>
+            </a:pPr>
+            <a:r>
+              <a:rPr lang="pl-PL" sz="1800" dirty="0"/>
+              <a:t>Punkt na tej płaszczyźnie</a:t>
+            </a:r>
+          </a:p>
+          <a:p>
+            <a:r>
+              <a:rPr lang="pl-PL" sz="1800" b="1" dirty="0"/>
+              <a:t>Szukane:</a:t>
+            </a:r>
+          </a:p>
+          <a:p>
+            <a:pPr marL="342900" indent="-342900">
+              <a:buFont typeface="Arial" panose="020B0604020202020204" pitchFamily="34" charset="0"/>
+              <a:buChar char="•"/>
+            </a:pPr>
+            <a:r>
+              <a:rPr lang="pl-PL" sz="1800" dirty="0"/>
+              <a:t>Wielokąt (ściana) zawierająca zadany punkt</a:t>
+            </a:r>
+          </a:p>
+          <a:p>
+            <a:r>
+              <a:rPr lang="pl-PL" sz="1800" b="1" dirty="0"/>
+              <a:t>Oczekiwane złożoności operacji:</a:t>
+            </a:r>
+          </a:p>
+          <a:p>
+            <a:pPr marL="285750" indent="-285750">
+              <a:buFont typeface="Arial" panose="020B0604020202020204" pitchFamily="34" charset="0"/>
+              <a:buChar char="•"/>
+            </a:pPr>
+            <a:r>
+              <a:rPr lang="pl-PL" sz="1800" dirty="0"/>
+              <a:t>Pamięciowa O(n)</a:t>
+            </a:r>
+          </a:p>
+          <a:p>
+            <a:pPr marL="285750" indent="-285750">
+              <a:buFont typeface="Arial" panose="020B0604020202020204" pitchFamily="34" charset="0"/>
+              <a:buChar char="•"/>
+            </a:pPr>
+            <a:r>
+              <a:rPr lang="pl-PL" sz="1800" dirty="0"/>
+              <a:t>Czasowa lokalizacji O(log n)</a:t>
+            </a:r>
+          </a:p>
+          <a:p>
+            <a:pPr marL="285750" indent="-285750">
+              <a:buFont typeface="Arial" panose="020B0604020202020204" pitchFamily="34" charset="0"/>
+              <a:buChar char="•"/>
+            </a:pPr>
+            <a:r>
+              <a:rPr lang="pl-PL" sz="1800" dirty="0"/>
+              <a:t>Czasowa konstrukcji O(n log n)</a:t>
+            </a:r>
+          </a:p>
+          <a:p>
+            <a:endParaRPr lang="pl-PL" sz="1800" dirty="0"/>
+          </a:p>
+        </p:txBody>
+      </p:sp>
+      <p:pic>
+        <p:nvPicPr>
+          <p:cNvPr id="5" name="Obraz 4">
+            <a:extLst>
+              <a:ext uri="{FF2B5EF4-FFF2-40B4-BE49-F238E27FC236}">
+                <a16:creationId xmlns:a16="http://schemas.microsoft.com/office/drawing/2014/main" id="{8E59BFDA-C88F-1EED-A77E-0E0DE8BE9803}"/>
+              </a:ext>
+            </a:extLst>
+          </p:cNvPr>
+          <p:cNvPicPr>
+            <a:picLocks noChangeAspect="1"/>
+          </p:cNvPicPr>
+          <p:nvPr/>
+        </p:nvPicPr>
+        <p:blipFill>
+          <a:blip r:embed="rId2"/>
+          <a:stretch>
+            <a:fillRect/>
+          </a:stretch>
+        </p:blipFill>
+        <p:spPr>
+          <a:xfrm>
+            <a:off x="517867" y="624890"/>
+            <a:ext cx="4959823" cy="5604319"/>
+          </a:xfrm>
+          <a:prstGeom prst="rect">
+            <a:avLst/>
+          </a:prstGeom>
+        </p:spPr>
+      </p:pic>
+      <p:sp>
+        <p:nvSpPr>
+          <p:cNvPr id="19" name="Freeform: Shape 18">
+            <a:extLst>
+              <a:ext uri="{FF2B5EF4-FFF2-40B4-BE49-F238E27FC236}">
+                <a16:creationId xmlns:a16="http://schemas.microsoft.com/office/drawing/2014/main" id="{6EC109E5-0396-8968-4F42-DFEC280363B6}"/>
+              </a:ext>
+              <a:ext uri="{C183D7F6-B498-43B3-948B-1728B52AA6E4}">
+                <adec:decorative xmlns:adec="http://schemas.microsoft.com/office/drawing/2017/decorative" val="1"/>
+              </a:ext>
+            </a:extLst>
+          </p:cNvPr>
+          <p:cNvSpPr>
+            <a:spLocks noGrp="1" noRot="1" noChangeAspect="1" noMove="1" noResize="1" noEditPoints="1" noAdjustHandles="1" noChangeArrowheads="1" noChangeShapeType="1" noTextEdit="1"/>
+          </p:cNvSpPr>
+          <p:nvPr>
+            <p:extLst>
+              <p:ext uri="{386F3935-93C4-4BCD-93E2-E3B085C9AB24}">
+                <p16:designElem xmlns:p16="http://schemas.microsoft.com/office/powerpoint/2015/main" val="1"/>
+              </p:ext>
+            </p:extLst>
+          </p:nvPr>
+        </p:nvSpPr>
+        <p:spPr>
+          <a:xfrm>
+            <a:off x="6135624" y="508090"/>
+            <a:ext cx="5513832" cy="149279"/>
+          </a:xfrm>
+          <a:custGeom>
+            <a:avLst/>
+            <a:gdLst>
+              <a:gd name="connsiteX0" fmla="*/ 0 w 6090847"/>
+              <a:gd name="connsiteY0" fmla="*/ 0 h 149279"/>
+              <a:gd name="connsiteX1" fmla="*/ 6090847 w 6090847"/>
+              <a:gd name="connsiteY1" fmla="*/ 0 h 149279"/>
+              <a:gd name="connsiteX2" fmla="*/ 6090847 w 6090847"/>
+              <a:gd name="connsiteY2" fmla="*/ 149279 h 149279"/>
+              <a:gd name="connsiteX3" fmla="*/ 0 w 6090847"/>
+              <a:gd name="connsiteY3" fmla="*/ 149279 h 149279"/>
+            </a:gdLst>
+            <a:ahLst/>
+            <a:cxnLst>
+              <a:cxn ang="0">
+                <a:pos x="connsiteX0" y="connsiteY0"/>
+              </a:cxn>
+              <a:cxn ang="0">
+                <a:pos x="connsiteX1" y="connsiteY1"/>
+              </a:cxn>
+              <a:cxn ang="0">
+                <a:pos x="connsiteX2" y="connsiteY2"/>
+              </a:cxn>
+              <a:cxn ang="0">
+                <a:pos x="connsiteX3" y="connsiteY3"/>
+              </a:cxn>
+            </a:cxnLst>
+            <a:rect l="l" t="t" r="r" b="b"/>
+            <a:pathLst>
+              <a:path w="6090847" h="149279">
+                <a:moveTo>
+                  <a:pt x="0" y="0"/>
+                </a:moveTo>
+                <a:lnTo>
+                  <a:pt x="6090847" y="0"/>
+                </a:lnTo>
+                <a:lnTo>
+                  <a:pt x="6090847" y="149279"/>
+                </a:lnTo>
+                <a:lnTo>
+                  <a:pt x="0" y="149279"/>
+                </a:lnTo>
+                <a:close/>
+              </a:path>
+            </a:pathLst>
+          </a:custGeom>
+          <a:solidFill>
+            <a:schemeClr val="tx1"/>
+          </a:solidFill>
+          <a:ln>
+            <a:noFill/>
+          </a:ln>
+        </p:spPr>
+        <p:style>
+          <a:lnRef idx="2">
+            <a:schemeClr val="accent1">
+              <a:shade val="50000"/>
+            </a:schemeClr>
+          </a:lnRef>
+          <a:fillRef idx="1">
+            <a:schemeClr val="accent1"/>
+          </a:fillRef>
+          <a:effectRef idx="0">
+            <a:schemeClr val="accent1"/>
+          </a:effectRef>
+          <a:fontRef idx="minor">
+            <a:schemeClr val="lt1"/>
+          </a:fontRef>
+        </p:style>
+        <p:txBody>
+          <a:bodyPr wrap="square" rtlCol="0" anchor="ctr">
+            <a:noAutofit/>
+          </a:bodyPr>
+          <a:lstStyle/>
+          <a:p>
+            <a:pPr algn="ctr"/>
+            <a:endParaRPr lang="en-US"/>
+          </a:p>
+        </p:txBody>
+      </p:sp>
+    </p:spTree>
+    <p:extLst>
+      <p:ext uri="{BB962C8B-B14F-4D97-AF65-F5344CB8AC3E}">
+        <p14:creationId xmlns:p14="http://schemas.microsoft.com/office/powerpoint/2010/main" val="3335666821"/>
+      </p:ext>
+    </p:extLst>
+  </p:cSld>
+  <p:clrMapOvr>
+    <a:masterClrMapping/>
+  </p:clrMapOvr>
+</p:sld>
+</file>
+
+<file path=ppt/slides/slide30.xml><?xml version="1.0" encoding="utf-8"?>
 <p:sld xmlns:a="http://schemas.openxmlformats.org/drawingml/2006/main" xmlns:r="http://schemas.openxmlformats.org/officeDocument/2006/relationships" xmlns:p="http://schemas.openxmlformats.org/presentationml/2006/main">
   <p:cSld>
     <p:bg>
@@ -10487,7 +15098,7 @@
 </p:sld>
 </file>
 
-<file path=ppt/slides/slide24.xml><?xml version="1.0" encoding="utf-8"?>
+<file path=ppt/slides/slide31.xml><?xml version="1.0" encoding="utf-8"?>
 <p:sld xmlns:a="http://schemas.openxmlformats.org/drawingml/2006/main" xmlns:r="http://schemas.openxmlformats.org/officeDocument/2006/relationships" xmlns:p="http://schemas.openxmlformats.org/presentationml/2006/main">
   <p:cSld>
     <p:bg>
@@ -10822,7 +15433,7 @@
 </p:sld>
 </file>
 
-<file path=ppt/slides/slide25.xml><?xml version="1.0" encoding="utf-8"?>
+<file path=ppt/slides/slide32.xml><?xml version="1.0" encoding="utf-8"?>
 <p:sld xmlns:a="http://schemas.openxmlformats.org/drawingml/2006/main" xmlns:r="http://schemas.openxmlformats.org/officeDocument/2006/relationships" xmlns:p="http://schemas.openxmlformats.org/presentationml/2006/main">
   <p:cSld>
     <p:bg>
@@ -11161,7 +15772,7 @@
 </p:sld>
 </file>
 
-<file path=ppt/slides/slide26.xml><?xml version="1.0" encoding="utf-8"?>
+<file path=ppt/slides/slide33.xml><?xml version="1.0" encoding="utf-8"?>
 <p:sld xmlns:a="http://schemas.openxmlformats.org/drawingml/2006/main" xmlns:r="http://schemas.openxmlformats.org/officeDocument/2006/relationships" xmlns:p="http://schemas.openxmlformats.org/presentationml/2006/main">
   <p:cSld>
     <p:bg>
@@ -11500,7 +16111,7 @@
 </p:sld>
 </file>
 
-<file path=ppt/slides/slide27.xml><?xml version="1.0" encoding="utf-8"?>
+<file path=ppt/slides/slide34.xml><?xml version="1.0" encoding="utf-8"?>
 <p:sld xmlns:a="http://schemas.openxmlformats.org/drawingml/2006/main" xmlns:r="http://schemas.openxmlformats.org/officeDocument/2006/relationships" xmlns:p="http://schemas.openxmlformats.org/presentationml/2006/main">
   <p:cSld>
     <p:bg>
@@ -11839,7 +16450,7 @@
 </p:sld>
 </file>
 
-<file path=ppt/slides/slide28.xml><?xml version="1.0" encoding="utf-8"?>
+<file path=ppt/slides/slide35.xml><?xml version="1.0" encoding="utf-8"?>
 <p:sld xmlns:a="http://schemas.openxmlformats.org/drawingml/2006/main" xmlns:r="http://schemas.openxmlformats.org/officeDocument/2006/relationships" xmlns:p="http://schemas.openxmlformats.org/presentationml/2006/main">
   <p:cSld>
     <p:bg>
@@ -12178,7 +16789,7 @@
 </p:sld>
 </file>
 
-<file path=ppt/slides/slide29.xml><?xml version="1.0" encoding="utf-8"?>
+<file path=ppt/slides/slide36.xml><?xml version="1.0" encoding="utf-8"?>
 <p:sld xmlns:a="http://schemas.openxmlformats.org/drawingml/2006/main" xmlns:r="http://schemas.openxmlformats.org/officeDocument/2006/relationships" xmlns:p="http://schemas.openxmlformats.org/presentationml/2006/main">
   <p:cSld>
     <p:bg>
@@ -12517,7 +17128,7 @@
 </p:sld>
 </file>
 
-<file path=ppt/slides/slide3.xml><?xml version="1.0" encoding="utf-8"?>
+<file path=ppt/slides/slide37.xml><?xml version="1.0" encoding="utf-8"?>
 <p:sld xmlns:a="http://schemas.openxmlformats.org/drawingml/2006/main" xmlns:r="http://schemas.openxmlformats.org/officeDocument/2006/relationships" xmlns:p="http://schemas.openxmlformats.org/presentationml/2006/main">
   <p:cSld>
     <p:bg>
@@ -12544,7 +17155,7 @@
       </p:grpSpPr>
       <p:sp useBgFill="1">
         <p:nvSpPr>
-          <p:cNvPr id="17" name="Rectangle 16">
+          <p:cNvPr id="10" name="Rectangle 9">
             <a:extLst>
               <a:ext uri="{FF2B5EF4-FFF2-40B4-BE49-F238E27FC236}">
                 <a16:creationId xmlns:a16="http://schemas.microsoft.com/office/drawing/2014/main" id="{0EC38958-9A69-239A-BA79-2AEC73345F4B}"/>
@@ -12607,7 +17218,7 @@
           <p:cNvPr id="2" name="Tytuł 1">
             <a:extLst>
               <a:ext uri="{FF2B5EF4-FFF2-40B4-BE49-F238E27FC236}">
-                <a16:creationId xmlns:a16="http://schemas.microsoft.com/office/drawing/2014/main" id="{B44575D6-6113-8684-100F-6BB87D545BB7}"/>
+                <a16:creationId xmlns:a16="http://schemas.microsoft.com/office/drawing/2014/main" id="{FA7838B1-CE1C-5D57-A842-18F346A5610B}"/>
               </a:ext>
             </a:extLst>
           </p:cNvPr>
@@ -12631,8 +17242,8 @@
           <a:lstStyle/>
           <a:p>
             <a:r>
-              <a:rPr lang="pl-PL" sz="4400" dirty="0"/>
-              <a:t>Ogólna definicja problemu</a:t>
+              <a:rPr lang="pl-PL" sz="4400"/>
+              <a:t>Bibliografia</a:t>
             </a:r>
           </a:p>
         </p:txBody>
@@ -12642,7 +17253,7 @@
           <p:cNvPr id="3" name="Symbol zastępczy zawartości 2">
             <a:extLst>
               <a:ext uri="{FF2B5EF4-FFF2-40B4-BE49-F238E27FC236}">
-                <a16:creationId xmlns:a16="http://schemas.microsoft.com/office/drawing/2014/main" id="{6F379ADC-951B-68D3-F64A-3FA83B1032EE}"/>
+                <a16:creationId xmlns:a16="http://schemas.microsoft.com/office/drawing/2014/main" id="{DF652D17-E43B-27F3-9C73-5FFD18C6E9F9}"/>
               </a:ext>
             </a:extLst>
           </p:cNvPr>
@@ -12655,30 +17266,27 @@
         </p:nvSpPr>
         <p:spPr>
           <a:xfrm>
-            <a:off x="6135624" y="2578608"/>
-            <a:ext cx="5513832" cy="3767328"/>
+            <a:off x="334987" y="2930888"/>
+            <a:ext cx="11273321" cy="3419021"/>
           </a:xfrm>
         </p:spPr>
         <p:txBody>
           <a:bodyPr>
-            <a:normAutofit lnSpcReduction="10000"/>
+            <a:normAutofit/>
           </a:bodyPr>
           <a:lstStyle/>
-          <a:p>
-            <a:r>
-              <a:rPr lang="pl-PL" sz="1800" b="1" dirty="0"/>
-              <a:t>Dane:</a:t>
-            </a:r>
-          </a:p>
           <a:p>
             <a:pPr marL="342900" indent="-342900">
               <a:buFont typeface="Arial" panose="020B0604020202020204" pitchFamily="34" charset="0"/>
               <a:buChar char="•"/>
             </a:pPr>
             <a:r>
-              <a:rPr lang="pl-PL" sz="1800" dirty="0"/>
-              <a:t>Poligonowy podział płaszczyzny (podział planarny)</a:t>
-            </a:r>
+              <a:rPr lang="pl-PL" sz="1800" dirty="0">
+                <a:hlinkClick r:id="rId2"/>
+              </a:rPr>
+              <a:t>https://upel.agh.edu.pl/pluginfile.php/433098/mod_resource/content/1/wyklad_lokpkt_m.pdf</a:t>
+            </a:r>
+            <a:endParaRPr lang="pl-PL" sz="1800" dirty="0"/>
           </a:p>
           <a:p>
             <a:pPr marL="342900" indent="-342900">
@@ -12686,15 +17294,12 @@
               <a:buChar char="•"/>
             </a:pPr>
             <a:r>
-              <a:rPr lang="pl-PL" sz="1800" dirty="0"/>
-              <a:t>Punkt na tej płaszczyźnie</a:t>
-            </a:r>
-          </a:p>
-          <a:p>
-            <a:r>
-              <a:rPr lang="pl-PL" sz="1800" b="1" dirty="0"/>
-              <a:t>Szukane:</a:t>
-            </a:r>
+              <a:rPr lang="pl-PL" sz="1800" dirty="0">
+                <a:hlinkClick r:id="rId3"/>
+              </a:rPr>
+              <a:t>https://users.dimi.uniud.it/~claudio.mirolo/teaching/geom_comput/presentations/trapezoidal_map.pdf</a:t>
+            </a:r>
+            <a:endParaRPr lang="pl-PL" sz="1800" dirty="0"/>
           </a:p>
           <a:p>
             <a:pPr marL="342900" indent="-342900">
@@ -12702,57 +17307,28 @@
               <a:buChar char="•"/>
             </a:pPr>
             <a:r>
-              <a:rPr lang="pl-PL" sz="1800" dirty="0"/>
-              <a:t>Wielokąt (ściana) zawierająca zadany punkt</a:t>
-            </a:r>
-          </a:p>
-          <a:p>
-            <a:r>
-              <a:rPr lang="pl-PL" sz="1800" b="1" dirty="0"/>
-              <a:t>Oczekiwane złożoności operacji:</a:t>
-            </a:r>
-          </a:p>
-          <a:p>
-            <a:pPr marL="285750" indent="-285750">
+              <a:rPr lang="pl-PL" sz="1800" dirty="0">
+                <a:hlinkClick r:id="rId4"/>
+              </a:rPr>
+              <a:t>http://cglab.ca/~cdillaba/comp5008/trapezoid.html</a:t>
+            </a:r>
+            <a:endParaRPr lang="pl-PL" sz="1800" dirty="0"/>
+          </a:p>
+          <a:p>
+            <a:pPr marL="342900" indent="-342900">
               <a:buFont typeface="Arial" panose="020B0604020202020204" pitchFamily="34" charset="0"/>
               <a:buChar char="•"/>
             </a:pPr>
-            <a:r>
-              <a:rPr lang="pl-PL" sz="1800" dirty="0"/>
-              <a:t>Pamięciowa O(n)</a:t>
-            </a:r>
-          </a:p>
-          <a:p>
-            <a:pPr marL="285750" indent="-285750">
-              <a:buFont typeface="Arial" panose="020B0604020202020204" pitchFamily="34" charset="0"/>
-              <a:buChar char="•"/>
-            </a:pPr>
-            <a:r>
-              <a:rPr lang="pl-PL" sz="1800" dirty="0"/>
-              <a:t>Czasowa lokalizacji O(log n)</a:t>
-            </a:r>
-          </a:p>
-          <a:p>
-            <a:pPr marL="285750" indent="-285750">
-              <a:buFont typeface="Arial" panose="020B0604020202020204" pitchFamily="34" charset="0"/>
-              <a:buChar char="•"/>
-            </a:pPr>
-            <a:r>
-              <a:rPr lang="pl-PL" sz="1800" dirty="0"/>
-              <a:t>Czasowa konstrukcji O(n log n)</a:t>
-            </a:r>
-          </a:p>
-          <a:p>
             <a:endParaRPr lang="pl-PL" sz="1800" dirty="0"/>
           </a:p>
         </p:txBody>
       </p:sp>
       <p:pic>
         <p:nvPicPr>
-          <p:cNvPr id="5" name="Obraz 4">
-            <a:extLst>
-              <a:ext uri="{FF2B5EF4-FFF2-40B4-BE49-F238E27FC236}">
-                <a16:creationId xmlns:a16="http://schemas.microsoft.com/office/drawing/2014/main" id="{8E59BFDA-C88F-1EED-A77E-0E0DE8BE9803}"/>
+          <p:cNvPr id="7" name="Graphic 6" descr="Książki">
+            <a:extLst>
+              <a:ext uri="{FF2B5EF4-FFF2-40B4-BE49-F238E27FC236}">
+                <a16:creationId xmlns:a16="http://schemas.microsoft.com/office/drawing/2014/main" id="{54226F69-72F2-EF9F-22ED-EA51BED02BBB}"/>
               </a:ext>
             </a:extLst>
           </p:cNvPr>
@@ -12762,15 +17338,24 @@
           <p:nvPr/>
         </p:nvPicPr>
         <p:blipFill>
-          <a:blip r:embed="rId2"/>
+          <a:blip r:embed="rId5">
+            <a:extLst>
+              <a:ext uri="{28A0092B-C50C-407E-A947-70E740481C1C}">
+                <a14:useLocalDpi xmlns:a14="http://schemas.microsoft.com/office/drawing/2010/main" val="0"/>
+              </a:ext>
+              <a:ext uri="{96DAC541-7B7A-43D3-8B79-37D633B846F1}">
+                <asvg:svgBlip xmlns:asvg="http://schemas.microsoft.com/office/drawing/2016/SVG/main" r:embed="rId6"/>
+              </a:ext>
+            </a:extLst>
+          </a:blip>
           <a:stretch>
             <a:fillRect/>
           </a:stretch>
         </p:blipFill>
         <p:spPr>
           <a:xfrm>
-            <a:off x="517867" y="624890"/>
-            <a:ext cx="4959823" cy="5604319"/>
+            <a:off x="334987" y="206474"/>
+            <a:ext cx="2517941" cy="2517941"/>
           </a:xfrm>
           <a:prstGeom prst="rect">
             <a:avLst/>
@@ -12779,7 +17364,7 @@
       </p:pic>
       <p:sp>
         <p:nvSpPr>
-          <p:cNvPr id="19" name="Freeform: Shape 18">
+          <p:cNvPr id="12" name="Freeform: Shape 11">
             <a:extLst>
               <a:ext uri="{FF2B5EF4-FFF2-40B4-BE49-F238E27FC236}">
                 <a16:creationId xmlns:a16="http://schemas.microsoft.com/office/drawing/2014/main" id="{6EC109E5-0396-8968-4F42-DFEC280363B6}"/>
@@ -12888,361 +17473,6 @@
     </p:spTree>
     <p:extLst>
       <p:ext uri="{BB962C8B-B14F-4D97-AF65-F5344CB8AC3E}">
-        <p14:creationId xmlns:p14="http://schemas.microsoft.com/office/powerpoint/2010/main" val="3335666821"/>
-      </p:ext>
-    </p:extLst>
-  </p:cSld>
-  <p:clrMapOvr>
-    <a:masterClrMapping/>
-  </p:clrMapOvr>
-</p:sld>
-</file>
-
-<file path=ppt/slides/slide30.xml><?xml version="1.0" encoding="utf-8"?>
-<p:sld xmlns:a="http://schemas.openxmlformats.org/drawingml/2006/main" xmlns:r="http://schemas.openxmlformats.org/officeDocument/2006/relationships" xmlns:p="http://schemas.openxmlformats.org/presentationml/2006/main">
-  <p:cSld>
-    <p:bg>
-      <p:bgPr>
-        <a:solidFill>
-          <a:schemeClr val="bg1"/>
-        </a:solidFill>
-        <a:effectLst/>
-      </p:bgPr>
-    </p:bg>
-    <p:spTree>
-      <p:nvGrpSpPr>
-        <p:cNvPr id="1" name=""/>
-        <p:cNvGrpSpPr/>
-        <p:nvPr/>
-      </p:nvGrpSpPr>
-      <p:grpSpPr>
-        <a:xfrm>
-          <a:off x="0" y="0"/>
-          <a:ext cx="0" cy="0"/>
-          <a:chOff x="0" y="0"/>
-          <a:chExt cx="0" cy="0"/>
-        </a:xfrm>
-      </p:grpSpPr>
-      <p:sp useBgFill="1">
-        <p:nvSpPr>
-          <p:cNvPr id="10" name="Rectangle 9">
-            <a:extLst>
-              <a:ext uri="{FF2B5EF4-FFF2-40B4-BE49-F238E27FC236}">
-                <a16:creationId xmlns:a16="http://schemas.microsoft.com/office/drawing/2014/main" id="{0EC38958-9A69-239A-BA79-2AEC73345F4B}"/>
-              </a:ext>
-              <a:ext uri="{C183D7F6-B498-43B3-948B-1728B52AA6E4}">
-                <adec:decorative xmlns:adec="http://schemas.microsoft.com/office/drawing/2017/decorative" val="1"/>
-              </a:ext>
-            </a:extLst>
-          </p:cNvPr>
-          <p:cNvSpPr>
-            <a:spLocks noGrp="1" noRot="1" noChangeAspect="1" noMove="1" noResize="1" noEditPoints="1" noAdjustHandles="1" noChangeArrowheads="1" noChangeShapeType="1" noTextEdit="1"/>
-          </p:cNvSpPr>
-          <p:nvPr>
-            <p:extLst>
-              <p:ext uri="{386F3935-93C4-4BCD-93E2-E3B085C9AB24}">
-                <p16:designElem xmlns:p16="http://schemas.microsoft.com/office/powerpoint/2015/main" val="1"/>
-              </p:ext>
-            </p:extLst>
-          </p:nvPr>
-        </p:nvSpPr>
-        <p:spPr>
-          <a:xfrm>
-            <a:off x="0" y="0"/>
-            <a:ext cx="12188952" cy="6857995"/>
-          </a:xfrm>
-          <a:prstGeom prst="rect">
-            <a:avLst/>
-          </a:prstGeom>
-          <a:ln>
-            <a:noFill/>
-          </a:ln>
-        </p:spPr>
-        <p:style>
-          <a:lnRef idx="2">
-            <a:schemeClr val="accent1">
-              <a:shade val="50000"/>
-            </a:schemeClr>
-          </a:lnRef>
-          <a:fillRef idx="1">
-            <a:schemeClr val="accent1"/>
-          </a:fillRef>
-          <a:effectRef idx="0">
-            <a:schemeClr val="accent1"/>
-          </a:effectRef>
-          <a:fontRef idx="minor">
-            <a:schemeClr val="lt1"/>
-          </a:fontRef>
-        </p:style>
-        <p:txBody>
-          <a:bodyPr rtlCol="0" anchor="ctr"/>
-          <a:lstStyle/>
-          <a:p>
-            <a:pPr algn="ctr"/>
-            <a:endParaRPr lang="en-US" dirty="0"/>
-          </a:p>
-        </p:txBody>
-      </p:sp>
-      <p:sp>
-        <p:nvSpPr>
-          <p:cNvPr id="2" name="Tytuł 1">
-            <a:extLst>
-              <a:ext uri="{FF2B5EF4-FFF2-40B4-BE49-F238E27FC236}">
-                <a16:creationId xmlns:a16="http://schemas.microsoft.com/office/drawing/2014/main" id="{FA7838B1-CE1C-5D57-A842-18F346A5610B}"/>
-              </a:ext>
-            </a:extLst>
-          </p:cNvPr>
-          <p:cNvSpPr>
-            <a:spLocks noGrp="1"/>
-          </p:cNvSpPr>
-          <p:nvPr>
-            <p:ph type="title"/>
-          </p:nvPr>
-        </p:nvSpPr>
-        <p:spPr>
-          <a:xfrm>
-            <a:off x="6135624" y="976160"/>
-            <a:ext cx="5513832" cy="1463040"/>
-          </a:xfrm>
-        </p:spPr>
-        <p:txBody>
-          <a:bodyPr>
-            <a:normAutofit/>
-          </a:bodyPr>
-          <a:lstStyle/>
-          <a:p>
-            <a:r>
-              <a:rPr lang="pl-PL" sz="4400"/>
-              <a:t>Bibliografia</a:t>
-            </a:r>
-          </a:p>
-        </p:txBody>
-      </p:sp>
-      <p:sp>
-        <p:nvSpPr>
-          <p:cNvPr id="3" name="Symbol zastępczy zawartości 2">
-            <a:extLst>
-              <a:ext uri="{FF2B5EF4-FFF2-40B4-BE49-F238E27FC236}">
-                <a16:creationId xmlns:a16="http://schemas.microsoft.com/office/drawing/2014/main" id="{DF652D17-E43B-27F3-9C73-5FFD18C6E9F9}"/>
-              </a:ext>
-            </a:extLst>
-          </p:cNvPr>
-          <p:cNvSpPr>
-            <a:spLocks noGrp="1"/>
-          </p:cNvSpPr>
-          <p:nvPr>
-            <p:ph idx="1"/>
-          </p:nvPr>
-        </p:nvSpPr>
-        <p:spPr>
-          <a:xfrm>
-            <a:off x="334987" y="2930888"/>
-            <a:ext cx="11273321" cy="3419021"/>
-          </a:xfrm>
-        </p:spPr>
-        <p:txBody>
-          <a:bodyPr>
-            <a:normAutofit/>
-          </a:bodyPr>
-          <a:lstStyle/>
-          <a:p>
-            <a:pPr marL="342900" indent="-342900">
-              <a:buFont typeface="Arial" panose="020B0604020202020204" pitchFamily="34" charset="0"/>
-              <a:buChar char="•"/>
-            </a:pPr>
-            <a:r>
-              <a:rPr lang="pl-PL" sz="1800" dirty="0">
-                <a:hlinkClick r:id="rId2"/>
-              </a:rPr>
-              <a:t>https://upel.agh.edu.pl/pluginfile.php/433098/mod_resource/content/1/wyklad_lokpkt_m.pdf</a:t>
-            </a:r>
-            <a:endParaRPr lang="pl-PL" sz="1800" dirty="0"/>
-          </a:p>
-          <a:p>
-            <a:pPr marL="342900" indent="-342900">
-              <a:buFont typeface="Arial" panose="020B0604020202020204" pitchFamily="34" charset="0"/>
-              <a:buChar char="•"/>
-            </a:pPr>
-            <a:r>
-              <a:rPr lang="pl-PL" sz="1800" dirty="0">
-                <a:hlinkClick r:id="rId3"/>
-              </a:rPr>
-              <a:t>https://users.dimi.uniud.it/~claudio.mirolo/teaching/geom_comput/presentations/trapezoidal_map.pdf</a:t>
-            </a:r>
-            <a:endParaRPr lang="pl-PL" sz="1800" dirty="0"/>
-          </a:p>
-          <a:p>
-            <a:pPr marL="342900" indent="-342900">
-              <a:buFont typeface="Arial" panose="020B0604020202020204" pitchFamily="34" charset="0"/>
-              <a:buChar char="•"/>
-            </a:pPr>
-            <a:r>
-              <a:rPr lang="pl-PL" sz="1800" dirty="0">
-                <a:hlinkClick r:id="rId4"/>
-              </a:rPr>
-              <a:t>http://cglab.ca/~cdillaba/comp5008/trapezoid.html</a:t>
-            </a:r>
-            <a:endParaRPr lang="pl-PL" sz="1800" dirty="0"/>
-          </a:p>
-          <a:p>
-            <a:pPr marL="342900" indent="-342900">
-              <a:buFont typeface="Arial" panose="020B0604020202020204" pitchFamily="34" charset="0"/>
-              <a:buChar char="•"/>
-            </a:pPr>
-            <a:endParaRPr lang="pl-PL" sz="1800" dirty="0"/>
-          </a:p>
-        </p:txBody>
-      </p:sp>
-      <p:pic>
-        <p:nvPicPr>
-          <p:cNvPr id="7" name="Graphic 6" descr="Książki">
-            <a:extLst>
-              <a:ext uri="{FF2B5EF4-FFF2-40B4-BE49-F238E27FC236}">
-                <a16:creationId xmlns:a16="http://schemas.microsoft.com/office/drawing/2014/main" id="{54226F69-72F2-EF9F-22ED-EA51BED02BBB}"/>
-              </a:ext>
-            </a:extLst>
-          </p:cNvPr>
-          <p:cNvPicPr>
-            <a:picLocks noChangeAspect="1"/>
-          </p:cNvPicPr>
-          <p:nvPr/>
-        </p:nvPicPr>
-        <p:blipFill>
-          <a:blip r:embed="rId5">
-            <a:extLst>
-              <a:ext uri="{28A0092B-C50C-407E-A947-70E740481C1C}">
-                <a14:useLocalDpi xmlns:a14="http://schemas.microsoft.com/office/drawing/2010/main" val="0"/>
-              </a:ext>
-              <a:ext uri="{96DAC541-7B7A-43D3-8B79-37D633B846F1}">
-                <asvg:svgBlip xmlns:asvg="http://schemas.microsoft.com/office/drawing/2016/SVG/main" r:embed="rId6"/>
-              </a:ext>
-            </a:extLst>
-          </a:blip>
-          <a:stretch>
-            <a:fillRect/>
-          </a:stretch>
-        </p:blipFill>
-        <p:spPr>
-          <a:xfrm>
-            <a:off x="334987" y="206474"/>
-            <a:ext cx="2517941" cy="2517941"/>
-          </a:xfrm>
-          <a:prstGeom prst="rect">
-            <a:avLst/>
-          </a:prstGeom>
-        </p:spPr>
-      </p:pic>
-      <p:sp>
-        <p:nvSpPr>
-          <p:cNvPr id="12" name="Freeform: Shape 11">
-            <a:extLst>
-              <a:ext uri="{FF2B5EF4-FFF2-40B4-BE49-F238E27FC236}">
-                <a16:creationId xmlns:a16="http://schemas.microsoft.com/office/drawing/2014/main" id="{6EC109E5-0396-8968-4F42-DFEC280363B6}"/>
-              </a:ext>
-              <a:ext uri="{C183D7F6-B498-43B3-948B-1728B52AA6E4}">
-                <adec:decorative xmlns:adec="http://schemas.microsoft.com/office/drawing/2017/decorative" val="1"/>
-              </a:ext>
-            </a:extLst>
-          </p:cNvPr>
-          <p:cNvSpPr>
-            <a:spLocks noGrp="1" noRot="1" noChangeAspect="1" noMove="1" noResize="1" noEditPoints="1" noAdjustHandles="1" noChangeArrowheads="1" noChangeShapeType="1" noTextEdit="1"/>
-          </p:cNvSpPr>
-          <p:nvPr>
-            <p:extLst>
-              <p:ext uri="{386F3935-93C4-4BCD-93E2-E3B085C9AB24}">
-                <p16:designElem xmlns:p16="http://schemas.microsoft.com/office/powerpoint/2015/main" val="1"/>
-              </p:ext>
-            </p:extLst>
-          </p:nvPr>
-        </p:nvSpPr>
-        <p:spPr>
-          <a:xfrm>
-            <a:off x="6135624" y="508090"/>
-            <a:ext cx="5513832" cy="149279"/>
-          </a:xfrm>
-          <a:custGeom>
-            <a:avLst/>
-            <a:gdLst>
-              <a:gd name="connsiteX0" fmla="*/ 0 w 6090847"/>
-              <a:gd name="connsiteY0" fmla="*/ 0 h 149279"/>
-              <a:gd name="connsiteX1" fmla="*/ 6090847 w 6090847"/>
-              <a:gd name="connsiteY1" fmla="*/ 0 h 149279"/>
-              <a:gd name="connsiteX2" fmla="*/ 6090847 w 6090847"/>
-              <a:gd name="connsiteY2" fmla="*/ 149279 h 149279"/>
-              <a:gd name="connsiteX3" fmla="*/ 0 w 6090847"/>
-              <a:gd name="connsiteY3" fmla="*/ 149279 h 149279"/>
-            </a:gdLst>
-            <a:ahLst/>
-            <a:cxnLst>
-              <a:cxn ang="0">
-                <a:pos x="connsiteX0" y="connsiteY0"/>
-              </a:cxn>
-              <a:cxn ang="0">
-                <a:pos x="connsiteX1" y="connsiteY1"/>
-              </a:cxn>
-              <a:cxn ang="0">
-                <a:pos x="connsiteX2" y="connsiteY2"/>
-              </a:cxn>
-              <a:cxn ang="0">
-                <a:pos x="connsiteX3" y="connsiteY3"/>
-              </a:cxn>
-            </a:cxnLst>
-            <a:rect l="l" t="t" r="r" b="b"/>
-            <a:pathLst>
-              <a:path w="6090847" h="149279">
-                <a:moveTo>
-                  <a:pt x="0" y="0"/>
-                </a:moveTo>
-                <a:lnTo>
-                  <a:pt x="6090847" y="0"/>
-                </a:lnTo>
-                <a:lnTo>
-                  <a:pt x="6090847" y="149279"/>
-                </a:lnTo>
-                <a:lnTo>
-                  <a:pt x="0" y="149279"/>
-                </a:lnTo>
-                <a:close/>
-              </a:path>
-            </a:pathLst>
-          </a:custGeom>
-          <a:solidFill>
-            <a:schemeClr val="tx1"/>
-          </a:solidFill>
-          <a:ln>
-            <a:noFill/>
-          </a:ln>
-        </p:spPr>
-        <p:style>
-          <a:lnRef idx="2">
-            <a:schemeClr val="accent1">
-              <a:shade val="50000"/>
-            </a:schemeClr>
-          </a:lnRef>
-          <a:fillRef idx="1">
-            <a:schemeClr val="accent1"/>
-          </a:fillRef>
-          <a:effectRef idx="0">
-            <a:schemeClr val="accent1"/>
-          </a:effectRef>
-          <a:fontRef idx="minor">
-            <a:schemeClr val="lt1"/>
-          </a:fontRef>
-        </p:style>
-        <p:txBody>
-          <a:bodyPr wrap="square" rtlCol="0" anchor="ctr">
-            <a:noAutofit/>
-          </a:bodyPr>
-          <a:lstStyle/>
-          <a:p>
-            <a:pPr algn="ctr"/>
-            <a:endParaRPr lang="en-US"/>
-          </a:p>
-        </p:txBody>
-      </p:sp>
-    </p:spTree>
-    <p:extLst>
-      <p:ext uri="{BB962C8B-B14F-4D97-AF65-F5344CB8AC3E}">
         <p14:creationId xmlns:p14="http://schemas.microsoft.com/office/powerpoint/2010/main" val="4184343902"/>
       </p:ext>
     </p:extLst>
@@ -13253,7 +17483,7 @@
 </p:sld>
 </file>
 
-<file path=ppt/slides/slide31.xml><?xml version="1.0" encoding="utf-8"?>
+<file path=ppt/slides/slide38.xml><?xml version="1.0" encoding="utf-8"?>
 <p:sld xmlns:a="http://schemas.openxmlformats.org/drawingml/2006/main" xmlns:r="http://schemas.openxmlformats.org/officeDocument/2006/relationships" xmlns:p="http://schemas.openxmlformats.org/presentationml/2006/main">
   <p:cSld>
     <p:bg>
